--- a/IMK/SuvABeWe.pptx
+++ b/IMK/SuvABeWe.pptx
@@ -2,15 +2,19 @@
 <file path=ppt/presentation.xml><?xml version="1.0" encoding="utf-8"?>
 <p:presentation xmlns:a="http://schemas.openxmlformats.org/drawingml/2006/main" xmlns:r="http://schemas.openxmlformats.org/officeDocument/2006/relationships" xmlns:p="http://schemas.openxmlformats.org/presentationml/2006/main" saveSubsetFonts="1">
   <p:sldMasterIdLst>
-    <p:sldMasterId id="2147483684" r:id="rId1"/>
+    <p:sldMasterId id="2147483720" r:id="rId1"/>
   </p:sldMasterIdLst>
   <p:sldIdLst>
     <p:sldId id="257" r:id="rId2"/>
     <p:sldId id="259" r:id="rId3"/>
     <p:sldId id="258" r:id="rId4"/>
     <p:sldId id="262" r:id="rId5"/>
-    <p:sldId id="260" r:id="rId6"/>
-    <p:sldId id="261" r:id="rId7"/>
+    <p:sldId id="261" r:id="rId6"/>
+    <p:sldId id="264" r:id="rId7"/>
+    <p:sldId id="263" r:id="rId8"/>
+    <p:sldId id="265" r:id="rId9"/>
+    <p:sldId id="266" r:id="rId10"/>
+    <p:sldId id="267" r:id="rId11"/>
   </p:sldIdLst>
   <p:sldSz cx="9144000" cy="6858000" type="screen4x3"/>
   <p:notesSz cx="6858000" cy="9144000"/>
@@ -115,11 +119,6 @@
 <file path=ppt/slideLayouts/slideLayout1.xml><?xml version="1.0" encoding="utf-8"?>
 <p:sldLayout xmlns:a="http://schemas.openxmlformats.org/drawingml/2006/main" xmlns:r="http://schemas.openxmlformats.org/officeDocument/2006/relationships" xmlns:p="http://schemas.openxmlformats.org/presentationml/2006/main" type="title" preserve="1">
   <p:cSld name="Title Slide">
-    <p:bg>
-      <p:bgRef idx="1002">
-        <a:schemeClr val="bg2"/>
-      </p:bgRef>
-    </p:bg>
     <p:spTree>
       <p:nvGrpSpPr>
         <p:cNvPr id="1" name=""/>
@@ -136,7 +135,7 @@
       </p:grpSpPr>
       <p:sp>
         <p:nvSpPr>
-          <p:cNvPr id="9" name="Title 8"/>
+          <p:cNvPr id="2" name="Title 1"/>
           <p:cNvSpPr>
             <a:spLocks noGrp="1"/>
           </p:cNvSpPr>
@@ -146,70 +145,36 @@
         </p:nvSpPr>
         <p:spPr>
           <a:xfrm>
-            <a:off x="533400" y="1371600"/>
-            <a:ext cx="7851648" cy="1828800"/>
+            <a:off x="685800" y="1905000"/>
+            <a:ext cx="7543800" cy="2593975"/>
           </a:xfrm>
-          <a:ln>
-            <a:noFill/>
-          </a:ln>
         </p:spPr>
         <p:txBody>
-          <a:bodyPr vert="horz" tIns="0" rIns="18288" bIns="0" anchor="b">
-            <a:normAutofit/>
-            <a:scene3d>
-              <a:camera prst="orthographicFront"/>
-              <a:lightRig rig="freezing" dir="t">
-                <a:rot lat="0" lon="0" rev="5640000"/>
-              </a:lightRig>
-            </a:scene3d>
-            <a:sp3d prstMaterial="flat">
-              <a:bevelT w="38100" h="38100"/>
-              <a:contourClr>
-                <a:schemeClr val="tx2"/>
-              </a:contourClr>
-            </a:sp3d>
-          </a:bodyPr>
+          <a:bodyPr anchor="b"/>
           <a:lstStyle>
-            <a:lvl1pPr algn="r" rtl="0">
-              <a:spcBef>
-                <a:spcPct val="0"/>
-              </a:spcBef>
-              <a:buNone/>
-              <a:defRPr sz="5600" b="1">
+            <a:lvl1pPr>
+              <a:defRPr sz="6600">
                 <a:ln>
                   <a:noFill/>
                 </a:ln>
                 <a:solidFill>
-                  <a:schemeClr val="accent3">
-                    <a:tint val="90000"/>
-                    <a:satMod val="120000"/>
-                  </a:schemeClr>
+                  <a:schemeClr val="tx2"/>
                 </a:solidFill>
-                <a:effectLst>
-                  <a:outerShdw blurRad="38100" dist="25400" dir="5400000" algn="tl" rotWithShape="0">
-                    <a:srgbClr val="000000">
-                      <a:alpha val="43000"/>
-                    </a:srgbClr>
-                  </a:outerShdw>
-                </a:effectLst>
-                <a:latin typeface="+mj-lt"/>
-                <a:ea typeface="+mj-ea"/>
-                <a:cs typeface="+mj-cs"/>
               </a:defRPr>
             </a:lvl1pPr>
           </a:lstStyle>
           <a:p>
             <a:r>
-              <a:rPr kumimoji="0" lang="en-US" smtClean="0"/>
+              <a:rPr lang="en-US" smtClean="0"/>
               <a:t>Click to edit Master title style</a:t>
             </a:r>
-            <a:endParaRPr kumimoji="0" lang="en-US"/>
-          </a:p>
-        </p:txBody>
-      </p:sp>
-      <p:sp>
-        <p:nvSpPr>
-          <p:cNvPr id="17" name="Subtitle 16"/>
+            <a:endParaRPr lang="en-US" dirty="0"/>
+          </a:p>
+        </p:txBody>
+      </p:sp>
+      <p:sp>
+        <p:nvSpPr>
+          <p:cNvPr id="3" name="Subtitle 2"/>
           <p:cNvSpPr>
             <a:spLocks noGrp="1"/>
           </p:cNvSpPr>
@@ -219,58 +184,118 @@
         </p:nvSpPr>
         <p:spPr>
           <a:xfrm>
-            <a:off x="533400" y="3228536"/>
-            <a:ext cx="7854696" cy="1752600"/>
+            <a:off x="685800" y="4572000"/>
+            <a:ext cx="6461760" cy="1066800"/>
           </a:xfrm>
         </p:spPr>
         <p:txBody>
-          <a:bodyPr lIns="0" rIns="18288"/>
+          <a:bodyPr anchor="t">
+            <a:normAutofit/>
+          </a:bodyPr>
           <a:lstStyle>
-            <a:lvl1pPr marL="0" marR="45720" indent="0" algn="r">
-              <a:buNone/>
-              <a:defRPr>
+            <a:lvl1pPr marL="0" indent="0" algn="l">
+              <a:buNone/>
+              <a:defRPr sz="2000">
                 <a:solidFill>
-                  <a:schemeClr val="tx1"/>
+                  <a:schemeClr val="tx1">
+                    <a:tint val="75000"/>
+                  </a:schemeClr>
                 </a:solidFill>
               </a:defRPr>
             </a:lvl1pPr>
             <a:lvl2pPr marL="457200" indent="0" algn="ctr">
               <a:buNone/>
+              <a:defRPr>
+                <a:solidFill>
+                  <a:schemeClr val="tx1">
+                    <a:tint val="75000"/>
+                  </a:schemeClr>
+                </a:solidFill>
+              </a:defRPr>
             </a:lvl2pPr>
             <a:lvl3pPr marL="914400" indent="0" algn="ctr">
               <a:buNone/>
+              <a:defRPr>
+                <a:solidFill>
+                  <a:schemeClr val="tx1">
+                    <a:tint val="75000"/>
+                  </a:schemeClr>
+                </a:solidFill>
+              </a:defRPr>
             </a:lvl3pPr>
             <a:lvl4pPr marL="1371600" indent="0" algn="ctr">
               <a:buNone/>
+              <a:defRPr>
+                <a:solidFill>
+                  <a:schemeClr val="tx1">
+                    <a:tint val="75000"/>
+                  </a:schemeClr>
+                </a:solidFill>
+              </a:defRPr>
             </a:lvl4pPr>
             <a:lvl5pPr marL="1828800" indent="0" algn="ctr">
               <a:buNone/>
+              <a:defRPr>
+                <a:solidFill>
+                  <a:schemeClr val="tx1">
+                    <a:tint val="75000"/>
+                  </a:schemeClr>
+                </a:solidFill>
+              </a:defRPr>
             </a:lvl5pPr>
             <a:lvl6pPr marL="2286000" indent="0" algn="ctr">
               <a:buNone/>
+              <a:defRPr>
+                <a:solidFill>
+                  <a:schemeClr val="tx1">
+                    <a:tint val="75000"/>
+                  </a:schemeClr>
+                </a:solidFill>
+              </a:defRPr>
             </a:lvl6pPr>
             <a:lvl7pPr marL="2743200" indent="0" algn="ctr">
               <a:buNone/>
+              <a:defRPr>
+                <a:solidFill>
+                  <a:schemeClr val="tx1">
+                    <a:tint val="75000"/>
+                  </a:schemeClr>
+                </a:solidFill>
+              </a:defRPr>
             </a:lvl7pPr>
             <a:lvl8pPr marL="3200400" indent="0" algn="ctr">
               <a:buNone/>
+              <a:defRPr>
+                <a:solidFill>
+                  <a:schemeClr val="tx1">
+                    <a:tint val="75000"/>
+                  </a:schemeClr>
+                </a:solidFill>
+              </a:defRPr>
             </a:lvl8pPr>
             <a:lvl9pPr marL="3657600" indent="0" algn="ctr">
               <a:buNone/>
+              <a:defRPr>
+                <a:solidFill>
+                  <a:schemeClr val="tx1">
+                    <a:tint val="75000"/>
+                  </a:schemeClr>
+                </a:solidFill>
+              </a:defRPr>
             </a:lvl9pPr>
           </a:lstStyle>
           <a:p>
             <a:r>
-              <a:rPr kumimoji="0" lang="en-US" smtClean="0"/>
+              <a:rPr lang="en-US" smtClean="0"/>
               <a:t>Click to edit Master subtitle style</a:t>
             </a:r>
-            <a:endParaRPr kumimoji="0" lang="en-US"/>
-          </a:p>
-        </p:txBody>
-      </p:sp>
-      <p:sp>
-        <p:nvSpPr>
-          <p:cNvPr id="30" name="Date Placeholder 29"/>
+            <a:endParaRPr lang="en-US" dirty="0"/>
+          </a:p>
+        </p:txBody>
+      </p:sp>
+      <p:sp>
+        <p:nvSpPr>
+          <p:cNvPr id="4" name="Date Placeholder 3"/>
           <p:cNvSpPr>
             <a:spLocks noGrp="1"/>
           </p:cNvSpPr>
@@ -294,7 +319,7 @@
       </p:sp>
       <p:sp>
         <p:nvSpPr>
-          <p:cNvPr id="19" name="Footer Placeholder 18"/>
+          <p:cNvPr id="5" name="Footer Placeholder 4"/>
           <p:cNvSpPr>
             <a:spLocks noGrp="1"/>
           </p:cNvSpPr>
@@ -313,7 +338,7 @@
       </p:sp>
       <p:sp>
         <p:nvSpPr>
-          <p:cNvPr id="27" name="Slide Number Placeholder 26"/>
+          <p:cNvPr id="6" name="Slide Number Placeholder 5"/>
           <p:cNvSpPr>
             <a:spLocks noGrp="1"/>
           </p:cNvSpPr>
@@ -338,7 +363,7 @@
     </p:spTree>
   </p:cSld>
   <p:clrMapOvr>
-    <a:overrideClrMapping bg1="dk1" tx1="lt1" bg2="dk2" tx2="lt2" accent1="accent1" accent2="accent2" accent3="accent3" accent4="accent4" accent5="accent5" accent6="accent6" hlink="hlink" folHlink="folHlink"/>
+    <a:masterClrMapping/>
   </p:clrMapOvr>
 </p:sldLayout>
 </file>
@@ -376,10 +401,10 @@
           <a:lstStyle/>
           <a:p>
             <a:r>
-              <a:rPr kumimoji="0" lang="en-US" smtClean="0"/>
+              <a:rPr lang="en-US" smtClean="0"/>
               <a:t>Click to edit Master title style</a:t>
             </a:r>
-            <a:endParaRPr kumimoji="0" lang="en-US"/>
+            <a:endParaRPr lang="en-US"/>
           </a:p>
         </p:txBody>
       </p:sp>
@@ -398,40 +423,40 @@
           <a:bodyPr vert="eaVert"/>
           <a:lstStyle/>
           <a:p>
-            <a:pPr lvl="0" eaLnBrk="1" latinLnBrk="0" hangingPunct="1"/>
+            <a:pPr lvl="0"/>
             <a:r>
               <a:rPr lang="en-US" smtClean="0"/>
               <a:t>Click to edit Master text styles</a:t>
             </a:r>
           </a:p>
           <a:p>
-            <a:pPr lvl="1" eaLnBrk="1" latinLnBrk="0" hangingPunct="1"/>
+            <a:pPr lvl="1"/>
             <a:r>
               <a:rPr lang="en-US" smtClean="0"/>
               <a:t>Second level</a:t>
             </a:r>
           </a:p>
           <a:p>
-            <a:pPr lvl="2" eaLnBrk="1" latinLnBrk="0" hangingPunct="1"/>
+            <a:pPr lvl="2"/>
             <a:r>
               <a:rPr lang="en-US" smtClean="0"/>
               <a:t>Third level</a:t>
             </a:r>
           </a:p>
           <a:p>
-            <a:pPr lvl="3" eaLnBrk="1" latinLnBrk="0" hangingPunct="1"/>
+            <a:pPr lvl="3"/>
             <a:r>
               <a:rPr lang="en-US" smtClean="0"/>
               <a:t>Fourth level</a:t>
             </a:r>
           </a:p>
           <a:p>
-            <a:pPr lvl="4" eaLnBrk="1" latinLnBrk="0" hangingPunct="1"/>
+            <a:pPr lvl="4"/>
             <a:r>
               <a:rPr lang="en-US" smtClean="0"/>
               <a:t>Fifth level</a:t>
             </a:r>
-            <a:endParaRPr kumimoji="0" lang="en-US"/>
+            <a:endParaRPr lang="en-US"/>
           </a:p>
         </p:txBody>
       </p:sp>
@@ -539,76 +564,76 @@
         </p:nvSpPr>
         <p:spPr>
           <a:xfrm>
-            <a:off x="6629400" y="914401"/>
-            <a:ext cx="2057400" cy="5211763"/>
+            <a:off x="6629400" y="274638"/>
+            <a:ext cx="1752600" cy="5851525"/>
           </a:xfrm>
         </p:spPr>
         <p:txBody>
+          <a:bodyPr vert="eaVert" anchor="b" anchorCtr="0"/>
+          <a:lstStyle/>
+          <a:p>
+            <a:r>
+              <a:rPr lang="en-US" smtClean="0"/>
+              <a:t>Click to edit Master title style</a:t>
+            </a:r>
+            <a:endParaRPr lang="en-US" dirty="0"/>
+          </a:p>
+        </p:txBody>
+      </p:sp>
+      <p:sp>
+        <p:nvSpPr>
+          <p:cNvPr id="3" name="Vertical Text Placeholder 2"/>
+          <p:cNvSpPr>
+            <a:spLocks noGrp="1"/>
+          </p:cNvSpPr>
+          <p:nvPr>
+            <p:ph type="body" orient="vert" idx="1"/>
+          </p:nvPr>
+        </p:nvSpPr>
+        <p:spPr>
+          <a:xfrm>
+            <a:off x="457200" y="274638"/>
+            <a:ext cx="6019800" cy="5851525"/>
+          </a:xfrm>
+        </p:spPr>
+        <p:txBody>
           <a:bodyPr vert="eaVert"/>
           <a:lstStyle/>
           <a:p>
-            <a:r>
-              <a:rPr kumimoji="0" lang="en-US" smtClean="0"/>
-              <a:t>Click to edit Master title style</a:t>
-            </a:r>
-            <a:endParaRPr kumimoji="0" lang="en-US"/>
-          </a:p>
-        </p:txBody>
-      </p:sp>
-      <p:sp>
-        <p:nvSpPr>
-          <p:cNvPr id="3" name="Vertical Text Placeholder 2"/>
-          <p:cNvSpPr>
-            <a:spLocks noGrp="1"/>
-          </p:cNvSpPr>
-          <p:nvPr>
-            <p:ph type="body" orient="vert" idx="1"/>
-          </p:nvPr>
-        </p:nvSpPr>
-        <p:spPr>
-          <a:xfrm>
-            <a:off x="457200" y="914401"/>
-            <a:ext cx="6019800" cy="5211763"/>
-          </a:xfrm>
-        </p:spPr>
-        <p:txBody>
-          <a:bodyPr vert="eaVert"/>
-          <a:lstStyle/>
-          <a:p>
-            <a:pPr lvl="0" eaLnBrk="1" latinLnBrk="0" hangingPunct="1"/>
+            <a:pPr lvl="0"/>
             <a:r>
               <a:rPr lang="en-US" smtClean="0"/>
               <a:t>Click to edit Master text styles</a:t>
             </a:r>
           </a:p>
           <a:p>
-            <a:pPr lvl="1" eaLnBrk="1" latinLnBrk="0" hangingPunct="1"/>
+            <a:pPr lvl="1"/>
             <a:r>
               <a:rPr lang="en-US" smtClean="0"/>
               <a:t>Second level</a:t>
             </a:r>
           </a:p>
           <a:p>
-            <a:pPr lvl="2" eaLnBrk="1" latinLnBrk="0" hangingPunct="1"/>
+            <a:pPr lvl="2"/>
             <a:r>
               <a:rPr lang="en-US" smtClean="0"/>
               <a:t>Third level</a:t>
             </a:r>
           </a:p>
           <a:p>
-            <a:pPr lvl="3" eaLnBrk="1" latinLnBrk="0" hangingPunct="1"/>
+            <a:pPr lvl="3"/>
             <a:r>
               <a:rPr lang="en-US" smtClean="0"/>
               <a:t>Fourth level</a:t>
             </a:r>
           </a:p>
           <a:p>
-            <a:pPr lvl="4" eaLnBrk="1" latinLnBrk="0" hangingPunct="1"/>
+            <a:pPr lvl="4"/>
             <a:r>
               <a:rPr lang="en-US" smtClean="0"/>
               <a:t>Fifth level</a:t>
             </a:r>
-            <a:endParaRPr kumimoji="0" lang="en-US"/>
+            <a:endParaRPr lang="en-US"/>
           </a:p>
         </p:txBody>
       </p:sp>
@@ -720,10 +745,10 @@
           <a:lstStyle/>
           <a:p>
             <a:r>
-              <a:rPr kumimoji="0" lang="en-US" smtClean="0"/>
+              <a:rPr lang="en-US" smtClean="0"/>
               <a:t>Click to edit Master title style</a:t>
             </a:r>
-            <a:endParaRPr kumimoji="0" lang="en-US"/>
+            <a:endParaRPr lang="en-US"/>
           </a:p>
         </p:txBody>
       </p:sp>
@@ -742,40 +767,40 @@
           <a:bodyPr/>
           <a:lstStyle/>
           <a:p>
-            <a:pPr lvl="0" eaLnBrk="1" latinLnBrk="0" hangingPunct="1"/>
+            <a:pPr lvl="0"/>
             <a:r>
               <a:rPr lang="en-US" smtClean="0"/>
               <a:t>Click to edit Master text styles</a:t>
             </a:r>
           </a:p>
           <a:p>
-            <a:pPr lvl="1" eaLnBrk="1" latinLnBrk="0" hangingPunct="1"/>
+            <a:pPr lvl="1"/>
             <a:r>
               <a:rPr lang="en-US" smtClean="0"/>
               <a:t>Second level</a:t>
             </a:r>
           </a:p>
           <a:p>
-            <a:pPr lvl="2" eaLnBrk="1" latinLnBrk="0" hangingPunct="1"/>
+            <a:pPr lvl="2"/>
             <a:r>
               <a:rPr lang="en-US" smtClean="0"/>
               <a:t>Third level</a:t>
             </a:r>
           </a:p>
           <a:p>
-            <a:pPr lvl="3" eaLnBrk="1" latinLnBrk="0" hangingPunct="1"/>
+            <a:pPr lvl="3"/>
             <a:r>
               <a:rPr lang="en-US" smtClean="0"/>
               <a:t>Fourth level</a:t>
             </a:r>
           </a:p>
           <a:p>
-            <a:pPr lvl="4" eaLnBrk="1" latinLnBrk="0" hangingPunct="1"/>
+            <a:pPr lvl="4"/>
             <a:r>
               <a:rPr lang="en-US" smtClean="0"/>
               <a:t>Fifth level</a:t>
             </a:r>
-            <a:endParaRPr kumimoji="0" lang="en-US"/>
+            <a:endParaRPr lang="en-US"/>
           </a:p>
         </p:txBody>
       </p:sp>
@@ -857,11 +882,6 @@
 <file path=ppt/slideLayouts/slideLayout3.xml><?xml version="1.0" encoding="utf-8"?>
 <p:sldLayout xmlns:a="http://schemas.openxmlformats.org/drawingml/2006/main" xmlns:r="http://schemas.openxmlformats.org/officeDocument/2006/relationships" xmlns:p="http://schemas.openxmlformats.org/presentationml/2006/main" type="secHead" preserve="1">
   <p:cSld name="Section Header">
-    <p:bg>
-      <p:bgRef idx="1002">
-        <a:schemeClr val="bg2"/>
-      </p:bgRef>
-    </p:bg>
     <p:spTree>
       <p:nvGrpSpPr>
         <p:cNvPr id="1" name=""/>
@@ -888,61 +908,23 @@
         </p:nvSpPr>
         <p:spPr>
           <a:xfrm>
-            <a:off x="530352" y="1316736"/>
-            <a:ext cx="7772400" cy="1362456"/>
+            <a:off x="722313" y="5486400"/>
+            <a:ext cx="7659687" cy="1168400"/>
           </a:xfrm>
-          <a:ln>
-            <a:noFill/>
-          </a:ln>
         </p:spPr>
         <p:txBody>
-          <a:bodyPr vert="horz" tIns="0" bIns="0" anchor="b">
-            <a:noAutofit/>
-            <a:scene3d>
-              <a:camera prst="orthographicFront"/>
-              <a:lightRig rig="freezing" dir="t">
-                <a:rot lat="0" lon="0" rev="5640000"/>
-              </a:lightRig>
-            </a:scene3d>
-            <a:sp3d prstMaterial="flat">
-              <a:bevelT w="38100" h="38100"/>
-            </a:sp3d>
-          </a:bodyPr>
+          <a:bodyPr anchor="t"/>
           <a:lstStyle>
-            <a:lvl1pPr algn="l" rtl="0">
-              <a:spcBef>
-                <a:spcPct val="0"/>
-              </a:spcBef>
-              <a:buNone/>
-              <a:defRPr lang="en-US" sz="5600" b="1" cap="none" baseline="0" dirty="0">
-                <a:ln w="635">
-                  <a:noFill/>
-                </a:ln>
-                <a:solidFill>
-                  <a:schemeClr val="accent4">
-                    <a:tint val="90000"/>
-                    <a:satMod val="125000"/>
-                  </a:schemeClr>
-                </a:solidFill>
-                <a:effectLst>
-                  <a:outerShdw blurRad="38100" dist="25400" dir="5400000" algn="tl" rotWithShape="0">
-                    <a:srgbClr val="000000">
-                      <a:alpha val="43000"/>
-                    </a:srgbClr>
-                  </a:outerShdw>
-                </a:effectLst>
-                <a:latin typeface="+mj-lt"/>
-                <a:ea typeface="+mj-ea"/>
-                <a:cs typeface="+mj-cs"/>
-              </a:defRPr>
+            <a:lvl1pPr algn="l">
+              <a:defRPr sz="3600" b="0" cap="all"/>
             </a:lvl1pPr>
           </a:lstStyle>
           <a:p>
             <a:r>
-              <a:rPr kumimoji="0" lang="en-US" smtClean="0"/>
+              <a:rPr lang="en-US" smtClean="0"/>
               <a:t>Click to edit Master title style</a:t>
             </a:r>
-            <a:endParaRPr kumimoji="0" lang="en-US"/>
+            <a:endParaRPr lang="en-US" dirty="0"/>
           </a:p>
         </p:txBody>
       </p:sp>
@@ -958,22 +940,24 @@
         </p:nvSpPr>
         <p:spPr>
           <a:xfrm>
-            <a:off x="530352" y="2704664"/>
-            <a:ext cx="7772400" cy="1509712"/>
+            <a:off x="722313" y="3852863"/>
+            <a:ext cx="6135687" cy="1633538"/>
           </a:xfrm>
         </p:spPr>
         <p:txBody>
-          <a:bodyPr lIns="45720" rIns="45720" anchor="t"/>
+          <a:bodyPr anchor="b"/>
           <a:lstStyle>
             <a:lvl1pPr marL="0" indent="0">
               <a:buNone/>
-              <a:defRPr sz="2200">
+              <a:defRPr sz="2000">
                 <a:solidFill>
-                  <a:schemeClr val="tx1"/>
+                  <a:schemeClr val="tx1">
+                    <a:tint val="75000"/>
+                  </a:schemeClr>
                 </a:solidFill>
               </a:defRPr>
             </a:lvl1pPr>
-            <a:lvl2pPr>
+            <a:lvl2pPr marL="457200" indent="0">
               <a:buNone/>
               <a:defRPr sz="1800">
                 <a:solidFill>
@@ -983,7 +967,7 @@
                 </a:solidFill>
               </a:defRPr>
             </a:lvl2pPr>
-            <a:lvl3pPr>
+            <a:lvl3pPr marL="914400" indent="0">
               <a:buNone/>
               <a:defRPr sz="1600">
                 <a:solidFill>
@@ -993,7 +977,7 @@
                 </a:solidFill>
               </a:defRPr>
             </a:lvl3pPr>
-            <a:lvl4pPr>
+            <a:lvl4pPr marL="1371600" indent="0">
               <a:buNone/>
               <a:defRPr sz="1400">
                 <a:solidFill>
@@ -1003,7 +987,7 @@
                 </a:solidFill>
               </a:defRPr>
             </a:lvl4pPr>
-            <a:lvl5pPr>
+            <a:lvl5pPr marL="1828800" indent="0">
               <a:buNone/>
               <a:defRPr sz="1400">
                 <a:solidFill>
@@ -1013,11 +997,51 @@
                 </a:solidFill>
               </a:defRPr>
             </a:lvl5pPr>
+            <a:lvl6pPr marL="2286000" indent="0">
+              <a:buNone/>
+              <a:defRPr sz="1400">
+                <a:solidFill>
+                  <a:schemeClr val="tx1">
+                    <a:tint val="75000"/>
+                  </a:schemeClr>
+                </a:solidFill>
+              </a:defRPr>
+            </a:lvl6pPr>
+            <a:lvl7pPr marL="2743200" indent="0">
+              <a:buNone/>
+              <a:defRPr sz="1400">
+                <a:solidFill>
+                  <a:schemeClr val="tx1">
+                    <a:tint val="75000"/>
+                  </a:schemeClr>
+                </a:solidFill>
+              </a:defRPr>
+            </a:lvl7pPr>
+            <a:lvl8pPr marL="3200400" indent="0">
+              <a:buNone/>
+              <a:defRPr sz="1400">
+                <a:solidFill>
+                  <a:schemeClr val="tx1">
+                    <a:tint val="75000"/>
+                  </a:schemeClr>
+                </a:solidFill>
+              </a:defRPr>
+            </a:lvl8pPr>
+            <a:lvl9pPr marL="3657600" indent="0">
+              <a:buNone/>
+              <a:defRPr sz="1400">
+                <a:solidFill>
+                  <a:schemeClr val="tx1">
+                    <a:tint val="75000"/>
+                  </a:schemeClr>
+                </a:solidFill>
+              </a:defRPr>
+            </a:lvl9pPr>
           </a:lstStyle>
           <a:p>
-            <a:pPr lvl="0" eaLnBrk="1" latinLnBrk="0" hangingPunct="1"/>
-            <a:r>
-              <a:rPr kumimoji="0" lang="en-US" smtClean="0"/>
+            <a:pPr lvl="0"/>
+            <a:r>
+              <a:rPr lang="en-US" smtClean="0"/>
               <a:t>Click to edit Master text styles</a:t>
             </a:r>
           </a:p>
@@ -1093,7 +1117,7 @@
     </p:spTree>
   </p:cSld>
   <p:clrMapOvr>
-    <a:overrideClrMapping bg1="dk1" tx1="lt1" bg2="dk2" tx2="lt2" accent1="accent1" accent2="accent2" accent3="accent3" accent4="accent4" accent5="accent5" accent6="accent6" hlink="hlink" folHlink="folHlink"/>
+    <a:masterClrMapping/>
   </p:clrMapOvr>
 </p:sldLayout>
 </file>
@@ -1125,45 +1149,40 @@
             <p:ph type="title"/>
           </p:nvPr>
         </p:nvSpPr>
+        <p:spPr/>
+        <p:txBody>
+          <a:bodyPr/>
+          <a:lstStyle/>
+          <a:p>
+            <a:r>
+              <a:rPr lang="en-US" smtClean="0"/>
+              <a:t>Click to edit Master title style</a:t>
+            </a:r>
+            <a:endParaRPr lang="en-US"/>
+          </a:p>
+        </p:txBody>
+      </p:sp>
+      <p:sp>
+        <p:nvSpPr>
+          <p:cNvPr id="3" name="Content Placeholder 2"/>
+          <p:cNvSpPr>
+            <a:spLocks noGrp="1"/>
+          </p:cNvSpPr>
+          <p:nvPr>
+            <p:ph sz="half" idx="1"/>
+          </p:nvPr>
+        </p:nvSpPr>
         <p:spPr>
           <a:xfrm>
-            <a:off x="457200" y="704088"/>
-            <a:ext cx="8229600" cy="1143000"/>
-          </a:xfrm>
-        </p:spPr>
-        <p:txBody>
-          <a:bodyPr/>
-          <a:lstStyle/>
-          <a:p>
-            <a:r>
-              <a:rPr kumimoji="0" lang="en-US" smtClean="0"/>
-              <a:t>Click to edit Master title style</a:t>
-            </a:r>
-            <a:endParaRPr kumimoji="0" lang="en-US"/>
-          </a:p>
-        </p:txBody>
-      </p:sp>
-      <p:sp>
-        <p:nvSpPr>
-          <p:cNvPr id="3" name="Content Placeholder 2"/>
-          <p:cNvSpPr>
-            <a:spLocks noGrp="1"/>
-          </p:cNvSpPr>
-          <p:nvPr>
-            <p:ph sz="half" idx="1"/>
-          </p:nvPr>
-        </p:nvSpPr>
-        <p:spPr>
-          <a:xfrm>
-            <a:off x="457200" y="1920085"/>
-            <a:ext cx="4038600" cy="4434840"/>
+            <a:off x="457200" y="1536192"/>
+            <a:ext cx="3657600" cy="4590288"/>
           </a:xfrm>
         </p:spPr>
         <p:txBody>
           <a:bodyPr/>
           <a:lstStyle>
             <a:lvl1pPr>
-              <a:defRPr sz="2600"/>
+              <a:defRPr sz="2800"/>
             </a:lvl1pPr>
             <a:lvl2pPr>
               <a:defRPr sz="2400"/>
@@ -1177,42 +1196,54 @@
             <a:lvl5pPr>
               <a:defRPr sz="1800"/>
             </a:lvl5pPr>
+            <a:lvl6pPr>
+              <a:defRPr sz="1800"/>
+            </a:lvl6pPr>
+            <a:lvl7pPr>
+              <a:defRPr sz="1800"/>
+            </a:lvl7pPr>
+            <a:lvl8pPr>
+              <a:defRPr sz="1800"/>
+            </a:lvl8pPr>
+            <a:lvl9pPr>
+              <a:defRPr sz="1800"/>
+            </a:lvl9pPr>
           </a:lstStyle>
           <a:p>
-            <a:pPr lvl="0" eaLnBrk="1" latinLnBrk="0" hangingPunct="1"/>
+            <a:pPr lvl="0"/>
             <a:r>
               <a:rPr lang="en-US" smtClean="0"/>
               <a:t>Click to edit Master text styles</a:t>
             </a:r>
           </a:p>
           <a:p>
-            <a:pPr lvl="1" eaLnBrk="1" latinLnBrk="0" hangingPunct="1"/>
+            <a:pPr lvl="1"/>
             <a:r>
               <a:rPr lang="en-US" smtClean="0"/>
               <a:t>Second level</a:t>
             </a:r>
           </a:p>
           <a:p>
-            <a:pPr lvl="2" eaLnBrk="1" latinLnBrk="0" hangingPunct="1"/>
+            <a:pPr lvl="2"/>
             <a:r>
               <a:rPr lang="en-US" smtClean="0"/>
               <a:t>Third level</a:t>
             </a:r>
           </a:p>
           <a:p>
-            <a:pPr lvl="3" eaLnBrk="1" latinLnBrk="0" hangingPunct="1"/>
+            <a:pPr lvl="3"/>
             <a:r>
               <a:rPr lang="en-US" smtClean="0"/>
               <a:t>Fourth level</a:t>
             </a:r>
           </a:p>
           <a:p>
-            <a:pPr lvl="4" eaLnBrk="1" latinLnBrk="0" hangingPunct="1"/>
+            <a:pPr lvl="4"/>
             <a:r>
               <a:rPr lang="en-US" smtClean="0"/>
               <a:t>Fifth level</a:t>
             </a:r>
-            <a:endParaRPr kumimoji="0" lang="en-US"/>
+            <a:endParaRPr lang="en-US" dirty="0"/>
           </a:p>
         </p:txBody>
       </p:sp>
@@ -1228,15 +1259,15 @@
         </p:nvSpPr>
         <p:spPr>
           <a:xfrm>
-            <a:off x="4648200" y="1920085"/>
-            <a:ext cx="4038600" cy="4434840"/>
+            <a:off x="4419600" y="1536192"/>
+            <a:ext cx="3657600" cy="4590288"/>
           </a:xfrm>
         </p:spPr>
         <p:txBody>
           <a:bodyPr/>
           <a:lstStyle>
             <a:lvl1pPr>
-              <a:defRPr sz="2600"/>
+              <a:defRPr sz="2800"/>
             </a:lvl1pPr>
             <a:lvl2pPr>
               <a:defRPr sz="2400"/>
@@ -1250,42 +1281,54 @@
             <a:lvl5pPr>
               <a:defRPr sz="1800"/>
             </a:lvl5pPr>
+            <a:lvl6pPr>
+              <a:defRPr sz="1800"/>
+            </a:lvl6pPr>
+            <a:lvl7pPr>
+              <a:defRPr sz="1800"/>
+            </a:lvl7pPr>
+            <a:lvl8pPr>
+              <a:defRPr sz="1800"/>
+            </a:lvl8pPr>
+            <a:lvl9pPr>
+              <a:defRPr sz="1800"/>
+            </a:lvl9pPr>
           </a:lstStyle>
           <a:p>
-            <a:pPr lvl="0" eaLnBrk="1" latinLnBrk="0" hangingPunct="1"/>
+            <a:pPr lvl="0"/>
             <a:r>
               <a:rPr lang="en-US" smtClean="0"/>
               <a:t>Click to edit Master text styles</a:t>
             </a:r>
           </a:p>
           <a:p>
-            <a:pPr lvl="1" eaLnBrk="1" latinLnBrk="0" hangingPunct="1"/>
+            <a:pPr lvl="1"/>
             <a:r>
               <a:rPr lang="en-US" smtClean="0"/>
               <a:t>Second level</a:t>
             </a:r>
           </a:p>
           <a:p>
-            <a:pPr lvl="2" eaLnBrk="1" latinLnBrk="0" hangingPunct="1"/>
+            <a:pPr lvl="2"/>
             <a:r>
               <a:rPr lang="en-US" smtClean="0"/>
               <a:t>Third level</a:t>
             </a:r>
           </a:p>
           <a:p>
-            <a:pPr lvl="3" eaLnBrk="1" latinLnBrk="0" hangingPunct="1"/>
+            <a:pPr lvl="3"/>
             <a:r>
               <a:rPr lang="en-US" smtClean="0"/>
               <a:t>Fourth level</a:t>
             </a:r>
           </a:p>
           <a:p>
-            <a:pPr lvl="4" eaLnBrk="1" latinLnBrk="0" hangingPunct="1"/>
+            <a:pPr lvl="4"/>
             <a:r>
               <a:rPr lang="en-US" smtClean="0"/>
               <a:t>Fifth level</a:t>
             </a:r>
-            <a:endParaRPr kumimoji="0" lang="en-US"/>
+            <a:endParaRPr lang="en-US" dirty="0"/>
           </a:p>
         </p:txBody>
       </p:sp>
@@ -1391,14 +1434,9 @@
             <p:ph type="title"/>
           </p:nvPr>
         </p:nvSpPr>
-        <p:spPr>
-          <a:xfrm>
-            <a:off x="457200" y="704088"/>
-            <a:ext cx="8229600" cy="1143000"/>
-          </a:xfrm>
-        </p:spPr>
-        <p:txBody>
-          <a:bodyPr tIns="45720" anchor="b"/>
+        <p:spPr/>
+        <p:txBody>
+          <a:bodyPr/>
           <a:lstStyle>
             <a:lvl1pPr>
               <a:defRPr/>
@@ -1406,10 +1444,10 @@
           </a:lstStyle>
           <a:p>
             <a:r>
-              <a:rPr kumimoji="0" lang="en-US" smtClean="0"/>
+              <a:rPr lang="en-US" smtClean="0"/>
               <a:t>Click to edit Master title style</a:t>
             </a:r>
-            <a:endParaRPr kumimoji="0" lang="en-US"/>
+            <a:endParaRPr lang="en-US"/>
           </a:p>
         </p:txBody>
       </p:sp>
@@ -1425,45 +1463,60 @@
         </p:nvSpPr>
         <p:spPr>
           <a:xfrm>
-            <a:off x="457200" y="1855248"/>
-            <a:ext cx="4040188" cy="659352"/>
+            <a:off x="457200" y="1535113"/>
+            <a:ext cx="3657600" cy="639762"/>
           </a:xfrm>
         </p:spPr>
         <p:txBody>
-          <a:bodyPr lIns="45720" tIns="0" rIns="45720" bIns="0" anchor="ctr">
+          <a:bodyPr anchor="b">
             <a:noAutofit/>
           </a:bodyPr>
           <a:lstStyle>
-            <a:lvl1pPr marL="0" indent="0">
-              <a:buNone/>
-              <a:defRPr sz="2400" b="1" cap="none" baseline="0">
+            <a:lvl1pPr marL="0" indent="0" algn="ctr">
+              <a:buNone/>
+              <a:defRPr sz="2000" b="1">
                 <a:solidFill>
                   <a:schemeClr val="tx2"/>
                 </a:solidFill>
-                <a:effectLst/>
               </a:defRPr>
             </a:lvl1pPr>
-            <a:lvl2pPr>
+            <a:lvl2pPr marL="457200" indent="0">
               <a:buNone/>
               <a:defRPr sz="2000" b="1"/>
             </a:lvl2pPr>
-            <a:lvl3pPr>
+            <a:lvl3pPr marL="914400" indent="0">
               <a:buNone/>
               <a:defRPr sz="1800" b="1"/>
             </a:lvl3pPr>
-            <a:lvl4pPr>
+            <a:lvl4pPr marL="1371600" indent="0">
               <a:buNone/>
               <a:defRPr sz="1600" b="1"/>
             </a:lvl4pPr>
-            <a:lvl5pPr>
+            <a:lvl5pPr marL="1828800" indent="0">
               <a:buNone/>
               <a:defRPr sz="1600" b="1"/>
             </a:lvl5pPr>
+            <a:lvl6pPr marL="2286000" indent="0">
+              <a:buNone/>
+              <a:defRPr sz="1600" b="1"/>
+            </a:lvl6pPr>
+            <a:lvl7pPr marL="2743200" indent="0">
+              <a:buNone/>
+              <a:defRPr sz="1600" b="1"/>
+            </a:lvl7pPr>
+            <a:lvl8pPr marL="3200400" indent="0">
+              <a:buNone/>
+              <a:defRPr sz="1600" b="1"/>
+            </a:lvl8pPr>
+            <a:lvl9pPr marL="3657600" indent="0">
+              <a:buNone/>
+              <a:defRPr sz="1600" b="1"/>
+            </a:lvl9pPr>
           </a:lstStyle>
           <a:p>
-            <a:pPr lvl="0" eaLnBrk="1" latinLnBrk="0" hangingPunct="1"/>
-            <a:r>
-              <a:rPr kumimoji="0" lang="en-US" smtClean="0"/>
+            <a:pPr lvl="0"/>
+            <a:r>
+              <a:rPr lang="en-US" smtClean="0"/>
               <a:t>Click to edit Master text styles</a:t>
             </a:r>
           </a:p>
@@ -1471,79 +1524,25 @@
       </p:sp>
       <p:sp>
         <p:nvSpPr>
-          <p:cNvPr id="4" name="Text Placeholder 3"/>
-          <p:cNvSpPr>
-            <a:spLocks noGrp="1"/>
-          </p:cNvSpPr>
-          <p:nvPr>
-            <p:ph type="body" sz="half" idx="3"/>
+          <p:cNvPr id="4" name="Content Placeholder 3"/>
+          <p:cNvSpPr>
+            <a:spLocks noGrp="1"/>
+          </p:cNvSpPr>
+          <p:nvPr>
+            <p:ph sz="half" idx="2"/>
           </p:nvPr>
         </p:nvSpPr>
         <p:spPr>
           <a:xfrm>
-            <a:off x="4645025" y="1859757"/>
-            <a:ext cx="4041775" cy="654843"/>
+            <a:off x="457200" y="2174875"/>
+            <a:ext cx="3657600" cy="3951288"/>
           </a:xfrm>
         </p:spPr>
         <p:txBody>
-          <a:bodyPr lIns="45720" tIns="0" rIns="45720" bIns="0" anchor="ctr"/>
-          <a:lstStyle>
-            <a:lvl1pPr marL="0" indent="0">
-              <a:buNone/>
-              <a:defRPr sz="2400" b="1" cap="none" baseline="0">
-                <a:solidFill>
-                  <a:schemeClr val="tx2"/>
-                </a:solidFill>
-                <a:effectLst/>
-              </a:defRPr>
-            </a:lvl1pPr>
-            <a:lvl2pPr>
-              <a:buNone/>
-              <a:defRPr sz="2000" b="1"/>
-            </a:lvl2pPr>
-            <a:lvl3pPr>
-              <a:buNone/>
-              <a:defRPr sz="1800" b="1"/>
-            </a:lvl3pPr>
-            <a:lvl4pPr>
-              <a:buNone/>
-              <a:defRPr sz="1600" b="1"/>
-            </a:lvl4pPr>
-            <a:lvl5pPr>
-              <a:buNone/>
-              <a:defRPr sz="1600" b="1"/>
-            </a:lvl5pPr>
-          </a:lstStyle>
-          <a:p>
-            <a:pPr lvl="0" eaLnBrk="1" latinLnBrk="0" hangingPunct="1"/>
-            <a:r>
-              <a:rPr kumimoji="0" lang="en-US" smtClean="0"/>
-              <a:t>Click to edit Master text styles</a:t>
-            </a:r>
-          </a:p>
-        </p:txBody>
-      </p:sp>
-      <p:sp>
-        <p:nvSpPr>
-          <p:cNvPr id="5" name="Content Placeholder 4"/>
-          <p:cNvSpPr>
-            <a:spLocks noGrp="1"/>
-          </p:cNvSpPr>
-          <p:nvPr>
-            <p:ph sz="quarter" idx="2"/>
-          </p:nvPr>
-        </p:nvSpPr>
-        <p:spPr>
-          <a:xfrm>
-            <a:off x="457200" y="2514600"/>
-            <a:ext cx="4040188" cy="3845720"/>
-          </a:xfrm>
-        </p:spPr>
-        <p:txBody>
-          <a:bodyPr tIns="0"/>
+          <a:bodyPr/>
           <a:lstStyle>
             <a:lvl1pPr>
-              <a:defRPr sz="2200"/>
+              <a:defRPr sz="2400"/>
             </a:lvl1pPr>
             <a:lvl2pPr>
               <a:defRPr sz="2000"/>
@@ -1557,66 +1556,149 @@
             <a:lvl5pPr>
               <a:defRPr sz="1600"/>
             </a:lvl5pPr>
+            <a:lvl6pPr>
+              <a:defRPr sz="1600"/>
+            </a:lvl6pPr>
+            <a:lvl7pPr>
+              <a:defRPr sz="1600"/>
+            </a:lvl7pPr>
+            <a:lvl8pPr>
+              <a:defRPr sz="1600"/>
+            </a:lvl8pPr>
+            <a:lvl9pPr>
+              <a:defRPr sz="1600"/>
+            </a:lvl9pPr>
           </a:lstStyle>
           <a:p>
-            <a:pPr lvl="0" eaLnBrk="1" latinLnBrk="0" hangingPunct="1"/>
+            <a:pPr lvl="0"/>
             <a:r>
               <a:rPr lang="en-US" smtClean="0"/>
               <a:t>Click to edit Master text styles</a:t>
             </a:r>
           </a:p>
           <a:p>
-            <a:pPr lvl="1" eaLnBrk="1" latinLnBrk="0" hangingPunct="1"/>
+            <a:pPr lvl="1"/>
             <a:r>
               <a:rPr lang="en-US" smtClean="0"/>
               <a:t>Second level</a:t>
             </a:r>
           </a:p>
           <a:p>
-            <a:pPr lvl="2" eaLnBrk="1" latinLnBrk="0" hangingPunct="1"/>
+            <a:pPr lvl="2"/>
             <a:r>
               <a:rPr lang="en-US" smtClean="0"/>
               <a:t>Third level</a:t>
             </a:r>
           </a:p>
           <a:p>
-            <a:pPr lvl="3" eaLnBrk="1" latinLnBrk="0" hangingPunct="1"/>
+            <a:pPr lvl="3"/>
             <a:r>
               <a:rPr lang="en-US" smtClean="0"/>
               <a:t>Fourth level</a:t>
             </a:r>
           </a:p>
           <a:p>
-            <a:pPr lvl="4" eaLnBrk="1" latinLnBrk="0" hangingPunct="1"/>
+            <a:pPr lvl="4"/>
             <a:r>
               <a:rPr lang="en-US" smtClean="0"/>
               <a:t>Fifth level</a:t>
             </a:r>
-            <a:endParaRPr kumimoji="0" lang="en-US"/>
-          </a:p>
-        </p:txBody>
-      </p:sp>
-      <p:sp>
-        <p:nvSpPr>
-          <p:cNvPr id="6" name="Content Placeholder 5"/>
-          <p:cNvSpPr>
-            <a:spLocks noGrp="1"/>
-          </p:cNvSpPr>
-          <p:nvPr>
-            <p:ph sz="quarter" idx="4"/>
+            <a:endParaRPr lang="en-US" dirty="0"/>
+          </a:p>
+        </p:txBody>
+      </p:sp>
+      <p:sp>
+        <p:nvSpPr>
+          <p:cNvPr id="5" name="Text Placeholder 4"/>
+          <p:cNvSpPr>
+            <a:spLocks noGrp="1"/>
+          </p:cNvSpPr>
+          <p:nvPr>
+            <p:ph type="body" sz="quarter" idx="3"/>
           </p:nvPr>
         </p:nvSpPr>
         <p:spPr>
           <a:xfrm>
-            <a:off x="4645025" y="2514600"/>
-            <a:ext cx="4041775" cy="3845720"/>
+            <a:off x="4419600" y="1535113"/>
+            <a:ext cx="3657600" cy="639762"/>
           </a:xfrm>
         </p:spPr>
         <p:txBody>
-          <a:bodyPr tIns="0"/>
+          <a:bodyPr anchor="b">
+            <a:noAutofit/>
+          </a:bodyPr>
+          <a:lstStyle>
+            <a:lvl1pPr marL="0" indent="0" algn="ctr">
+              <a:buNone/>
+              <a:defRPr sz="2000" b="1">
+                <a:solidFill>
+                  <a:schemeClr val="tx2"/>
+                </a:solidFill>
+              </a:defRPr>
+            </a:lvl1pPr>
+            <a:lvl2pPr marL="457200" indent="0">
+              <a:buNone/>
+              <a:defRPr sz="2000" b="1"/>
+            </a:lvl2pPr>
+            <a:lvl3pPr marL="914400" indent="0">
+              <a:buNone/>
+              <a:defRPr sz="1800" b="1"/>
+            </a:lvl3pPr>
+            <a:lvl4pPr marL="1371600" indent="0">
+              <a:buNone/>
+              <a:defRPr sz="1600" b="1"/>
+            </a:lvl4pPr>
+            <a:lvl5pPr marL="1828800" indent="0">
+              <a:buNone/>
+              <a:defRPr sz="1600" b="1"/>
+            </a:lvl5pPr>
+            <a:lvl6pPr marL="2286000" indent="0">
+              <a:buNone/>
+              <a:defRPr sz="1600" b="1"/>
+            </a:lvl6pPr>
+            <a:lvl7pPr marL="2743200" indent="0">
+              <a:buNone/>
+              <a:defRPr sz="1600" b="1"/>
+            </a:lvl7pPr>
+            <a:lvl8pPr marL="3200400" indent="0">
+              <a:buNone/>
+              <a:defRPr sz="1600" b="1"/>
+            </a:lvl8pPr>
+            <a:lvl9pPr marL="3657600" indent="0">
+              <a:buNone/>
+              <a:defRPr sz="1600" b="1"/>
+            </a:lvl9pPr>
+          </a:lstStyle>
+          <a:p>
+            <a:pPr lvl="0"/>
+            <a:r>
+              <a:rPr lang="en-US" smtClean="0"/>
+              <a:t>Click to edit Master text styles</a:t>
+            </a:r>
+          </a:p>
+        </p:txBody>
+      </p:sp>
+      <p:sp>
+        <p:nvSpPr>
+          <p:cNvPr id="6" name="Content Placeholder 5"/>
+          <p:cNvSpPr>
+            <a:spLocks noGrp="1"/>
+          </p:cNvSpPr>
+          <p:nvPr>
+            <p:ph sz="quarter" idx="4"/>
+          </p:nvPr>
+        </p:nvSpPr>
+        <p:spPr>
+          <a:xfrm>
+            <a:off x="4419600" y="2174875"/>
+            <a:ext cx="3657600" cy="3951288"/>
+          </a:xfrm>
+        </p:spPr>
+        <p:txBody>
+          <a:bodyPr/>
           <a:lstStyle>
             <a:lvl1pPr>
-              <a:defRPr sz="2200"/>
+              <a:defRPr sz="2400"/>
             </a:lvl1pPr>
             <a:lvl2pPr>
               <a:defRPr sz="2000"/>
@@ -1630,42 +1712,54 @@
             <a:lvl5pPr>
               <a:defRPr sz="1600"/>
             </a:lvl5pPr>
+            <a:lvl6pPr>
+              <a:defRPr sz="1600"/>
+            </a:lvl6pPr>
+            <a:lvl7pPr>
+              <a:defRPr sz="1600"/>
+            </a:lvl7pPr>
+            <a:lvl8pPr>
+              <a:defRPr sz="1600"/>
+            </a:lvl8pPr>
+            <a:lvl9pPr>
+              <a:defRPr sz="1600"/>
+            </a:lvl9pPr>
           </a:lstStyle>
           <a:p>
-            <a:pPr lvl="0" eaLnBrk="1" latinLnBrk="0" hangingPunct="1"/>
+            <a:pPr lvl="0"/>
             <a:r>
               <a:rPr lang="en-US" smtClean="0"/>
               <a:t>Click to edit Master text styles</a:t>
             </a:r>
           </a:p>
           <a:p>
-            <a:pPr lvl="1" eaLnBrk="1" latinLnBrk="0" hangingPunct="1"/>
+            <a:pPr lvl="1"/>
             <a:r>
               <a:rPr lang="en-US" smtClean="0"/>
               <a:t>Second level</a:t>
             </a:r>
           </a:p>
           <a:p>
-            <a:pPr lvl="2" eaLnBrk="1" latinLnBrk="0" hangingPunct="1"/>
+            <a:pPr lvl="2"/>
             <a:r>
               <a:rPr lang="en-US" smtClean="0"/>
               <a:t>Third level</a:t>
             </a:r>
           </a:p>
           <a:p>
-            <a:pPr lvl="3" eaLnBrk="1" latinLnBrk="0" hangingPunct="1"/>
+            <a:pPr lvl="3"/>
             <a:r>
               <a:rPr lang="en-US" smtClean="0"/>
               <a:t>Fourth level</a:t>
             </a:r>
           </a:p>
           <a:p>
-            <a:pPr lvl="4" eaLnBrk="1" latinLnBrk="0" hangingPunct="1"/>
+            <a:pPr lvl="4"/>
             <a:r>
               <a:rPr lang="en-US" smtClean="0"/>
               <a:t>Fifth level</a:t>
             </a:r>
-            <a:endParaRPr kumimoji="0" lang="en-US"/>
+            <a:endParaRPr lang="en-US"/>
           </a:p>
         </p:txBody>
       </p:sp>
@@ -1771,53 +1865,16 @@
             <p:ph type="title"/>
           </p:nvPr>
         </p:nvSpPr>
-        <p:spPr>
-          <a:xfrm>
-            <a:off x="457200" y="704088"/>
-            <a:ext cx="8305800" cy="1143000"/>
-          </a:xfrm>
-        </p:spPr>
-        <p:txBody>
-          <a:bodyPr vert="horz" tIns="45720" bIns="0" anchor="b">
-            <a:normAutofit/>
-            <a:scene3d>
-              <a:camera prst="orthographicFront"/>
-              <a:lightRig rig="freezing" dir="t">
-                <a:rot lat="0" lon="0" rev="5640000"/>
-              </a:lightRig>
-            </a:scene3d>
-            <a:sp3d prstMaterial="flat">
-              <a:contourClr>
-                <a:schemeClr val="tx2"/>
-              </a:contourClr>
-            </a:sp3d>
-          </a:bodyPr>
-          <a:lstStyle>
-            <a:lvl1pPr algn="l" rtl="0">
-              <a:spcBef>
-                <a:spcPct val="0"/>
-              </a:spcBef>
-              <a:buNone/>
-              <a:defRPr sz="5000" b="0">
-                <a:ln>
-                  <a:noFill/>
-                </a:ln>
-                <a:solidFill>
-                  <a:schemeClr val="tx2"/>
-                </a:solidFill>
-                <a:effectLst/>
-                <a:latin typeface="+mj-lt"/>
-                <a:ea typeface="+mj-ea"/>
-                <a:cs typeface="+mj-cs"/>
-              </a:defRPr>
-            </a:lvl1pPr>
-          </a:lstStyle>
-          <a:p>
-            <a:r>
-              <a:rPr kumimoji="0" lang="en-US" smtClean="0"/>
+        <p:spPr/>
+        <p:txBody>
+          <a:bodyPr/>
+          <a:lstStyle/>
+          <a:p>
+            <a:r>
+              <a:rPr lang="en-US" smtClean="0"/>
               <a:t>Click to edit Master title style</a:t>
             </a:r>
-            <a:endParaRPr kumimoji="0" lang="en-US"/>
+            <a:endParaRPr lang="en-US"/>
           </a:p>
         </p:txBody>
       </p:sp>
@@ -2017,162 +2074,90 @@
         </p:nvSpPr>
         <p:spPr>
           <a:xfrm>
-            <a:off x="685800" y="514352"/>
-            <a:ext cx="2743200" cy="1162050"/>
+            <a:off x="304801" y="5495544"/>
+            <a:ext cx="7772400" cy="594360"/>
           </a:xfrm>
         </p:spPr>
         <p:txBody>
-          <a:bodyPr lIns="0" anchor="b">
-            <a:noAutofit/>
+          <a:bodyPr anchor="b"/>
+          <a:lstStyle>
+            <a:lvl1pPr algn="ctr">
+              <a:defRPr sz="2200" b="1"/>
+            </a:lvl1pPr>
+          </a:lstStyle>
+          <a:p>
+            <a:r>
+              <a:rPr lang="en-US" smtClean="0"/>
+              <a:t>Click to edit Master title style</a:t>
+            </a:r>
+            <a:endParaRPr lang="en-US" dirty="0"/>
+          </a:p>
+        </p:txBody>
+      </p:sp>
+      <p:sp>
+        <p:nvSpPr>
+          <p:cNvPr id="4" name="Text Placeholder 3"/>
+          <p:cNvSpPr>
+            <a:spLocks noGrp="1"/>
+          </p:cNvSpPr>
+          <p:nvPr>
+            <p:ph type="body" sz="half" idx="2"/>
+          </p:nvPr>
+        </p:nvSpPr>
+        <p:spPr>
+          <a:xfrm>
+            <a:off x="304799" y="6096000"/>
+            <a:ext cx="7772401" cy="609600"/>
+          </a:xfrm>
+        </p:spPr>
+        <p:txBody>
+          <a:bodyPr>
+            <a:normAutofit/>
           </a:bodyPr>
           <a:lstStyle>
-            <a:lvl1pPr algn="l" rtl="0">
-              <a:spcBef>
-                <a:spcPct val="0"/>
-              </a:spcBef>
-              <a:buNone/>
-              <a:defRPr sz="2600" b="0">
-                <a:ln>
-                  <a:noFill/>
-                </a:ln>
-                <a:solidFill>
-                  <a:schemeClr val="tx2"/>
-                </a:solidFill>
-                <a:effectLst/>
-                <a:latin typeface="+mj-lt"/>
-                <a:ea typeface="+mj-ea"/>
-                <a:cs typeface="+mj-cs"/>
-              </a:defRPr>
+            <a:lvl1pPr marL="0" indent="0" algn="ctr">
+              <a:buNone/>
+              <a:defRPr sz="1600"/>
             </a:lvl1pPr>
-          </a:lstStyle>
-          <a:p>
-            <a:r>
-              <a:rPr kumimoji="0" lang="en-US" smtClean="0"/>
-              <a:t>Click to edit Master title style</a:t>
-            </a:r>
-            <a:endParaRPr kumimoji="0" lang="en-US"/>
-          </a:p>
-        </p:txBody>
-      </p:sp>
-      <p:sp>
-        <p:nvSpPr>
-          <p:cNvPr id="3" name="Text Placeholder 2"/>
-          <p:cNvSpPr>
-            <a:spLocks noGrp="1"/>
-          </p:cNvSpPr>
-          <p:nvPr>
-            <p:ph type="body" idx="2"/>
-          </p:nvPr>
-        </p:nvSpPr>
-        <p:spPr>
-          <a:xfrm>
-            <a:off x="685800" y="1676400"/>
-            <a:ext cx="2743200" cy="4572000"/>
-          </a:xfrm>
-        </p:spPr>
-        <p:txBody>
-          <a:bodyPr lIns="18288" rIns="18288"/>
-          <a:lstStyle>
-            <a:lvl1pPr marL="0" indent="0" algn="l">
-              <a:buNone/>
-              <a:defRPr sz="1400"/>
-            </a:lvl1pPr>
-            <a:lvl2pPr indent="0" algn="l">
+            <a:lvl2pPr marL="457200" indent="0">
               <a:buNone/>
               <a:defRPr sz="1200"/>
             </a:lvl2pPr>
-            <a:lvl3pPr indent="0" algn="l">
+            <a:lvl3pPr marL="914400" indent="0">
               <a:buNone/>
               <a:defRPr sz="1000"/>
             </a:lvl3pPr>
-            <a:lvl4pPr indent="0" algn="l">
+            <a:lvl4pPr marL="1371600" indent="0">
               <a:buNone/>
               <a:defRPr sz="900"/>
             </a:lvl4pPr>
-            <a:lvl5pPr indent="0" algn="l">
+            <a:lvl5pPr marL="1828800" indent="0">
               <a:buNone/>
               <a:defRPr sz="900"/>
             </a:lvl5pPr>
+            <a:lvl6pPr marL="2286000" indent="0">
+              <a:buNone/>
+              <a:defRPr sz="900"/>
+            </a:lvl6pPr>
+            <a:lvl7pPr marL="2743200" indent="0">
+              <a:buNone/>
+              <a:defRPr sz="900"/>
+            </a:lvl7pPr>
+            <a:lvl8pPr marL="3200400" indent="0">
+              <a:buNone/>
+              <a:defRPr sz="900"/>
+            </a:lvl8pPr>
+            <a:lvl9pPr marL="3657600" indent="0">
+              <a:buNone/>
+              <a:defRPr sz="900"/>
+            </a:lvl9pPr>
           </a:lstStyle>
           <a:p>
-            <a:pPr lvl="0" eaLnBrk="1" latinLnBrk="0" hangingPunct="1"/>
-            <a:r>
-              <a:rPr kumimoji="0" lang="en-US" smtClean="0"/>
+            <a:pPr lvl="0"/>
+            <a:r>
+              <a:rPr lang="en-US" smtClean="0"/>
               <a:t>Click to edit Master text styles</a:t>
             </a:r>
-          </a:p>
-        </p:txBody>
-      </p:sp>
-      <p:sp>
-        <p:nvSpPr>
-          <p:cNvPr id="4" name="Content Placeholder 3"/>
-          <p:cNvSpPr>
-            <a:spLocks noGrp="1"/>
-          </p:cNvSpPr>
-          <p:nvPr>
-            <p:ph sz="half" idx="1"/>
-          </p:nvPr>
-        </p:nvSpPr>
-        <p:spPr>
-          <a:xfrm>
-            <a:off x="3575050" y="1676400"/>
-            <a:ext cx="5111750" cy="4572000"/>
-          </a:xfrm>
-        </p:spPr>
-        <p:txBody>
-          <a:bodyPr tIns="0"/>
-          <a:lstStyle>
-            <a:lvl1pPr>
-              <a:defRPr sz="2800"/>
-            </a:lvl1pPr>
-            <a:lvl2pPr>
-              <a:defRPr sz="2600"/>
-            </a:lvl2pPr>
-            <a:lvl3pPr>
-              <a:defRPr sz="2400"/>
-            </a:lvl3pPr>
-            <a:lvl4pPr>
-              <a:defRPr sz="2000"/>
-            </a:lvl4pPr>
-            <a:lvl5pPr>
-              <a:defRPr sz="1800"/>
-            </a:lvl5pPr>
-          </a:lstStyle>
-          <a:p>
-            <a:pPr lvl="0" eaLnBrk="1" latinLnBrk="0" hangingPunct="1"/>
-            <a:r>
-              <a:rPr lang="en-US" smtClean="0"/>
-              <a:t>Click to edit Master text styles</a:t>
-            </a:r>
-          </a:p>
-          <a:p>
-            <a:pPr lvl="1" eaLnBrk="1" latinLnBrk="0" hangingPunct="1"/>
-            <a:r>
-              <a:rPr lang="en-US" smtClean="0"/>
-              <a:t>Second level</a:t>
-            </a:r>
-          </a:p>
-          <a:p>
-            <a:pPr lvl="2" eaLnBrk="1" latinLnBrk="0" hangingPunct="1"/>
-            <a:r>
-              <a:rPr lang="en-US" smtClean="0"/>
-              <a:t>Third level</a:t>
-            </a:r>
-          </a:p>
-          <a:p>
-            <a:pPr lvl="3" eaLnBrk="1" latinLnBrk="0" hangingPunct="1"/>
-            <a:r>
-              <a:rPr lang="en-US" smtClean="0"/>
-              <a:t>Fourth level</a:t>
-            </a:r>
-          </a:p>
-          <a:p>
-            <a:pPr lvl="4" eaLnBrk="1" latinLnBrk="0" hangingPunct="1"/>
-            <a:r>
-              <a:rPr lang="en-US" smtClean="0"/>
-              <a:t>Fifth level</a:t>
-            </a:r>
-            <a:endParaRPr kumimoji="0" lang="en-US"/>
           </a:p>
         </p:txBody>
       </p:sp>
@@ -2239,6 +2224,63 @@
               <a:pPr/>
               <a:t>‹#›</a:t>
             </a:fld>
+            <a:endParaRPr lang="en-US"/>
+          </a:p>
+        </p:txBody>
+      </p:sp>
+      <p:sp>
+        <p:nvSpPr>
+          <p:cNvPr id="9" name="Content Placeholder 8"/>
+          <p:cNvSpPr>
+            <a:spLocks noGrp="1"/>
+          </p:cNvSpPr>
+          <p:nvPr>
+            <p:ph sz="quarter" idx="13"/>
+          </p:nvPr>
+        </p:nvSpPr>
+        <p:spPr>
+          <a:xfrm>
+            <a:off x="304800" y="381000"/>
+            <a:ext cx="7772400" cy="4942840"/>
+          </a:xfrm>
+        </p:spPr>
+        <p:txBody>
+          <a:bodyPr/>
+          <a:lstStyle/>
+          <a:p>
+            <a:pPr lvl="0"/>
+            <a:r>
+              <a:rPr lang="en-US" smtClean="0"/>
+              <a:t>Click to edit Master text styles</a:t>
+            </a:r>
+          </a:p>
+          <a:p>
+            <a:pPr lvl="1"/>
+            <a:r>
+              <a:rPr lang="en-US" smtClean="0"/>
+              <a:t>Second level</a:t>
+            </a:r>
+          </a:p>
+          <a:p>
+            <a:pPr lvl="2"/>
+            <a:r>
+              <a:rPr lang="en-US" smtClean="0"/>
+              <a:t>Third level</a:t>
+            </a:r>
+          </a:p>
+          <a:p>
+            <a:pPr lvl="3"/>
+            <a:r>
+              <a:rPr lang="en-US" smtClean="0"/>
+              <a:t>Fourth level</a:t>
+            </a:r>
+          </a:p>
+          <a:p>
+            <a:pPr lvl="4"/>
+            <a:r>
+              <a:rPr lang="en-US" smtClean="0"/>
+              <a:t>Fifth level</a:t>
+            </a:r>
             <a:endParaRPr lang="en-US"/>
           </a:p>
         </p:txBody>
@@ -2252,7 +2294,7 @@
 </file>
 
 <file path=ppt/slideLayouts/slideLayout9.xml><?xml version="1.0" encoding="utf-8"?>
-<p:sldLayout xmlns:a="http://schemas.openxmlformats.org/drawingml/2006/main" xmlns:r="http://schemas.openxmlformats.org/officeDocument/2006/relationships" xmlns:p="http://schemas.openxmlformats.org/presentationml/2006/main" showMasterSp="0" type="picTx" preserve="1">
+<p:sldLayout xmlns:a="http://schemas.openxmlformats.org/drawingml/2006/main" xmlns:r="http://schemas.openxmlformats.org/officeDocument/2006/relationships" xmlns:p="http://schemas.openxmlformats.org/presentationml/2006/main" type="picTx" preserve="1">
   <p:cSld name="Picture with Caption">
     <p:spTree>
       <p:nvGrpSpPr>
@@ -2270,118 +2312,6 @@
       </p:grpSpPr>
       <p:sp>
         <p:nvSpPr>
-          <p:cNvPr id="9" name="Snip and Round Single Corner Rectangle 8"/>
-          <p:cNvSpPr/>
-          <p:nvPr/>
-        </p:nvSpPr>
-        <p:spPr>
-          <a:xfrm rot="420000" flipV="1">
-            <a:off x="3165753" y="1108077"/>
-            <a:ext cx="5257800" cy="4114800"/>
-          </a:xfrm>
-          <a:prstGeom prst="snipRoundRect">
-            <a:avLst>
-              <a:gd name="adj1" fmla="val 0"/>
-              <a:gd name="adj2" fmla="val 3646"/>
-            </a:avLst>
-          </a:prstGeom>
-          <a:solidFill>
-            <a:srgbClr val="FFFFFF"/>
-          </a:solidFill>
-          <a:ln w="3175" cap="rnd" cmpd="sng" algn="ctr">
-            <a:solidFill>
-              <a:srgbClr val="C0C0C0"/>
-            </a:solidFill>
-            <a:prstDash val="solid"/>
-          </a:ln>
-          <a:effectLst>
-            <a:outerShdw blurRad="63500" dist="38500" dir="7500000" sx="98500" sy="100080" kx="100000" algn="tl" rotWithShape="0">
-              <a:srgbClr val="000000">
-                <a:alpha val="25000"/>
-              </a:srgbClr>
-            </a:outerShdw>
-          </a:effectLst>
-        </p:spPr>
-        <p:style>
-          <a:lnRef idx="2">
-            <a:schemeClr val="accent1"/>
-          </a:lnRef>
-          <a:fillRef idx="1">
-            <a:schemeClr val="accent1"/>
-          </a:fillRef>
-          <a:effectRef idx="0">
-            <a:schemeClr val="accent1"/>
-          </a:effectRef>
-          <a:fontRef idx="minor">
-            <a:schemeClr val="lt1"/>
-          </a:fontRef>
-        </p:style>
-        <p:txBody>
-          <a:bodyPr rtlCol="0" anchor="ctr"/>
-          <a:lstStyle/>
-          <a:p>
-            <a:pPr algn="ctr" eaLnBrk="1" latinLnBrk="0" hangingPunct="1"/>
-            <a:endParaRPr kumimoji="0" lang="en-US"/>
-          </a:p>
-        </p:txBody>
-      </p:sp>
-      <p:sp>
-        <p:nvSpPr>
-          <p:cNvPr id="12" name="Right Triangle 11"/>
-          <p:cNvSpPr/>
-          <p:nvPr/>
-        </p:nvSpPr>
-        <p:spPr>
-          <a:xfrm rot="420000" flipV="1">
-            <a:off x="8004134" y="5359769"/>
-            <a:ext cx="155448" cy="155448"/>
-          </a:xfrm>
-          <a:prstGeom prst="rtTriangle">
-            <a:avLst/>
-          </a:prstGeom>
-          <a:solidFill>
-            <a:srgbClr val="FFFFFF"/>
-          </a:solidFill>
-          <a:ln w="12700" cap="flat" cmpd="sng" algn="ctr">
-            <a:solidFill>
-              <a:srgbClr val="FFFFFF"/>
-            </a:solidFill>
-            <a:prstDash val="solid"/>
-            <a:bevel/>
-          </a:ln>
-          <a:effectLst>
-            <a:outerShdw blurRad="19685" dist="6350" dir="12900000" algn="tl" rotWithShape="0">
-              <a:srgbClr val="000000">
-                <a:alpha val="47000"/>
-              </a:srgbClr>
-            </a:outerShdw>
-          </a:effectLst>
-        </p:spPr>
-        <p:style>
-          <a:lnRef idx="2">
-            <a:schemeClr val="accent1"/>
-          </a:lnRef>
-          <a:fillRef idx="1">
-            <a:schemeClr val="accent1"/>
-          </a:fillRef>
-          <a:effectRef idx="0">
-            <a:schemeClr val="accent1"/>
-          </a:effectRef>
-          <a:fontRef idx="minor">
-            <a:schemeClr val="lt1"/>
-          </a:fontRef>
-        </p:style>
-        <p:txBody>
-          <a:bodyPr rtlCol="0" anchor="ctr"/>
-          <a:lstStyle/>
-          <a:p>
-            <a:pPr algn="ctr" eaLnBrk="1" latinLnBrk="0" hangingPunct="1"/>
-            <a:endParaRPr kumimoji="0" lang="en-US"/>
-          </a:p>
-        </p:txBody>
-      </p:sp>
-      <p:sp>
-        <p:nvSpPr>
           <p:cNvPr id="2" name="Title 1"/>
           <p:cNvSpPr>
             <a:spLocks noGrp="1"/>
@@ -2392,16 +2322,18 @@
         </p:nvSpPr>
         <p:spPr>
           <a:xfrm>
-            <a:off x="609600" y="1176996"/>
-            <a:ext cx="2212848" cy="1582621"/>
+            <a:off x="301752" y="5495278"/>
+            <a:ext cx="7772400" cy="594626"/>
           </a:xfrm>
         </p:spPr>
         <p:txBody>
-          <a:bodyPr vert="horz" lIns="45720" tIns="45720" rIns="45720" bIns="45720" anchor="b"/>
+          <a:bodyPr anchor="b"/>
           <a:lstStyle>
-            <a:lvl1pPr algn="l">
-              <a:buNone/>
-              <a:defRPr sz="2000" b="1">
+            <a:lvl1pPr algn="ctr">
+              <a:defRPr sz="2200" b="1">
+                <a:ln>
+                  <a:noFill/>
+                </a:ln>
                 <a:solidFill>
                   <a:schemeClr val="tx2"/>
                 </a:solidFill>
@@ -2410,57 +2342,140 @@
           </a:lstStyle>
           <a:p>
             <a:r>
-              <a:rPr kumimoji="0" lang="en-US" smtClean="0"/>
+              <a:rPr lang="en-US" smtClean="0"/>
               <a:t>Click to edit Master title style</a:t>
             </a:r>
-            <a:endParaRPr kumimoji="0" lang="en-US"/>
-          </a:p>
-        </p:txBody>
-      </p:sp>
-      <p:sp>
-        <p:nvSpPr>
-          <p:cNvPr id="4" name="Text Placeholder 3"/>
-          <p:cNvSpPr>
-            <a:spLocks noGrp="1"/>
-          </p:cNvSpPr>
-          <p:nvPr>
-            <p:ph type="body" sz="half" idx="2"/>
+            <a:endParaRPr lang="en-US" dirty="0"/>
+          </a:p>
+        </p:txBody>
+      </p:sp>
+      <p:sp>
+        <p:nvSpPr>
+          <p:cNvPr id="3" name="Picture Placeholder 2"/>
+          <p:cNvSpPr>
+            <a:spLocks noGrp="1"/>
+          </p:cNvSpPr>
+          <p:nvPr>
+            <p:ph type="pic" idx="1"/>
           </p:nvPr>
         </p:nvSpPr>
         <p:spPr>
           <a:xfrm>
-            <a:off x="609600" y="2828785"/>
-            <a:ext cx="2209800" cy="2179320"/>
+            <a:off x="0" y="0"/>
+            <a:ext cx="8458200" cy="5486400"/>
           </a:xfrm>
         </p:spPr>
         <p:txBody>
-          <a:bodyPr lIns="64008" rIns="45720" bIns="45720" anchor="t"/>
+          <a:bodyPr/>
           <a:lstStyle>
-            <a:lvl1pPr marL="0" indent="0" algn="l">
-              <a:spcBef>
-                <a:spcPts val="250"/>
-              </a:spcBef>
-              <a:buFontTx/>
-              <a:buNone/>
-              <a:defRPr sz="1300"/>
+            <a:lvl1pPr marL="0" indent="0">
+              <a:buNone/>
+              <a:defRPr sz="3200"/>
             </a:lvl1pPr>
-            <a:lvl2pPr>
+            <a:lvl2pPr marL="457200" indent="0">
+              <a:buNone/>
+              <a:defRPr sz="2800"/>
+            </a:lvl2pPr>
+            <a:lvl3pPr marL="914400" indent="0">
+              <a:buNone/>
+              <a:defRPr sz="2400"/>
+            </a:lvl3pPr>
+            <a:lvl4pPr marL="1371600" indent="0">
+              <a:buNone/>
+              <a:defRPr sz="2000"/>
+            </a:lvl4pPr>
+            <a:lvl5pPr marL="1828800" indent="0">
+              <a:buNone/>
+              <a:defRPr sz="2000"/>
+            </a:lvl5pPr>
+            <a:lvl6pPr marL="2286000" indent="0">
+              <a:buNone/>
+              <a:defRPr sz="2000"/>
+            </a:lvl6pPr>
+            <a:lvl7pPr marL="2743200" indent="0">
+              <a:buNone/>
+              <a:defRPr sz="2000"/>
+            </a:lvl7pPr>
+            <a:lvl8pPr marL="3200400" indent="0">
+              <a:buNone/>
+              <a:defRPr sz="2000"/>
+            </a:lvl8pPr>
+            <a:lvl9pPr marL="3657600" indent="0">
+              <a:buNone/>
+              <a:defRPr sz="2000"/>
+            </a:lvl9pPr>
+          </a:lstStyle>
+          <a:p>
+            <a:r>
+              <a:rPr lang="en-US" smtClean="0"/>
+              <a:t>Click icon to add picture</a:t>
+            </a:r>
+            <a:endParaRPr lang="en-US" dirty="0"/>
+          </a:p>
+        </p:txBody>
+      </p:sp>
+      <p:sp>
+        <p:nvSpPr>
+          <p:cNvPr id="4" name="Text Placeholder 3"/>
+          <p:cNvSpPr>
+            <a:spLocks noGrp="1"/>
+          </p:cNvSpPr>
+          <p:nvPr>
+            <p:ph type="body" sz="half" idx="2"/>
+          </p:nvPr>
+        </p:nvSpPr>
+        <p:spPr>
+          <a:xfrm>
+            <a:off x="301752" y="6096000"/>
+            <a:ext cx="7772400" cy="612648"/>
+          </a:xfrm>
+        </p:spPr>
+        <p:txBody>
+          <a:bodyPr>
+            <a:normAutofit/>
+          </a:bodyPr>
+          <a:lstStyle>
+            <a:lvl1pPr marL="0" indent="0" algn="ctr">
+              <a:buNone/>
+              <a:defRPr sz="1600"/>
+            </a:lvl1pPr>
+            <a:lvl2pPr marL="457200" indent="0">
+              <a:buNone/>
               <a:defRPr sz="1200"/>
             </a:lvl2pPr>
-            <a:lvl3pPr>
+            <a:lvl3pPr marL="914400" indent="0">
+              <a:buNone/>
               <a:defRPr sz="1000"/>
             </a:lvl3pPr>
-            <a:lvl4pPr>
+            <a:lvl4pPr marL="1371600" indent="0">
+              <a:buNone/>
               <a:defRPr sz="900"/>
             </a:lvl4pPr>
-            <a:lvl5pPr>
+            <a:lvl5pPr marL="1828800" indent="0">
+              <a:buNone/>
               <a:defRPr sz="900"/>
             </a:lvl5pPr>
+            <a:lvl6pPr marL="2286000" indent="0">
+              <a:buNone/>
+              <a:defRPr sz="900"/>
+            </a:lvl6pPr>
+            <a:lvl7pPr marL="2743200" indent="0">
+              <a:buNone/>
+              <a:defRPr sz="900"/>
+            </a:lvl7pPr>
+            <a:lvl8pPr marL="3200400" indent="0">
+              <a:buNone/>
+              <a:defRPr sz="900"/>
+            </a:lvl8pPr>
+            <a:lvl9pPr marL="3657600" indent="0">
+              <a:buNone/>
+              <a:defRPr sz="900"/>
+            </a:lvl9pPr>
           </a:lstStyle>
           <a:p>
-            <a:pPr lvl="0" eaLnBrk="1" latinLnBrk="0" hangingPunct="1"/>
-            <a:r>
-              <a:rPr kumimoji="0" lang="en-US" smtClean="0"/>
+            <a:pPr lvl="0"/>
+            <a:r>
+              <a:rPr lang="en-US" smtClean="0"/>
               <a:t>Click to edit Master text styles</a:t>
             </a:r>
           </a:p>
@@ -2468,7 +2483,7 @@
       </p:sp>
       <p:sp>
         <p:nvSpPr>
-          <p:cNvPr id="5" name="Date Placeholder 4"/>
+          <p:cNvPr id="8" name="Date Placeholder 7"/>
           <p:cNvSpPr>
             <a:spLocks noGrp="1"/>
           </p:cNvSpPr>
@@ -2492,39 +2507,15 @@
       </p:sp>
       <p:sp>
         <p:nvSpPr>
-          <p:cNvPr id="6" name="Footer Placeholder 5"/>
-          <p:cNvSpPr>
-            <a:spLocks noGrp="1"/>
-          </p:cNvSpPr>
-          <p:nvPr>
-            <p:ph type="ftr" sz="quarter" idx="11"/>
+          <p:cNvPr id="9" name="Slide Number Placeholder 8"/>
+          <p:cNvSpPr>
+            <a:spLocks noGrp="1"/>
+          </p:cNvSpPr>
+          <p:nvPr>
+            <p:ph type="sldNum" sz="quarter" idx="11"/>
           </p:nvPr>
         </p:nvSpPr>
         <p:spPr/>
-        <p:txBody>
-          <a:bodyPr/>
-          <a:lstStyle/>
-          <a:p>
-            <a:endParaRPr lang="en-US"/>
-          </a:p>
-        </p:txBody>
-      </p:sp>
-      <p:sp>
-        <p:nvSpPr>
-          <p:cNvPr id="7" name="Slide Number Placeholder 6"/>
-          <p:cNvSpPr>
-            <a:spLocks noGrp="1"/>
-          </p:cNvSpPr>
-          <p:nvPr>
-            <p:ph type="sldNum" sz="quarter" idx="12"/>
-          </p:nvPr>
-        </p:nvSpPr>
-        <p:spPr>
-          <a:xfrm>
-            <a:off x="8077200" y="6356350"/>
-            <a:ext cx="609600" cy="365125"/>
-          </a:xfrm>
-        </p:spPr>
         <p:txBody>
           <a:bodyPr/>
           <a:lstStyle/>
@@ -2540,303 +2531,20 @@
       </p:sp>
       <p:sp>
         <p:nvSpPr>
-          <p:cNvPr id="3" name="Picture Placeholder 2"/>
-          <p:cNvSpPr>
-            <a:spLocks noGrp="1"/>
-          </p:cNvSpPr>
-          <p:nvPr>
-            <p:ph type="pic" idx="1"/>
-          </p:nvPr>
-        </p:nvSpPr>
-        <p:spPr>
-          <a:xfrm rot="420000">
-            <a:off x="3485793" y="1199517"/>
-            <a:ext cx="4617720" cy="3931920"/>
-          </a:xfrm>
-          <a:prstGeom prst="rect">
-            <a:avLst/>
-          </a:prstGeom>
-          <a:solidFill>
-            <a:schemeClr val="bg2"/>
-          </a:solidFill>
-          <a:ln w="3000" cap="rnd">
-            <a:solidFill>
-              <a:srgbClr val="C0C0C0"/>
-            </a:solidFill>
-            <a:round/>
-          </a:ln>
-          <a:effectLst/>
-        </p:spPr>
+          <p:cNvPr id="10" name="Footer Placeholder 9"/>
+          <p:cNvSpPr>
+            <a:spLocks noGrp="1"/>
+          </p:cNvSpPr>
+          <p:nvPr>
+            <p:ph type="ftr" sz="quarter" idx="12"/>
+          </p:nvPr>
+        </p:nvSpPr>
+        <p:spPr/>
         <p:txBody>
           <a:bodyPr/>
-          <a:lstStyle>
-            <a:lvl1pPr marL="0" indent="0">
-              <a:buNone/>
-              <a:defRPr sz="3200"/>
-            </a:lvl1pPr>
-          </a:lstStyle>
-          <a:p>
-            <a:r>
-              <a:rPr kumimoji="0" lang="en-US" smtClean="0"/>
-              <a:t>Click icon to add picture</a:t>
-            </a:r>
-            <a:endParaRPr kumimoji="0" lang="en-US" dirty="0"/>
-          </a:p>
-        </p:txBody>
-      </p:sp>
-      <p:sp>
-        <p:nvSpPr>
-          <p:cNvPr id="10" name="Freeform 9"/>
-          <p:cNvSpPr>
-            <a:spLocks/>
-          </p:cNvSpPr>
-          <p:nvPr/>
-        </p:nvSpPr>
-        <p:spPr bwMode="auto">
-          <a:xfrm flipV="1">
-            <a:off x="-9525" y="5816600"/>
-            <a:ext cx="9163050" cy="1041400"/>
-          </a:xfrm>
-          <a:custGeom>
-            <a:avLst>
-              <a:gd name="A1" fmla="val 0"/>
-              <a:gd name="A2" fmla="val 0"/>
-              <a:gd name="A3" fmla="val 0"/>
-              <a:gd name="A4" fmla="val 0"/>
-              <a:gd name="A5" fmla="val 0"/>
-              <a:gd name="A6" fmla="val 0"/>
-              <a:gd name="A7" fmla="val 0"/>
-              <a:gd name="A8" fmla="val 0"/>
-            </a:avLst>
-            <a:gdLst/>
-            <a:ahLst/>
-            <a:cxnLst>
-              <a:cxn ang="0">
-                <a:pos x="6" y="2"/>
-              </a:cxn>
-              <a:cxn ang="0">
-                <a:pos x="2542" y="0"/>
-              </a:cxn>
-              <a:cxn ang="0">
-                <a:pos x="4374" y="367"/>
-              </a:cxn>
-              <a:cxn ang="0">
-                <a:pos x="5766" y="55"/>
-              </a:cxn>
-              <a:cxn ang="0">
-                <a:pos x="5772" y="213"/>
-              </a:cxn>
-              <a:cxn ang="0">
-                <a:pos x="4302" y="439"/>
-              </a:cxn>
-              <a:cxn ang="0">
-                <a:pos x="1488" y="201"/>
-              </a:cxn>
-              <a:cxn ang="0">
-                <a:pos x="0" y="656"/>
-              </a:cxn>
-              <a:cxn ang="0">
-                <a:pos x="6" y="2"/>
-              </a:cxn>
-            </a:cxnLst>
-            <a:rect l="0" t="0" r="0" b="0"/>
-            <a:pathLst>
-              <a:path w="5772" h="656">
-                <a:moveTo>
-                  <a:pt x="6" y="2"/>
-                </a:moveTo>
-                <a:lnTo>
-                  <a:pt x="2542" y="0"/>
-                </a:lnTo>
-                <a:cubicBezTo>
-                  <a:pt x="2746" y="101"/>
-                  <a:pt x="3828" y="367"/>
-                  <a:pt x="4374" y="367"/>
-                </a:cubicBezTo>
-                <a:cubicBezTo>
-                  <a:pt x="4920" y="367"/>
-                  <a:pt x="5526" y="152"/>
-                  <a:pt x="5766" y="55"/>
-                </a:cubicBezTo>
-                <a:lnTo>
-                  <a:pt x="5772" y="213"/>
-                </a:lnTo>
-                <a:cubicBezTo>
-                  <a:pt x="5670" y="257"/>
-                  <a:pt x="5016" y="441"/>
-                  <a:pt x="4302" y="439"/>
-                </a:cubicBezTo>
-                <a:cubicBezTo>
-                  <a:pt x="3588" y="437"/>
-                  <a:pt x="2205" y="165"/>
-                  <a:pt x="1488" y="201"/>
-                </a:cubicBezTo>
-                <a:cubicBezTo>
-                  <a:pt x="750" y="209"/>
-                  <a:pt x="270" y="482"/>
-                  <a:pt x="0" y="656"/>
-                </a:cubicBezTo>
-                <a:lnTo>
-                  <a:pt x="6" y="2"/>
-                </a:lnTo>
-                <a:close/>
-              </a:path>
-            </a:pathLst>
-          </a:custGeom>
-          <a:gradFill>
-            <a:gsLst>
-              <a:gs pos="0">
-                <a:schemeClr val="accent2">
-                  <a:shade val="50000"/>
-                  <a:alpha val="45000"/>
-                  <a:satMod val="120000"/>
-                </a:schemeClr>
-              </a:gs>
-              <a:gs pos="100000">
-                <a:schemeClr val="accent3">
-                  <a:shade val="80000"/>
-                  <a:alpha val="55000"/>
-                  <a:satMod val="155000"/>
-                </a:schemeClr>
-              </a:gs>
-            </a:gsLst>
-            <a:lin ang="5400000" scaled="1"/>
-          </a:gradFill>
-          <a:ln w="9525" cap="flat" cmpd="sng" algn="ctr">
-            <a:noFill/>
-            <a:prstDash val="solid"/>
-            <a:round/>
-            <a:headEnd type="none" w="med" len="med"/>
-            <a:tailEnd type="none" w="med" len="med"/>
-          </a:ln>
-          <a:effectLst/>
-        </p:spPr>
-        <p:txBody>
-          <a:bodyPr vert="horz" wrap="square" lIns="91440" tIns="45720" rIns="91440" bIns="45720" anchor="t" compatLnSpc="1"/>
           <a:lstStyle/>
           <a:p>
-            <a:pPr marL="0" algn="l" rtl="0" eaLnBrk="1" latinLnBrk="0" hangingPunct="1"/>
-            <a:endParaRPr kumimoji="0" lang="en-US">
-              <a:solidFill>
-                <a:schemeClr val="tx1"/>
-              </a:solidFill>
-              <a:latin typeface="+mn-lt"/>
-              <a:ea typeface="+mn-ea"/>
-              <a:cs typeface="+mn-cs"/>
-            </a:endParaRPr>
-          </a:p>
-        </p:txBody>
-      </p:sp>
-      <p:sp>
-        <p:nvSpPr>
-          <p:cNvPr id="11" name="Freeform 10"/>
-          <p:cNvSpPr>
-            <a:spLocks/>
-          </p:cNvSpPr>
-          <p:nvPr/>
-        </p:nvSpPr>
-        <p:spPr bwMode="auto">
-          <a:xfrm flipV="1">
-            <a:off x="4381500" y="6219825"/>
-            <a:ext cx="4762500" cy="638175"/>
-          </a:xfrm>
-          <a:custGeom>
-            <a:avLst>
-              <a:gd name="A1" fmla="val 0"/>
-              <a:gd name="A2" fmla="val 0"/>
-              <a:gd name="A3" fmla="val 0"/>
-              <a:gd name="A4" fmla="val 0"/>
-              <a:gd name="A5" fmla="val 0"/>
-              <a:gd name="A6" fmla="val 0"/>
-              <a:gd name="A7" fmla="val 0"/>
-              <a:gd name="A8" fmla="val 0"/>
-            </a:avLst>
-            <a:gdLst/>
-            <a:ahLst/>
-            <a:cxnLst>
-              <a:cxn ang="0">
-                <a:pos x="0" y="0"/>
-              </a:cxn>
-              <a:cxn ang="0">
-                <a:pos x="1668" y="564"/>
-              </a:cxn>
-              <a:cxn ang="0">
-                <a:pos x="3000" y="186"/>
-              </a:cxn>
-              <a:cxn ang="0">
-                <a:pos x="3000" y="6"/>
-              </a:cxn>
-              <a:cxn ang="0">
-                <a:pos x="0" y="0"/>
-              </a:cxn>
-            </a:cxnLst>
-            <a:rect l="0" t="0" r="0" b="0"/>
-            <a:pathLst>
-              <a:path w="3000" h="595">
-                <a:moveTo>
-                  <a:pt x="0" y="0"/>
-                </a:moveTo>
-                <a:cubicBezTo>
-                  <a:pt x="174" y="102"/>
-                  <a:pt x="1168" y="533"/>
-                  <a:pt x="1668" y="564"/>
-                </a:cubicBezTo>
-                <a:cubicBezTo>
-                  <a:pt x="2168" y="595"/>
-                  <a:pt x="2778" y="279"/>
-                  <a:pt x="3000" y="186"/>
-                </a:cubicBezTo>
-                <a:lnTo>
-                  <a:pt x="3000" y="6"/>
-                </a:lnTo>
-                <a:lnTo>
-                  <a:pt x="0" y="0"/>
-                </a:lnTo>
-                <a:close/>
-              </a:path>
-            </a:pathLst>
-          </a:custGeom>
-          <a:gradFill>
-            <a:gsLst>
-              <a:gs pos="0">
-                <a:schemeClr val="accent3">
-                  <a:shade val="50000"/>
-                  <a:alpha val="30000"/>
-                  <a:satMod val="130000"/>
-                </a:schemeClr>
-              </a:gs>
-              <a:gs pos="80000">
-                <a:schemeClr val="accent2">
-                  <a:shade val="75000"/>
-                  <a:alpha val="45000"/>
-                  <a:satMod val="140000"/>
-                </a:schemeClr>
-              </a:gs>
-            </a:gsLst>
-            <a:lin ang="5400000" scaled="1"/>
-          </a:gradFill>
-          <a:ln w="9525" cap="flat" cmpd="sng" algn="ctr">
-            <a:noFill/>
-            <a:prstDash val="solid"/>
-            <a:round/>
-            <a:headEnd type="none" w="med" len="med"/>
-            <a:tailEnd type="none" w="med" len="med"/>
-          </a:ln>
-          <a:effectLst/>
-        </p:spPr>
-        <p:txBody>
-          <a:bodyPr vert="horz" wrap="square" lIns="91440" tIns="45720" rIns="91440" bIns="45720" anchor="t" compatLnSpc="1"/>
-          <a:lstStyle/>
-          <a:p>
-            <a:pPr marL="0" algn="l" rtl="0" eaLnBrk="1" latinLnBrk="0" hangingPunct="1"/>
-            <a:endParaRPr kumimoji="0" lang="en-US">
-              <a:solidFill>
-                <a:schemeClr val="tx1"/>
-              </a:solidFill>
-              <a:latin typeface="+mn-lt"/>
-              <a:ea typeface="+mn-ea"/>
-              <a:cs typeface="+mn-cs"/>
-            </a:endParaRPr>
+            <a:endParaRPr lang="en-US"/>
           </a:p>
         </p:txBody>
       </p:sp>
@@ -2852,7 +2560,7 @@
 <p:sldMaster xmlns:a="http://schemas.openxmlformats.org/drawingml/2006/main" xmlns:r="http://schemas.openxmlformats.org/officeDocument/2006/relationships" xmlns:p="http://schemas.openxmlformats.org/presentationml/2006/main">
   <p:cSld>
     <p:bg>
-      <p:bgRef idx="1003">
+      <p:bgRef idx="1002">
         <a:schemeClr val="bg1"/>
       </p:bgRef>
     </p:bg>
@@ -2872,263 +2580,7 @@
       </p:grpSpPr>
       <p:sp>
         <p:nvSpPr>
-          <p:cNvPr id="7" name="Freeform 6"/>
-          <p:cNvSpPr>
-            <a:spLocks/>
-          </p:cNvSpPr>
-          <p:nvPr/>
-        </p:nvSpPr>
-        <p:spPr bwMode="auto">
-          <a:xfrm>
-            <a:off x="-9525" y="-7144"/>
-            <a:ext cx="9163050" cy="1041400"/>
-          </a:xfrm>
-          <a:custGeom>
-            <a:avLst>
-              <a:gd name="A1" fmla="val 0"/>
-              <a:gd name="A2" fmla="val 0"/>
-              <a:gd name="A3" fmla="val 0"/>
-              <a:gd name="A4" fmla="val 0"/>
-              <a:gd name="A5" fmla="val 0"/>
-              <a:gd name="A6" fmla="val 0"/>
-              <a:gd name="A7" fmla="val 0"/>
-              <a:gd name="A8" fmla="val 0"/>
-            </a:avLst>
-            <a:gdLst/>
-            <a:ahLst/>
-            <a:cxnLst>
-              <a:cxn ang="0">
-                <a:pos x="6" y="2"/>
-              </a:cxn>
-              <a:cxn ang="0">
-                <a:pos x="2542" y="0"/>
-              </a:cxn>
-              <a:cxn ang="0">
-                <a:pos x="4374" y="367"/>
-              </a:cxn>
-              <a:cxn ang="0">
-                <a:pos x="5766" y="55"/>
-              </a:cxn>
-              <a:cxn ang="0">
-                <a:pos x="5772" y="213"/>
-              </a:cxn>
-              <a:cxn ang="0">
-                <a:pos x="4302" y="439"/>
-              </a:cxn>
-              <a:cxn ang="0">
-                <a:pos x="1488" y="201"/>
-              </a:cxn>
-              <a:cxn ang="0">
-                <a:pos x="0" y="656"/>
-              </a:cxn>
-              <a:cxn ang="0">
-                <a:pos x="6" y="2"/>
-              </a:cxn>
-            </a:cxnLst>
-            <a:rect l="0" t="0" r="0" b="0"/>
-            <a:pathLst>
-              <a:path w="5772" h="656">
-                <a:moveTo>
-                  <a:pt x="6" y="2"/>
-                </a:moveTo>
-                <a:lnTo>
-                  <a:pt x="2542" y="0"/>
-                </a:lnTo>
-                <a:cubicBezTo>
-                  <a:pt x="2746" y="101"/>
-                  <a:pt x="3828" y="367"/>
-                  <a:pt x="4374" y="367"/>
-                </a:cubicBezTo>
-                <a:cubicBezTo>
-                  <a:pt x="4920" y="367"/>
-                  <a:pt x="5526" y="152"/>
-                  <a:pt x="5766" y="55"/>
-                </a:cubicBezTo>
-                <a:lnTo>
-                  <a:pt x="5772" y="213"/>
-                </a:lnTo>
-                <a:cubicBezTo>
-                  <a:pt x="5670" y="257"/>
-                  <a:pt x="5016" y="441"/>
-                  <a:pt x="4302" y="439"/>
-                </a:cubicBezTo>
-                <a:cubicBezTo>
-                  <a:pt x="3588" y="437"/>
-                  <a:pt x="2205" y="165"/>
-                  <a:pt x="1488" y="201"/>
-                </a:cubicBezTo>
-                <a:cubicBezTo>
-                  <a:pt x="750" y="209"/>
-                  <a:pt x="270" y="482"/>
-                  <a:pt x="0" y="656"/>
-                </a:cubicBezTo>
-                <a:lnTo>
-                  <a:pt x="6" y="2"/>
-                </a:lnTo>
-                <a:close/>
-              </a:path>
-            </a:pathLst>
-          </a:custGeom>
-          <a:gradFill>
-            <a:gsLst>
-              <a:gs pos="0">
-                <a:schemeClr val="accent2">
-                  <a:shade val="50000"/>
-                  <a:alpha val="45000"/>
-                  <a:satMod val="120000"/>
-                </a:schemeClr>
-              </a:gs>
-              <a:gs pos="100000">
-                <a:schemeClr val="accent3">
-                  <a:shade val="80000"/>
-                  <a:alpha val="55000"/>
-                  <a:satMod val="155000"/>
-                </a:schemeClr>
-              </a:gs>
-            </a:gsLst>
-            <a:lin ang="5400000" scaled="1"/>
-          </a:gradFill>
-          <a:ln w="9525" cap="flat" cmpd="sng" algn="ctr">
-            <a:noFill/>
-            <a:prstDash val="solid"/>
-            <a:round/>
-            <a:headEnd type="none" w="med" len="med"/>
-            <a:tailEnd type="none" w="med" len="med"/>
-          </a:ln>
-          <a:effectLst/>
-        </p:spPr>
-        <p:txBody>
-          <a:bodyPr vert="horz" wrap="square" lIns="91440" tIns="45720" rIns="91440" bIns="45720" anchor="t" compatLnSpc="1"/>
-          <a:lstStyle/>
-          <a:p>
-            <a:pPr marL="0" algn="l" rtl="0" eaLnBrk="1" latinLnBrk="0" hangingPunct="1"/>
-            <a:endParaRPr kumimoji="0" lang="en-US">
-              <a:solidFill>
-                <a:schemeClr val="tx1"/>
-              </a:solidFill>
-              <a:latin typeface="+mn-lt"/>
-              <a:ea typeface="+mn-ea"/>
-              <a:cs typeface="+mn-cs"/>
-            </a:endParaRPr>
-          </a:p>
-        </p:txBody>
-      </p:sp>
-      <p:sp>
-        <p:nvSpPr>
-          <p:cNvPr id="8" name="Freeform 7"/>
-          <p:cNvSpPr>
-            <a:spLocks/>
-          </p:cNvSpPr>
-          <p:nvPr/>
-        </p:nvSpPr>
-        <p:spPr bwMode="auto">
-          <a:xfrm>
-            <a:off x="4381500" y="-7144"/>
-            <a:ext cx="4762500" cy="638175"/>
-          </a:xfrm>
-          <a:custGeom>
-            <a:avLst>
-              <a:gd name="A1" fmla="val 0"/>
-              <a:gd name="A2" fmla="val 0"/>
-              <a:gd name="A3" fmla="val 0"/>
-              <a:gd name="A4" fmla="val 0"/>
-              <a:gd name="A5" fmla="val 0"/>
-              <a:gd name="A6" fmla="val 0"/>
-              <a:gd name="A7" fmla="val 0"/>
-              <a:gd name="A8" fmla="val 0"/>
-            </a:avLst>
-            <a:gdLst/>
-            <a:ahLst/>
-            <a:cxnLst>
-              <a:cxn ang="0">
-                <a:pos x="0" y="0"/>
-              </a:cxn>
-              <a:cxn ang="0">
-                <a:pos x="1668" y="564"/>
-              </a:cxn>
-              <a:cxn ang="0">
-                <a:pos x="3000" y="186"/>
-              </a:cxn>
-              <a:cxn ang="0">
-                <a:pos x="3000" y="6"/>
-              </a:cxn>
-              <a:cxn ang="0">
-                <a:pos x="0" y="0"/>
-              </a:cxn>
-            </a:cxnLst>
-            <a:rect l="0" t="0" r="0" b="0"/>
-            <a:pathLst>
-              <a:path w="3000" h="595">
-                <a:moveTo>
-                  <a:pt x="0" y="0"/>
-                </a:moveTo>
-                <a:cubicBezTo>
-                  <a:pt x="174" y="102"/>
-                  <a:pt x="1168" y="533"/>
-                  <a:pt x="1668" y="564"/>
-                </a:cubicBezTo>
-                <a:cubicBezTo>
-                  <a:pt x="2168" y="595"/>
-                  <a:pt x="2778" y="279"/>
-                  <a:pt x="3000" y="186"/>
-                </a:cubicBezTo>
-                <a:lnTo>
-                  <a:pt x="3000" y="6"/>
-                </a:lnTo>
-                <a:lnTo>
-                  <a:pt x="0" y="0"/>
-                </a:lnTo>
-                <a:close/>
-              </a:path>
-            </a:pathLst>
-          </a:custGeom>
-          <a:gradFill>
-            <a:gsLst>
-              <a:gs pos="0">
-                <a:schemeClr val="accent3">
-                  <a:shade val="50000"/>
-                  <a:alpha val="30000"/>
-                  <a:satMod val="130000"/>
-                </a:schemeClr>
-              </a:gs>
-              <a:gs pos="80000">
-                <a:schemeClr val="accent2">
-                  <a:shade val="75000"/>
-                  <a:alpha val="45000"/>
-                  <a:satMod val="140000"/>
-                </a:schemeClr>
-              </a:gs>
-            </a:gsLst>
-            <a:lin ang="5400000" scaled="1"/>
-          </a:gradFill>
-          <a:ln w="9525" cap="flat" cmpd="sng" algn="ctr">
-            <a:noFill/>
-            <a:prstDash val="solid"/>
-            <a:round/>
-            <a:headEnd type="none" w="med" len="med"/>
-            <a:tailEnd type="none" w="med" len="med"/>
-          </a:ln>
-          <a:effectLst/>
-        </p:spPr>
-        <p:txBody>
-          <a:bodyPr vert="horz" wrap="square" lIns="91440" tIns="45720" rIns="91440" bIns="45720" anchor="t" compatLnSpc="1"/>
-          <a:lstStyle/>
-          <a:p>
-            <a:pPr marL="0" algn="l" rtl="0" eaLnBrk="1" latinLnBrk="0" hangingPunct="1"/>
-            <a:endParaRPr kumimoji="0" lang="en-US">
-              <a:solidFill>
-                <a:schemeClr val="tx1"/>
-              </a:solidFill>
-              <a:latin typeface="+mn-lt"/>
-              <a:ea typeface="+mn-ea"/>
-              <a:cs typeface="+mn-cs"/>
-            </a:endParaRPr>
-          </a:p>
-        </p:txBody>
-      </p:sp>
-      <p:sp>
-        <p:nvSpPr>
-          <p:cNvPr id="9" name="Title Placeholder 8"/>
+          <p:cNvPr id="2" name="Title Placeholder 1"/>
           <p:cNvSpPr>
             <a:spLocks noGrp="1"/>
           </p:cNvSpPr>
@@ -3138,30 +2590,30 @@
         </p:nvSpPr>
         <p:spPr>
           <a:xfrm>
-            <a:off x="457200" y="704088"/>
-            <a:ext cx="8229600" cy="1143000"/>
+            <a:off x="457200" y="274638"/>
+            <a:ext cx="7620000" cy="1143000"/>
           </a:xfrm>
           <a:prstGeom prst="rect">
             <a:avLst/>
           </a:prstGeom>
         </p:spPr>
         <p:txBody>
-          <a:bodyPr vert="horz" lIns="0" rIns="0" bIns="0" anchor="b">
-            <a:normAutofit/>
+          <a:bodyPr vert="horz" lIns="91440" tIns="45720" rIns="91440" bIns="45720" rtlCol="0" anchor="ctr">
+            <a:noAutofit/>
           </a:bodyPr>
           <a:lstStyle/>
           <a:p>
             <a:r>
-              <a:rPr kumimoji="0" lang="en-US" smtClean="0"/>
+              <a:rPr lang="en-US" smtClean="0"/>
               <a:t>Click to edit Master title style</a:t>
             </a:r>
-            <a:endParaRPr kumimoji="0" lang="en-US"/>
-          </a:p>
-        </p:txBody>
-      </p:sp>
-      <p:sp>
-        <p:nvSpPr>
-          <p:cNvPr id="30" name="Text Placeholder 29"/>
+            <a:endParaRPr lang="en-US" dirty="0"/>
+          </a:p>
+        </p:txBody>
+      </p:sp>
+      <p:sp>
+        <p:nvSpPr>
+          <p:cNvPr id="3" name="Text Placeholder 2"/>
           <p:cNvSpPr>
             <a:spLocks noGrp="1"/>
           </p:cNvSpPr>
@@ -3171,415 +2623,294 @@
         </p:nvSpPr>
         <p:spPr>
           <a:xfrm>
-            <a:off x="457200" y="1935480"/>
-            <a:ext cx="8229600" cy="4389120"/>
+            <a:off x="457200" y="1600200"/>
+            <a:ext cx="7620000" cy="4800600"/>
           </a:xfrm>
           <a:prstGeom prst="rect">
             <a:avLst/>
           </a:prstGeom>
         </p:spPr>
         <p:txBody>
-          <a:bodyPr vert="horz">
+          <a:bodyPr vert="horz" lIns="91440" tIns="45720" rIns="91440" bIns="45720" rtlCol="0">
             <a:normAutofit/>
           </a:bodyPr>
           <a:lstStyle/>
           <a:p>
-            <a:pPr lvl="0" eaLnBrk="1" latinLnBrk="0" hangingPunct="1"/>
-            <a:r>
-              <a:rPr kumimoji="0" lang="en-US" smtClean="0"/>
+            <a:pPr lvl="0"/>
+            <a:r>
+              <a:rPr lang="en-US" smtClean="0"/>
               <a:t>Click to edit Master text styles</a:t>
             </a:r>
           </a:p>
           <a:p>
-            <a:pPr lvl="1" eaLnBrk="1" latinLnBrk="0" hangingPunct="1"/>
-            <a:r>
-              <a:rPr kumimoji="0" lang="en-US" smtClean="0"/>
+            <a:pPr lvl="1"/>
+            <a:r>
+              <a:rPr lang="en-US" smtClean="0"/>
               <a:t>Second level</a:t>
             </a:r>
           </a:p>
           <a:p>
-            <a:pPr lvl="2" eaLnBrk="1" latinLnBrk="0" hangingPunct="1"/>
-            <a:r>
-              <a:rPr kumimoji="0" lang="en-US" smtClean="0"/>
+            <a:pPr lvl="2"/>
+            <a:r>
+              <a:rPr lang="en-US" smtClean="0"/>
               <a:t>Third level</a:t>
             </a:r>
           </a:p>
           <a:p>
-            <a:pPr lvl="3" eaLnBrk="1" latinLnBrk="0" hangingPunct="1"/>
-            <a:r>
-              <a:rPr kumimoji="0" lang="en-US" smtClean="0"/>
+            <a:pPr lvl="3"/>
+            <a:r>
+              <a:rPr lang="en-US" smtClean="0"/>
               <a:t>Fourth level</a:t>
             </a:r>
           </a:p>
           <a:p>
-            <a:pPr lvl="4" eaLnBrk="1" latinLnBrk="0" hangingPunct="1"/>
-            <a:r>
-              <a:rPr kumimoji="0" lang="en-US" smtClean="0"/>
+            <a:pPr lvl="4"/>
+            <a:r>
+              <a:rPr lang="en-US" smtClean="0"/>
               <a:t>Fifth level</a:t>
             </a:r>
-            <a:endParaRPr kumimoji="0" lang="en-US"/>
-          </a:p>
-        </p:txBody>
-      </p:sp>
-      <p:sp>
-        <p:nvSpPr>
-          <p:cNvPr id="10" name="Date Placeholder 9"/>
-          <p:cNvSpPr>
-            <a:spLocks noGrp="1"/>
-          </p:cNvSpPr>
-          <p:nvPr>
-            <p:ph type="dt" sz="half" idx="2"/>
-          </p:nvPr>
+            <a:endParaRPr lang="en-US" dirty="0"/>
+          </a:p>
+        </p:txBody>
+      </p:sp>
+      <p:sp>
+        <p:nvSpPr>
+          <p:cNvPr id="7" name="Rectangle 6"/>
+          <p:cNvSpPr/>
+          <p:nvPr/>
         </p:nvSpPr>
         <p:spPr>
           <a:xfrm>
-            <a:off x="457200" y="6356350"/>
-            <a:ext cx="2133600" cy="365125"/>
+            <a:off x="8458200" y="0"/>
+            <a:ext cx="685800" cy="6858000"/>
+          </a:xfrm>
+          <a:prstGeom prst="rect">
+            <a:avLst/>
+          </a:prstGeom>
+          <a:solidFill>
+            <a:schemeClr val="tx2"/>
+          </a:solidFill>
+          <a:ln>
+            <a:noFill/>
+          </a:ln>
+        </p:spPr>
+        <p:style>
+          <a:lnRef idx="2">
+            <a:schemeClr val="accent1">
+              <a:shade val="50000"/>
+            </a:schemeClr>
+          </a:lnRef>
+          <a:fillRef idx="1">
+            <a:schemeClr val="accent1"/>
+          </a:fillRef>
+          <a:effectRef idx="0">
+            <a:schemeClr val="accent1"/>
+          </a:effectRef>
+          <a:fontRef idx="minor">
+            <a:schemeClr val="lt1"/>
+          </a:fontRef>
+        </p:style>
+        <p:txBody>
+          <a:bodyPr rtlCol="0" anchor="ctr"/>
+          <a:lstStyle/>
+          <a:p>
+            <a:pPr algn="ctr"/>
+            <a:endParaRPr lang="en-US"/>
+          </a:p>
+        </p:txBody>
+      </p:sp>
+      <p:sp>
+        <p:nvSpPr>
+          <p:cNvPr id="8" name="Rectangle 7"/>
+          <p:cNvSpPr/>
+          <p:nvPr/>
+        </p:nvSpPr>
+        <p:spPr>
+          <a:xfrm>
+            <a:off x="8458200" y="5486400"/>
+            <a:ext cx="685800" cy="685800"/>
+          </a:xfrm>
+          <a:prstGeom prst="rect">
+            <a:avLst/>
+          </a:prstGeom>
+          <a:solidFill>
+            <a:schemeClr val="accent1"/>
+          </a:solidFill>
+          <a:ln>
+            <a:noFill/>
+          </a:ln>
+        </p:spPr>
+        <p:style>
+          <a:lnRef idx="2">
+            <a:schemeClr val="accent1">
+              <a:shade val="50000"/>
+            </a:schemeClr>
+          </a:lnRef>
+          <a:fillRef idx="1">
+            <a:schemeClr val="accent1"/>
+          </a:fillRef>
+          <a:effectRef idx="0">
+            <a:schemeClr val="accent1"/>
+          </a:effectRef>
+          <a:fontRef idx="minor">
+            <a:schemeClr val="lt1"/>
+          </a:fontRef>
+        </p:style>
+        <p:txBody>
+          <a:bodyPr rtlCol="0" anchor="ctr"/>
+          <a:lstStyle/>
+          <a:p>
+            <a:pPr algn="ctr"/>
+            <a:endParaRPr lang="en-US"/>
+          </a:p>
+        </p:txBody>
+      </p:sp>
+      <p:sp>
+        <p:nvSpPr>
+          <p:cNvPr id="6" name="Slide Number Placeholder 5"/>
+          <p:cNvSpPr>
+            <a:spLocks noGrp="1"/>
+          </p:cNvSpPr>
+          <p:nvPr>
+            <p:ph type="sldNum" sz="quarter" idx="4"/>
+          </p:nvPr>
+        </p:nvSpPr>
+        <p:spPr>
+          <a:xfrm>
+            <a:off x="8531788" y="5648960"/>
+            <a:ext cx="548640" cy="396240"/>
+          </a:xfrm>
+          <a:prstGeom prst="bracketPair">
+            <a:avLst>
+              <a:gd name="adj" fmla="val 17949"/>
+            </a:avLst>
+          </a:prstGeom>
+          <a:ln w="19050">
+            <a:solidFill>
+              <a:srgbClr val="FFFFFF"/>
+            </a:solidFill>
+          </a:ln>
+        </p:spPr>
+        <p:txBody>
+          <a:bodyPr vert="horz" lIns="0" tIns="0" rIns="0" bIns="0" rtlCol="0" anchor="ctr"/>
+          <a:lstStyle>
+            <a:lvl1pPr algn="ctr">
+              <a:defRPr sz="1800">
+                <a:solidFill>
+                  <a:srgbClr val="FFFFFF"/>
+                </a:solidFill>
+              </a:defRPr>
+            </a:lvl1pPr>
+          </a:lstStyle>
+          <a:p>
+            <a:fld id="{B6F15528-21DE-4FAA-801E-634DDDAF4B2B}" type="slidenum">
+              <a:rPr lang="en-US" smtClean="0"/>
+              <a:pPr/>
+              <a:t>‹#›</a:t>
+            </a:fld>
+            <a:endParaRPr lang="en-US"/>
+          </a:p>
+        </p:txBody>
+      </p:sp>
+      <p:sp>
+        <p:nvSpPr>
+          <p:cNvPr id="5" name="Footer Placeholder 4"/>
+          <p:cNvSpPr>
+            <a:spLocks noGrp="1"/>
+          </p:cNvSpPr>
+          <p:nvPr>
+            <p:ph type="ftr" sz="quarter" idx="3"/>
+          </p:nvPr>
+        </p:nvSpPr>
+        <p:spPr>
+          <a:xfrm rot="16200000">
+            <a:off x="7586910" y="4048760"/>
+            <a:ext cx="2367281" cy="365760"/>
           </a:xfrm>
           <a:prstGeom prst="rect">
             <a:avLst/>
           </a:prstGeom>
         </p:spPr>
         <p:txBody>
-          <a:bodyPr vert="horz" lIns="0" tIns="0" rIns="0" bIns="0" anchor="b"/>
+          <a:bodyPr vert="horz" lIns="91440" tIns="45720" rIns="91440" bIns="45720" rtlCol="0" anchor="ctr"/>
           <a:lstStyle>
-            <a:lvl1pPr algn="l" eaLnBrk="1" latinLnBrk="0" hangingPunct="1">
-              <a:defRPr kumimoji="0" sz="1200">
+            <a:lvl1pPr algn="r">
+              <a:defRPr sz="1200">
                 <a:solidFill>
-                  <a:schemeClr val="tx2">
-                    <a:shade val="90000"/>
-                  </a:schemeClr>
+                  <a:schemeClr val="bg2"/>
                 </a:solidFill>
               </a:defRPr>
             </a:lvl1pPr>
           </a:lstStyle>
           <a:p>
-            <a:fld id="{1D8BD707-D9CF-40AE-B4C6-C98DA3205C09}" type="datetimeFigureOut">
-              <a:rPr lang="en-US" smtClean="0"/>
-              <a:pPr/>
-              <a:t>11/28/2013</a:t>
-            </a:fld>
             <a:endParaRPr lang="en-US"/>
           </a:p>
         </p:txBody>
       </p:sp>
       <p:sp>
         <p:nvSpPr>
-          <p:cNvPr id="22" name="Footer Placeholder 21"/>
-          <p:cNvSpPr>
-            <a:spLocks noGrp="1"/>
-          </p:cNvSpPr>
-          <p:nvPr>
-            <p:ph type="ftr" sz="quarter" idx="3"/>
+          <p:cNvPr id="4" name="Date Placeholder 3"/>
+          <p:cNvSpPr>
+            <a:spLocks noGrp="1"/>
+          </p:cNvSpPr>
+          <p:nvPr>
+            <p:ph type="dt" sz="half" idx="2"/>
           </p:nvPr>
         </p:nvSpPr>
         <p:spPr>
-          <a:xfrm>
-            <a:off x="2667000" y="6356350"/>
-            <a:ext cx="3352800" cy="365125"/>
+          <a:xfrm rot="16200000">
+            <a:off x="7551351" y="1645920"/>
+            <a:ext cx="2438399" cy="365760"/>
           </a:xfrm>
           <a:prstGeom prst="rect">
             <a:avLst/>
           </a:prstGeom>
         </p:spPr>
         <p:txBody>
-          <a:bodyPr vert="horz" lIns="0" tIns="0" rIns="0" bIns="0" anchor="b"/>
+          <a:bodyPr vert="horz" lIns="91440" tIns="45720" rIns="91440" bIns="45720" rtlCol="0" anchor="ctr"/>
           <a:lstStyle>
-            <a:lvl1pPr algn="l" eaLnBrk="1" latinLnBrk="0" hangingPunct="1">
-              <a:defRPr kumimoji="0" sz="1200">
+            <a:lvl1pPr algn="l">
+              <a:defRPr sz="1200">
                 <a:solidFill>
-                  <a:schemeClr val="tx2">
-                    <a:shade val="90000"/>
-                  </a:schemeClr>
+                  <a:schemeClr val="bg2"/>
                 </a:solidFill>
               </a:defRPr>
             </a:lvl1pPr>
           </a:lstStyle>
           <a:p>
-            <a:endParaRPr lang="en-US"/>
-          </a:p>
-        </p:txBody>
-      </p:sp>
-      <p:sp>
-        <p:nvSpPr>
-          <p:cNvPr id="18" name="Slide Number Placeholder 17"/>
-          <p:cNvSpPr>
-            <a:spLocks noGrp="1"/>
-          </p:cNvSpPr>
-          <p:nvPr>
-            <p:ph type="sldNum" sz="quarter" idx="4"/>
-          </p:nvPr>
-        </p:nvSpPr>
-        <p:spPr>
-          <a:xfrm>
-            <a:off x="7924800" y="6356350"/>
-            <a:ext cx="762000" cy="365125"/>
-          </a:xfrm>
-          <a:prstGeom prst="rect">
-            <a:avLst/>
-          </a:prstGeom>
-        </p:spPr>
-        <p:txBody>
-          <a:bodyPr vert="horz" lIns="0" tIns="0" rIns="0" bIns="0" anchor="b"/>
-          <a:lstStyle>
-            <a:lvl1pPr algn="r" eaLnBrk="1" latinLnBrk="0" hangingPunct="1">
-              <a:defRPr kumimoji="0" sz="1200">
-                <a:solidFill>
-                  <a:schemeClr val="tx2">
-                    <a:shade val="90000"/>
-                  </a:schemeClr>
-                </a:solidFill>
-              </a:defRPr>
-            </a:lvl1pPr>
-          </a:lstStyle>
-          <a:p>
-            <a:fld id="{B6F15528-21DE-4FAA-801E-634DDDAF4B2B}" type="slidenum">
+            <a:fld id="{1D8BD707-D9CF-40AE-B4C6-C98DA3205C09}" type="datetimeFigureOut">
               <a:rPr lang="en-US" smtClean="0"/>
               <a:pPr/>
-              <a:t>‹#›</a:t>
+              <a:t>11/28/2013</a:t>
             </a:fld>
             <a:endParaRPr lang="en-US"/>
           </a:p>
         </p:txBody>
       </p:sp>
-      <p:grpSp>
-        <p:nvGrpSpPr>
-          <p:cNvPr id="2" name="Group 1"/>
-          <p:cNvGrpSpPr/>
-          <p:nvPr/>
-        </p:nvGrpSpPr>
-        <p:grpSpPr>
-          <a:xfrm>
-            <a:off x="-19017" y="202408"/>
-            <a:ext cx="9180548" cy="649224"/>
-            <a:chOff x="-19045" y="216550"/>
-            <a:chExt cx="9180548" cy="649224"/>
-          </a:xfrm>
-        </p:grpSpPr>
-        <p:sp>
-          <p:nvSpPr>
-            <p:cNvPr id="12" name="Freeform 11"/>
-            <p:cNvSpPr>
-              <a:spLocks/>
-            </p:cNvSpPr>
-            <p:nvPr/>
-          </p:nvSpPr>
-          <p:spPr bwMode="auto">
-            <a:xfrm rot="21435692">
-              <a:off x="-19045" y="216550"/>
-              <a:ext cx="9163050" cy="649224"/>
-            </a:xfrm>
-            <a:custGeom>
-              <a:avLst>
-                <a:gd name="A1" fmla="val 0"/>
-                <a:gd name="A2" fmla="val 0"/>
-                <a:gd name="A3" fmla="val 0"/>
-                <a:gd name="A4" fmla="val 0"/>
-                <a:gd name="A5" fmla="val 0"/>
-                <a:gd name="A6" fmla="val 0"/>
-                <a:gd name="A7" fmla="val 0"/>
-                <a:gd name="A8" fmla="val 0"/>
-              </a:avLst>
-              <a:gdLst/>
-              <a:ahLst/>
-              <a:cxnLst>
-                <a:cxn ang="0">
-                  <a:pos x="0" y="966"/>
-                </a:cxn>
-                <a:cxn ang="0">
-                  <a:pos x="1608" y="282"/>
-                </a:cxn>
-                <a:cxn ang="0">
-                  <a:pos x="4110" y="1008"/>
-                </a:cxn>
-                <a:cxn ang="0">
-                  <a:pos x="5772" y="0"/>
-                </a:cxn>
-              </a:cxnLst>
-              <a:rect l="0" t="0" r="0" b="0"/>
-              <a:pathLst>
-                <a:path w="5772" h="1055">
-                  <a:moveTo>
-                    <a:pt x="0" y="966"/>
-                  </a:moveTo>
-                  <a:cubicBezTo>
-                    <a:pt x="282" y="738"/>
-                    <a:pt x="923" y="275"/>
-                    <a:pt x="1608" y="282"/>
-                  </a:cubicBezTo>
-                  <a:cubicBezTo>
-                    <a:pt x="2293" y="289"/>
-                    <a:pt x="3416" y="1055"/>
-                    <a:pt x="4110" y="1008"/>
-                  </a:cubicBezTo>
-                  <a:cubicBezTo>
-                    <a:pt x="4804" y="961"/>
-                    <a:pt x="5426" y="210"/>
-                    <a:pt x="5772" y="0"/>
-                  </a:cubicBezTo>
-                </a:path>
-              </a:pathLst>
-            </a:custGeom>
-            <a:noFill/>
-            <a:ln w="10795" cap="flat" cmpd="sng" algn="ctr">
-              <a:gradFill>
-                <a:gsLst>
-                  <a:gs pos="74000">
-                    <a:schemeClr val="accent3">
-                      <a:shade val="75000"/>
-                    </a:schemeClr>
-                  </a:gs>
-                  <a:gs pos="86000">
-                    <a:schemeClr val="tx1">
-                      <a:alpha val="29000"/>
-                    </a:schemeClr>
-                  </a:gs>
-                  <a:gs pos="16000">
-                    <a:schemeClr val="accent2">
-                      <a:shade val="75000"/>
-                      <a:alpha val="56000"/>
-                    </a:schemeClr>
-                  </a:gs>
-                </a:gsLst>
-                <a:lin ang="5400000" scaled="1"/>
-              </a:gradFill>
-              <a:prstDash val="solid"/>
-              <a:round/>
-              <a:headEnd type="none" w="med" len="med"/>
-              <a:tailEnd type="none" w="med" len="med"/>
-            </a:ln>
-            <a:effectLst/>
-          </p:spPr>
-          <p:txBody>
-            <a:bodyPr vert="horz" wrap="square" lIns="91440" tIns="45720" rIns="91440" bIns="45720" anchor="t" compatLnSpc="1"/>
-            <a:lstStyle/>
-            <a:p>
-              <a:endParaRPr kumimoji="0" lang="en-US"/>
-            </a:p>
-          </p:txBody>
-        </p:sp>
-        <p:sp>
-          <p:nvSpPr>
-            <p:cNvPr id="13" name="Freeform 12"/>
-            <p:cNvSpPr>
-              <a:spLocks/>
-            </p:cNvSpPr>
-            <p:nvPr/>
-          </p:nvSpPr>
-          <p:spPr bwMode="auto">
-            <a:xfrm rot="21435692">
-              <a:off x="-14309" y="290003"/>
-              <a:ext cx="9175812" cy="530352"/>
-            </a:xfrm>
-            <a:custGeom>
-              <a:avLst>
-                <a:gd name="A1" fmla="val 0"/>
-                <a:gd name="A2" fmla="val 0"/>
-                <a:gd name="A3" fmla="val 0"/>
-                <a:gd name="A4" fmla="val 0"/>
-                <a:gd name="A5" fmla="val 0"/>
-                <a:gd name="A6" fmla="val 0"/>
-                <a:gd name="A7" fmla="val 0"/>
-                <a:gd name="A8" fmla="val 0"/>
-              </a:avLst>
-              <a:gdLst/>
-              <a:ahLst/>
-              <a:cxnLst>
-                <a:cxn ang="0">
-                  <a:pos x="0" y="732"/>
-                </a:cxn>
-                <a:cxn ang="0">
-                  <a:pos x="1638" y="228"/>
-                </a:cxn>
-                <a:cxn ang="0">
-                  <a:pos x="4122" y="816"/>
-                </a:cxn>
-                <a:cxn ang="0">
-                  <a:pos x="5766" y="0"/>
-                </a:cxn>
-              </a:cxnLst>
-              <a:rect l="0" t="0" r="0" b="0"/>
-              <a:pathLst>
-                <a:path w="5766" h="854">
-                  <a:moveTo>
-                    <a:pt x="0" y="732"/>
-                  </a:moveTo>
-                  <a:cubicBezTo>
-                    <a:pt x="273" y="647"/>
-                    <a:pt x="951" y="214"/>
-                    <a:pt x="1638" y="228"/>
-                  </a:cubicBezTo>
-                  <a:cubicBezTo>
-                    <a:pt x="2325" y="242"/>
-                    <a:pt x="3434" y="854"/>
-                    <a:pt x="4122" y="816"/>
-                  </a:cubicBezTo>
-                  <a:cubicBezTo>
-                    <a:pt x="4810" y="778"/>
-                    <a:pt x="5424" y="170"/>
-                    <a:pt x="5766" y="0"/>
-                  </a:cubicBezTo>
-                </a:path>
-              </a:pathLst>
-            </a:custGeom>
-            <a:noFill/>
-            <a:ln w="9525" cap="flat" cmpd="sng" algn="ctr">
-              <a:gradFill>
-                <a:gsLst>
-                  <a:gs pos="74000">
-                    <a:schemeClr val="accent4"/>
-                  </a:gs>
-                  <a:gs pos="44000">
-                    <a:schemeClr val="accent1"/>
-                  </a:gs>
-                  <a:gs pos="33000">
-                    <a:schemeClr val="accent2">
-                      <a:alpha val="56000"/>
-                    </a:schemeClr>
-                  </a:gs>
-                </a:gsLst>
-                <a:lin ang="5400000" scaled="1"/>
-              </a:gradFill>
-              <a:prstDash val="solid"/>
-              <a:round/>
-              <a:headEnd type="none" w="med" len="med"/>
-              <a:tailEnd type="none" w="med" len="med"/>
-            </a:ln>
-            <a:effectLst/>
-          </p:spPr>
-          <p:txBody>
-            <a:bodyPr vert="horz" wrap="square" lIns="91440" tIns="45720" rIns="91440" bIns="45720" anchor="t" compatLnSpc="1"/>
-            <a:lstStyle/>
-            <a:p>
-              <a:endParaRPr kumimoji="0" lang="en-US"/>
-            </a:p>
-          </p:txBody>
-        </p:sp>
-      </p:grpSp>
     </p:spTree>
   </p:cSld>
   <p:clrMap bg1="lt1" tx1="dk1" bg2="lt2" tx2="dk2" accent1="accent1" accent2="accent2" accent3="accent3" accent4="accent4" accent5="accent5" accent6="accent6" hlink="hlink" folHlink="folHlink"/>
   <p:sldLayoutIdLst>
-    <p:sldLayoutId id="2147483685" r:id="rId1"/>
-    <p:sldLayoutId id="2147483686" r:id="rId2"/>
-    <p:sldLayoutId id="2147483687" r:id="rId3"/>
-    <p:sldLayoutId id="2147483688" r:id="rId4"/>
-    <p:sldLayoutId id="2147483689" r:id="rId5"/>
-    <p:sldLayoutId id="2147483690" r:id="rId6"/>
-    <p:sldLayoutId id="2147483691" r:id="rId7"/>
-    <p:sldLayoutId id="2147483692" r:id="rId8"/>
-    <p:sldLayoutId id="2147483693" r:id="rId9"/>
-    <p:sldLayoutId id="2147483694" r:id="rId10"/>
-    <p:sldLayoutId id="2147483695" r:id="rId11"/>
+    <p:sldLayoutId id="2147483721" r:id="rId1"/>
+    <p:sldLayoutId id="2147483722" r:id="rId2"/>
+    <p:sldLayoutId id="2147483723" r:id="rId3"/>
+    <p:sldLayoutId id="2147483724" r:id="rId4"/>
+    <p:sldLayoutId id="2147483725" r:id="rId5"/>
+    <p:sldLayoutId id="2147483726" r:id="rId6"/>
+    <p:sldLayoutId id="2147483727" r:id="rId7"/>
+    <p:sldLayoutId id="2147483728" r:id="rId8"/>
+    <p:sldLayoutId id="2147483729" r:id="rId9"/>
+    <p:sldLayoutId id="2147483730" r:id="rId10"/>
+    <p:sldLayoutId id="2147483731" r:id="rId11"/>
   </p:sldLayoutIdLst>
   <p:txStyles>
     <p:titleStyle>
-      <a:lvl1pPr algn="l" rtl="0" eaLnBrk="1" latinLnBrk="0" hangingPunct="1">
+      <a:lvl1pPr algn="l" defTabSz="914400" rtl="0" eaLnBrk="1" latinLnBrk="0" hangingPunct="1">
         <a:spcBef>
           <a:spcPct val="0"/>
         </a:spcBef>
         <a:buNone/>
-        <a:defRPr kumimoji="0" sz="5000" b="0" kern="1200">
+        <a:defRPr sz="4600" kern="1200" cap="none" spc="-100" baseline="0">
           <a:ln>
             <a:noFill/>
           </a:ln>
@@ -3594,17 +2925,16 @@
       </a:lvl1pPr>
     </p:titleStyle>
     <p:bodyStyle>
-      <a:lvl1pPr marL="274320" indent="-274320" algn="l" rtl="0" eaLnBrk="1" latinLnBrk="0" hangingPunct="1">
+      <a:lvl1pPr marL="342900" indent="-228600" algn="l" defTabSz="914400" rtl="0" eaLnBrk="1" latinLnBrk="0" hangingPunct="1">
         <a:spcBef>
           <a:spcPct val="20000"/>
         </a:spcBef>
         <a:buClr>
-          <a:schemeClr val="accent3"/>
+          <a:schemeClr val="accent1"/>
         </a:buClr>
-        <a:buSzPct val="95000"/>
-        <a:buFont typeface="Wingdings 2"/>
-        <a:buChar char=""/>
-        <a:defRPr kumimoji="0" sz="2600" kern="1200">
+        <a:buFont typeface="Arial" pitchFamily="34" charset="0"/>
+        <a:buChar char="•"/>
+        <a:defRPr sz="2200" kern="1200">
           <a:solidFill>
             <a:schemeClr val="tx1"/>
           </a:solidFill>
@@ -3613,17 +2943,16 @@
           <a:cs typeface="+mn-cs"/>
         </a:defRPr>
       </a:lvl1pPr>
-      <a:lvl2pPr marL="640080" indent="-246888" algn="l" rtl="0" eaLnBrk="1" latinLnBrk="0" hangingPunct="1">
+      <a:lvl2pPr marL="640080" indent="-228600" algn="l" defTabSz="914400" rtl="0" eaLnBrk="1" latinLnBrk="0" hangingPunct="1">
         <a:spcBef>
           <a:spcPct val="20000"/>
         </a:spcBef>
         <a:buClr>
-          <a:schemeClr val="accent1"/>
+          <a:schemeClr val="accent2"/>
         </a:buClr>
-        <a:buSzPct val="85000"/>
-        <a:buFont typeface="Wingdings 2"/>
-        <a:buChar char=""/>
-        <a:defRPr kumimoji="0" sz="2400" kern="1200">
+        <a:buFont typeface="Arial" pitchFamily="34" charset="0"/>
+        <a:buChar char="•"/>
+        <a:defRPr sz="2000" kern="1200">
           <a:solidFill>
             <a:schemeClr val="tx1"/>
           </a:solidFill>
@@ -3632,17 +2961,16 @@
           <a:cs typeface="+mn-cs"/>
         </a:defRPr>
       </a:lvl2pPr>
-      <a:lvl3pPr marL="914400" indent="-246888" algn="l" rtl="0" eaLnBrk="1" latinLnBrk="0" hangingPunct="1">
+      <a:lvl3pPr marL="1005840" indent="-228600" algn="l" defTabSz="914400" rtl="0" eaLnBrk="1" latinLnBrk="0" hangingPunct="1">
         <a:spcBef>
           <a:spcPct val="20000"/>
         </a:spcBef>
         <a:buClr>
-          <a:schemeClr val="accent2"/>
+          <a:schemeClr val="accent3"/>
         </a:buClr>
-        <a:buSzPct val="70000"/>
-        <a:buFont typeface="Wingdings 2"/>
-        <a:buChar char=""/>
-        <a:defRPr kumimoji="0" sz="2100" kern="1200">
+        <a:buFont typeface="Arial" pitchFamily="34" charset="0"/>
+        <a:buChar char="•"/>
+        <a:defRPr sz="1800" kern="1200">
           <a:solidFill>
             <a:schemeClr val="tx1"/>
           </a:solidFill>
@@ -3651,17 +2979,16 @@
           <a:cs typeface="+mn-cs"/>
         </a:defRPr>
       </a:lvl3pPr>
-      <a:lvl4pPr marL="1188720" indent="-210312" algn="l" rtl="0" eaLnBrk="1" latinLnBrk="0" hangingPunct="1">
+      <a:lvl4pPr marL="1280160" indent="-228600" algn="l" defTabSz="914400" rtl="0" eaLnBrk="1" latinLnBrk="0" hangingPunct="1">
         <a:spcBef>
           <a:spcPct val="20000"/>
         </a:spcBef>
         <a:buClr>
-          <a:schemeClr val="accent3"/>
+          <a:schemeClr val="accent4"/>
         </a:buClr>
-        <a:buSzPct val="65000"/>
-        <a:buFont typeface="Wingdings 2"/>
-        <a:buChar char=""/>
-        <a:defRPr kumimoji="0" sz="2000" kern="1200">
+        <a:buFont typeface="Arial" pitchFamily="34" charset="0"/>
+        <a:buChar char="•"/>
+        <a:defRPr sz="1600" kern="1200">
           <a:solidFill>
             <a:schemeClr val="tx1"/>
           </a:solidFill>
@@ -3670,17 +2997,16 @@
           <a:cs typeface="+mn-cs"/>
         </a:defRPr>
       </a:lvl4pPr>
-      <a:lvl5pPr marL="1463040" indent="-210312" algn="l" rtl="0" eaLnBrk="1" latinLnBrk="0" hangingPunct="1">
+      <a:lvl5pPr marL="1554480" indent="-228600" algn="l" defTabSz="914400" rtl="0" eaLnBrk="1" latinLnBrk="0" hangingPunct="1">
         <a:spcBef>
           <a:spcPct val="20000"/>
         </a:spcBef>
         <a:buClr>
-          <a:schemeClr val="accent4"/>
+          <a:schemeClr val="accent5"/>
         </a:buClr>
-        <a:buSzPct val="65000"/>
-        <a:buFont typeface="Wingdings 2"/>
-        <a:buChar char=""/>
-        <a:defRPr kumimoji="0" sz="2000" kern="1200">
+        <a:buFont typeface="Arial" pitchFamily="34" charset="0"/>
+        <a:buChar char="•"/>
+        <a:defRPr sz="1400" kern="1200" baseline="0">
           <a:solidFill>
             <a:schemeClr val="tx1"/>
           </a:solidFill>
@@ -3689,17 +3015,16 @@
           <a:cs typeface="+mn-cs"/>
         </a:defRPr>
       </a:lvl5pPr>
-      <a:lvl6pPr marL="1737360" indent="-210312" algn="l" rtl="0" eaLnBrk="1" latinLnBrk="0" hangingPunct="1">
+      <a:lvl6pPr marL="1737360" indent="-182880" algn="l" defTabSz="914400" rtl="0" eaLnBrk="1" latinLnBrk="0" hangingPunct="1">
         <a:spcBef>
           <a:spcPct val="20000"/>
         </a:spcBef>
         <a:buClr>
-          <a:schemeClr val="accent5"/>
+          <a:schemeClr val="accent1"/>
         </a:buClr>
-        <a:buSzPct val="80000"/>
-        <a:buFont typeface="Wingdings 2"/>
-        <a:buChar char=""/>
-        <a:defRPr kumimoji="0" sz="1800" kern="1200">
+        <a:buFont typeface="Arial" pitchFamily="34" charset="0"/>
+        <a:buChar char="•"/>
+        <a:defRPr sz="1400" kern="1200" baseline="0">
           <a:solidFill>
             <a:schemeClr val="tx1"/>
           </a:solidFill>
@@ -3708,17 +3033,16 @@
           <a:cs typeface="+mn-cs"/>
         </a:defRPr>
       </a:lvl6pPr>
-      <a:lvl7pPr marL="1920240" indent="-182880" algn="l" rtl="0" eaLnBrk="1" latinLnBrk="0" hangingPunct="1">
+      <a:lvl7pPr marL="1920240" indent="-182880" algn="l" defTabSz="914400" rtl="0" eaLnBrk="1" latinLnBrk="0" hangingPunct="1">
         <a:spcBef>
           <a:spcPct val="20000"/>
         </a:spcBef>
         <a:buClr>
-          <a:schemeClr val="accent6"/>
+          <a:schemeClr val="accent2"/>
         </a:buClr>
-        <a:buSzPct val="80000"/>
-        <a:buFont typeface="Wingdings 2"/>
-        <a:buChar char=""/>
-        <a:defRPr kumimoji="0" sz="1600" kern="1200" baseline="0">
+        <a:buFont typeface="Arial" pitchFamily="34" charset="0"/>
+        <a:buChar char="•"/>
+        <a:defRPr sz="1400" kern="1200">
           <a:solidFill>
             <a:schemeClr val="tx1"/>
           </a:solidFill>
@@ -3727,15 +3051,16 @@
           <a:cs typeface="+mn-cs"/>
         </a:defRPr>
       </a:lvl7pPr>
-      <a:lvl8pPr marL="2194560" indent="-182880" algn="l" rtl="0" eaLnBrk="1" latinLnBrk="0" hangingPunct="1">
+      <a:lvl8pPr marL="2103120" indent="-182880" algn="l" defTabSz="914400" rtl="0" eaLnBrk="1" latinLnBrk="0" hangingPunct="1">
         <a:spcBef>
           <a:spcPct val="20000"/>
         </a:spcBef>
         <a:buClr>
-          <a:schemeClr val="tx2"/>
+          <a:schemeClr val="accent3"/>
         </a:buClr>
+        <a:buFont typeface="Arial" pitchFamily="34" charset="0"/>
         <a:buChar char="•"/>
-        <a:defRPr kumimoji="0" sz="1600" kern="1200">
+        <a:defRPr sz="1400" kern="1200">
           <a:solidFill>
             <a:schemeClr val="tx1"/>
           </a:solidFill>
@@ -3744,16 +3069,16 @@
           <a:cs typeface="+mn-cs"/>
         </a:defRPr>
       </a:lvl8pPr>
-      <a:lvl9pPr marL="2468880" indent="-182880" algn="l" rtl="0" eaLnBrk="1" latinLnBrk="0" hangingPunct="1">
+      <a:lvl9pPr marL="2286000" indent="-182880" algn="l" defTabSz="914400" rtl="0" eaLnBrk="1" latinLnBrk="0" hangingPunct="1">
         <a:spcBef>
           <a:spcPct val="20000"/>
         </a:spcBef>
         <a:buClr>
-          <a:schemeClr val="tx2"/>
+          <a:schemeClr val="accent4"/>
         </a:buClr>
-        <a:buFontTx/>
+        <a:buFont typeface="Arial" pitchFamily="34" charset="0"/>
         <a:buChar char="•"/>
-        <a:defRPr kumimoji="0" sz="1400" kern="1200" baseline="0">
+        <a:defRPr sz="1400" kern="1200">
           <a:solidFill>
             <a:schemeClr val="tx1"/>
           </a:solidFill>
@@ -3764,8 +3089,11 @@
       </a:lvl9pPr>
     </p:bodyStyle>
     <p:otherStyle>
-      <a:lvl1pPr marL="0" algn="l" rtl="0" eaLnBrk="1" latinLnBrk="0" hangingPunct="1">
-        <a:defRPr kumimoji="0" kern="1200">
+      <a:defPPr>
+        <a:defRPr lang="en-US"/>
+      </a:defPPr>
+      <a:lvl1pPr marL="0" algn="l" defTabSz="914400" rtl="0" eaLnBrk="1" latinLnBrk="0" hangingPunct="1">
+        <a:defRPr sz="1800" kern="1200">
           <a:solidFill>
             <a:schemeClr val="tx1"/>
           </a:solidFill>
@@ -3774,8 +3102,8 @@
           <a:cs typeface="+mn-cs"/>
         </a:defRPr>
       </a:lvl1pPr>
-      <a:lvl2pPr marL="457200" algn="l" rtl="0" eaLnBrk="1" latinLnBrk="0" hangingPunct="1">
-        <a:defRPr kumimoji="0" kern="1200">
+      <a:lvl2pPr marL="457200" algn="l" defTabSz="914400" rtl="0" eaLnBrk="1" latinLnBrk="0" hangingPunct="1">
+        <a:defRPr sz="1800" kern="1200">
           <a:solidFill>
             <a:schemeClr val="tx1"/>
           </a:solidFill>
@@ -3784,8 +3112,8 @@
           <a:cs typeface="+mn-cs"/>
         </a:defRPr>
       </a:lvl2pPr>
-      <a:lvl3pPr marL="914400" algn="l" rtl="0" eaLnBrk="1" latinLnBrk="0" hangingPunct="1">
-        <a:defRPr kumimoji="0" kern="1200">
+      <a:lvl3pPr marL="914400" algn="l" defTabSz="914400" rtl="0" eaLnBrk="1" latinLnBrk="0" hangingPunct="1">
+        <a:defRPr sz="1800" kern="1200">
           <a:solidFill>
             <a:schemeClr val="tx1"/>
           </a:solidFill>
@@ -3794,8 +3122,8 @@
           <a:cs typeface="+mn-cs"/>
         </a:defRPr>
       </a:lvl3pPr>
-      <a:lvl4pPr marL="1371600" algn="l" rtl="0" eaLnBrk="1" latinLnBrk="0" hangingPunct="1">
-        <a:defRPr kumimoji="0" kern="1200">
+      <a:lvl4pPr marL="1371600" algn="l" defTabSz="914400" rtl="0" eaLnBrk="1" latinLnBrk="0" hangingPunct="1">
+        <a:defRPr sz="1800" kern="1200">
           <a:solidFill>
             <a:schemeClr val="tx1"/>
           </a:solidFill>
@@ -3804,8 +3132,8 @@
           <a:cs typeface="+mn-cs"/>
         </a:defRPr>
       </a:lvl4pPr>
-      <a:lvl5pPr marL="1828800" algn="l" rtl="0" eaLnBrk="1" latinLnBrk="0" hangingPunct="1">
-        <a:defRPr kumimoji="0" kern="1200">
+      <a:lvl5pPr marL="1828800" algn="l" defTabSz="914400" rtl="0" eaLnBrk="1" latinLnBrk="0" hangingPunct="1">
+        <a:defRPr sz="1800" kern="1200">
           <a:solidFill>
             <a:schemeClr val="tx1"/>
           </a:solidFill>
@@ -3814,8 +3142,8 @@
           <a:cs typeface="+mn-cs"/>
         </a:defRPr>
       </a:lvl5pPr>
-      <a:lvl6pPr marL="2286000" algn="l" rtl="0" eaLnBrk="1" latinLnBrk="0" hangingPunct="1">
-        <a:defRPr kumimoji="0" kern="1200">
+      <a:lvl6pPr marL="2286000" algn="l" defTabSz="914400" rtl="0" eaLnBrk="1" latinLnBrk="0" hangingPunct="1">
+        <a:defRPr sz="1800" kern="1200">
           <a:solidFill>
             <a:schemeClr val="tx1"/>
           </a:solidFill>
@@ -3824,8 +3152,8 @@
           <a:cs typeface="+mn-cs"/>
         </a:defRPr>
       </a:lvl6pPr>
-      <a:lvl7pPr marL="2743200" algn="l" rtl="0" eaLnBrk="1" latinLnBrk="0" hangingPunct="1">
-        <a:defRPr kumimoji="0" kern="1200">
+      <a:lvl7pPr marL="2743200" algn="l" defTabSz="914400" rtl="0" eaLnBrk="1" latinLnBrk="0" hangingPunct="1">
+        <a:defRPr sz="1800" kern="1200">
           <a:solidFill>
             <a:schemeClr val="tx1"/>
           </a:solidFill>
@@ -3834,8 +3162,8 @@
           <a:cs typeface="+mn-cs"/>
         </a:defRPr>
       </a:lvl7pPr>
-      <a:lvl8pPr marL="3200400" algn="l" rtl="0" eaLnBrk="1" latinLnBrk="0" hangingPunct="1">
-        <a:defRPr kumimoji="0" kern="1200">
+      <a:lvl8pPr marL="3200400" algn="l" defTabSz="914400" rtl="0" eaLnBrk="1" latinLnBrk="0" hangingPunct="1">
+        <a:defRPr sz="1800" kern="1200">
           <a:solidFill>
             <a:schemeClr val="tx1"/>
           </a:solidFill>
@@ -3844,8 +3172,8 @@
           <a:cs typeface="+mn-cs"/>
         </a:defRPr>
       </a:lvl8pPr>
-      <a:lvl9pPr marL="3657600" algn="l" rtl="0" eaLnBrk="1" latinLnBrk="0" hangingPunct="1">
-        <a:defRPr kumimoji="0" kern="1200">
+      <a:lvl9pPr marL="3657600" algn="l" defTabSz="914400" rtl="0" eaLnBrk="1" latinLnBrk="0" hangingPunct="1">
+        <a:defRPr sz="1800" kern="1200">
           <a:solidFill>
             <a:schemeClr val="tx1"/>
           </a:solidFill>
@@ -4128,6 +3456,98 @@
       </p:par>
     </p:tnLst>
   </p:timing>
+</p:sld>
+</file>
+
+<file path=ppt/slides/slide10.xml><?xml version="1.0" encoding="utf-8"?>
+<p:sld xmlns:a="http://schemas.openxmlformats.org/drawingml/2006/main" xmlns:r="http://schemas.openxmlformats.org/officeDocument/2006/relationships" xmlns:p="http://schemas.openxmlformats.org/presentationml/2006/main">
+  <p:cSld>
+    <p:spTree>
+      <p:nvGrpSpPr>
+        <p:cNvPr id="1" name=""/>
+        <p:cNvGrpSpPr/>
+        <p:nvPr/>
+      </p:nvGrpSpPr>
+      <p:grpSpPr>
+        <a:xfrm>
+          <a:off x="0" y="0"/>
+          <a:ext cx="0" cy="0"/>
+          <a:chOff x="0" y="0"/>
+          <a:chExt cx="0" cy="0"/>
+        </a:xfrm>
+      </p:grpSpPr>
+      <p:sp>
+        <p:nvSpPr>
+          <p:cNvPr id="2" name="Title 1"/>
+          <p:cNvSpPr>
+            <a:spLocks noGrp="1"/>
+          </p:cNvSpPr>
+          <p:nvPr>
+            <p:ph type="title"/>
+          </p:nvPr>
+        </p:nvSpPr>
+        <p:spPr/>
+        <p:txBody>
+          <a:bodyPr/>
+          <a:lstStyle/>
+          <a:p>
+            <a:r>
+              <a:rPr lang="en-US" dirty="0"/>
+              <a:t>[NO : 01] </a:t>
+            </a:r>
+            <a:r>
+              <a:rPr lang="en-US" dirty="0" err="1"/>
+              <a:t>Tampilan</a:t>
+            </a:r>
+            <a:r>
+              <a:rPr lang="en-US" dirty="0"/>
+              <a:t> Home </a:t>
+            </a:r>
+          </a:p>
+        </p:txBody>
+      </p:sp>
+      <p:pic>
+        <p:nvPicPr>
+          <p:cNvPr id="4" name="Content Placeholder 3"/>
+          <p:cNvPicPr>
+            <a:picLocks noGrp="1" noChangeAspect="1"/>
+          </p:cNvPicPr>
+          <p:nvPr>
+            <p:ph idx="1"/>
+          </p:nvPr>
+        </p:nvPicPr>
+        <p:blipFill>
+          <a:blip r:embed="rId2">
+            <a:extLst>
+              <a:ext uri="{28A0092B-C50C-407E-A947-70E740481C1C}">
+                <a14:useLocalDpi xmlns:a14="http://schemas.microsoft.com/office/drawing/2010/main" val="0"/>
+              </a:ext>
+            </a:extLst>
+          </a:blip>
+          <a:stretch>
+            <a:fillRect/>
+          </a:stretch>
+        </p:blipFill>
+        <p:spPr>
+          <a:xfrm>
+            <a:off x="457200" y="1606021"/>
+            <a:ext cx="7620000" cy="4788958"/>
+          </a:xfrm>
+          <a:prstGeom prst="rect">
+            <a:avLst/>
+          </a:prstGeom>
+        </p:spPr>
+      </p:pic>
+    </p:spTree>
+    <p:extLst>
+      <p:ext uri="{BB962C8B-B14F-4D97-AF65-F5344CB8AC3E}">
+        <p14:creationId xmlns:p14="http://schemas.microsoft.com/office/powerpoint/2010/main" val="3726047350"/>
+      </p:ext>
+    </p:extLst>
+  </p:cSld>
+  <p:clrMapOvr>
+    <a:masterClrMapping/>
+  </p:clrMapOvr>
 </p:sld>
 </file>
 
@@ -4879,29 +4299,39 @@
           </a:p>
         </p:txBody>
       </p:sp>
-      <p:sp>
-        <p:nvSpPr>
-          <p:cNvPr id="3" name="Content Placeholder 2"/>
-          <p:cNvSpPr>
-            <a:spLocks noGrp="1"/>
-          </p:cNvSpPr>
+      <p:pic>
+        <p:nvPicPr>
+          <p:cNvPr id="9" name="Content Placeholder 8"/>
+          <p:cNvPicPr>
+            <a:picLocks noGrp="1" noChangeAspect="1"/>
+          </p:cNvPicPr>
           <p:nvPr>
             <p:ph idx="1"/>
           </p:nvPr>
-        </p:nvSpPr>
-        <p:spPr/>
-        <p:txBody>
-          <a:bodyPr/>
-          <a:lstStyle/>
-          <a:p>
-            <a:endParaRPr lang="en-US"/>
-          </a:p>
-        </p:txBody>
-      </p:sp>
+        </p:nvPicPr>
+        <p:blipFill>
+          <a:blip r:embed="rId2">
+            <a:extLst>
+              <a:ext uri="{28A0092B-C50C-407E-A947-70E740481C1C}">
+                <a14:useLocalDpi xmlns:a14="http://schemas.microsoft.com/office/drawing/2010/main" val="0"/>
+              </a:ext>
+            </a:extLst>
+          </a:blip>
+          <a:stretch>
+            <a:fillRect/>
+          </a:stretch>
+        </p:blipFill>
+        <p:spPr>
+          <a:xfrm>
+            <a:off x="751991" y="1219201"/>
+            <a:ext cx="7325209" cy="5181600"/>
+          </a:xfrm>
+        </p:spPr>
+      </p:pic>
     </p:spTree>
     <p:extLst>
       <p:ext uri="{BB962C8B-B14F-4D97-AF65-F5344CB8AC3E}">
-        <p14:creationId xmlns:p14="http://schemas.microsoft.com/office/powerpoint/2010/main" val="1378225200"/>
+        <p14:creationId xmlns:p14="http://schemas.microsoft.com/office/powerpoint/2010/main" val="3957497902"/>
       </p:ext>
     </p:extLst>
   </p:cSld>
@@ -4951,14 +4381,13 @@
           <a:lstStyle/>
           <a:p>
             <a:r>
-              <a:rPr lang="en-US" dirty="0" err="1" smtClean="0"/>
+              <a:rPr lang="en-US" dirty="0" err="1"/>
               <a:t>Struktur</a:t>
             </a:r>
             <a:r>
-              <a:rPr lang="en-US" dirty="0" smtClean="0"/>
+              <a:rPr lang="en-US" dirty="0"/>
               <a:t> Pohon1</a:t>
             </a:r>
-            <a:endParaRPr lang="en-US" dirty="0"/>
           </a:p>
         </p:txBody>
       </p:sp>
@@ -4984,7 +4413,7 @@
     </p:spTree>
     <p:extLst>
       <p:ext uri="{BB962C8B-B14F-4D97-AF65-F5344CB8AC3E}">
-        <p14:creationId xmlns:p14="http://schemas.microsoft.com/office/powerpoint/2010/main" val="3957497902"/>
+        <p14:creationId xmlns:p14="http://schemas.microsoft.com/office/powerpoint/2010/main" val="977466663"/>
       </p:ext>
     </p:extLst>
   </p:cSld>
@@ -5001,57 +4430,1908 @@
 </p:sld>
 </file>
 
+<file path=ppt/slides/slide7.xml><?xml version="1.0" encoding="utf-8"?>
+<p:sld xmlns:a="http://schemas.openxmlformats.org/drawingml/2006/main" xmlns:r="http://schemas.openxmlformats.org/officeDocument/2006/relationships" xmlns:p="http://schemas.openxmlformats.org/presentationml/2006/main">
+  <p:cSld>
+    <p:spTree>
+      <p:nvGrpSpPr>
+        <p:cNvPr id="1" name=""/>
+        <p:cNvGrpSpPr/>
+        <p:nvPr/>
+      </p:nvGrpSpPr>
+      <p:grpSpPr>
+        <a:xfrm>
+          <a:off x="0" y="0"/>
+          <a:ext cx="0" cy="0"/>
+          <a:chOff x="0" y="0"/>
+          <a:chExt cx="0" cy="0"/>
+        </a:xfrm>
+      </p:grpSpPr>
+      <p:sp>
+        <p:nvSpPr>
+          <p:cNvPr id="2" name="Title 1"/>
+          <p:cNvSpPr>
+            <a:spLocks noGrp="1"/>
+          </p:cNvSpPr>
+          <p:nvPr>
+            <p:ph type="title"/>
+          </p:nvPr>
+        </p:nvSpPr>
+        <p:spPr/>
+        <p:txBody>
+          <a:bodyPr/>
+          <a:lstStyle/>
+          <a:p>
+            <a:r>
+              <a:rPr lang="en-US" dirty="0" err="1" smtClean="0"/>
+              <a:t>Wawancara</a:t>
+            </a:r>
+            <a:endParaRPr lang="en-US" dirty="0"/>
+          </a:p>
+        </p:txBody>
+      </p:sp>
+      <p:sp>
+        <p:nvSpPr>
+          <p:cNvPr id="3" name="Content Placeholder 2"/>
+          <p:cNvSpPr>
+            <a:spLocks noGrp="1"/>
+          </p:cNvSpPr>
+          <p:nvPr>
+            <p:ph idx="1"/>
+          </p:nvPr>
+        </p:nvSpPr>
+        <p:spPr/>
+        <p:txBody>
+          <a:bodyPr/>
+          <a:lstStyle/>
+          <a:p>
+            <a:pPr marL="114300" indent="0">
+              <a:buNone/>
+            </a:pPr>
+            <a:r>
+              <a:rPr lang="en-US" dirty="0" smtClean="0"/>
+              <a:t>US_	: </a:t>
+            </a:r>
+            <a:r>
+              <a:rPr lang="en-US" dirty="0" err="1" smtClean="0"/>
+              <a:t>Selamat</a:t>
+            </a:r>
+            <a:r>
+              <a:rPr lang="en-US" dirty="0" smtClean="0"/>
+              <a:t> </a:t>
+            </a:r>
+            <a:r>
+              <a:rPr lang="en-US" dirty="0" err="1" smtClean="0"/>
+              <a:t>siang</a:t>
+            </a:r>
+            <a:r>
+              <a:rPr lang="en-US" dirty="0" smtClean="0"/>
+              <a:t>, </a:t>
+            </a:r>
+            <a:r>
+              <a:rPr lang="en-US" dirty="0" err="1" smtClean="0"/>
+              <a:t>pak.</a:t>
+            </a:r>
+            <a:endParaRPr lang="en-US" dirty="0" smtClean="0"/>
+          </a:p>
+          <a:p>
+            <a:pPr marL="114300" indent="0">
+              <a:buNone/>
+            </a:pPr>
+            <a:r>
+              <a:rPr lang="en-US" dirty="0" smtClean="0"/>
+              <a:t>BOS_	: </a:t>
+            </a:r>
+            <a:r>
+              <a:rPr lang="en-US" dirty="0" err="1" smtClean="0"/>
+              <a:t>Selamat</a:t>
+            </a:r>
+            <a:r>
+              <a:rPr lang="en-US" dirty="0" smtClean="0"/>
+              <a:t> </a:t>
+            </a:r>
+            <a:r>
+              <a:rPr lang="en-US" dirty="0" err="1" smtClean="0"/>
+              <a:t>siang</a:t>
+            </a:r>
+            <a:r>
+              <a:rPr lang="en-US" dirty="0" smtClean="0"/>
+              <a:t>.</a:t>
+            </a:r>
+          </a:p>
+          <a:p>
+            <a:pPr marL="114300" indent="0">
+              <a:buNone/>
+            </a:pPr>
+            <a:r>
+              <a:rPr lang="en-US" dirty="0" smtClean="0"/>
+              <a:t>US_	: </a:t>
+            </a:r>
+            <a:r>
+              <a:rPr lang="en-US" dirty="0" err="1" smtClean="0"/>
+              <a:t>Perkenalkan</a:t>
+            </a:r>
+            <a:r>
+              <a:rPr lang="en-US" dirty="0" smtClean="0"/>
+              <a:t> </a:t>
+            </a:r>
+            <a:r>
+              <a:rPr lang="en-US" dirty="0" err="1" smtClean="0"/>
+              <a:t>saya</a:t>
+            </a:r>
+            <a:r>
+              <a:rPr lang="en-US" dirty="0" smtClean="0"/>
+              <a:t> US_ </a:t>
+            </a:r>
+            <a:r>
+              <a:rPr lang="en-US" dirty="0" err="1" smtClean="0"/>
+              <a:t>dari</a:t>
+            </a:r>
+            <a:r>
+              <a:rPr lang="en-US" dirty="0" smtClean="0"/>
+              <a:t> developer web. Kami 	</a:t>
+            </a:r>
+            <a:r>
+              <a:rPr lang="en-US" dirty="0" err="1" smtClean="0"/>
+              <a:t>membantu</a:t>
+            </a:r>
+            <a:r>
+              <a:rPr lang="en-US" dirty="0" smtClean="0"/>
+              <a:t> </a:t>
+            </a:r>
+            <a:r>
+              <a:rPr lang="en-US" dirty="0" err="1" smtClean="0"/>
+              <a:t>dalam</a:t>
+            </a:r>
+            <a:r>
+              <a:rPr lang="en-US" dirty="0" smtClean="0"/>
+              <a:t> </a:t>
+            </a:r>
+            <a:r>
+              <a:rPr lang="en-US" dirty="0" err="1" smtClean="0"/>
+              <a:t>pengembangan</a:t>
+            </a:r>
+            <a:r>
+              <a:rPr lang="en-US" dirty="0" smtClean="0"/>
+              <a:t> website </a:t>
+            </a:r>
+            <a:r>
+              <a:rPr lang="en-US" dirty="0" err="1" smtClean="0"/>
+              <a:t>untuk</a:t>
+            </a:r>
+            <a:r>
+              <a:rPr lang="en-US" dirty="0" smtClean="0"/>
+              <a:t> 	</a:t>
+            </a:r>
+            <a:r>
+              <a:rPr lang="en-US" dirty="0" err="1" smtClean="0"/>
+              <a:t>perusahaan</a:t>
+            </a:r>
+            <a:r>
+              <a:rPr lang="en-US" dirty="0" smtClean="0"/>
+              <a:t> </a:t>
+            </a:r>
+            <a:r>
+              <a:rPr lang="en-US" dirty="0" err="1" smtClean="0"/>
+              <a:t>ataupun</a:t>
+            </a:r>
+            <a:r>
+              <a:rPr lang="en-US" dirty="0" smtClean="0"/>
+              <a:t> </a:t>
+            </a:r>
+            <a:r>
+              <a:rPr lang="en-US" dirty="0" err="1" smtClean="0"/>
+              <a:t>mandiri</a:t>
+            </a:r>
+            <a:r>
+              <a:rPr lang="en-US" dirty="0" smtClean="0"/>
+              <a:t>. </a:t>
+            </a:r>
+            <a:r>
+              <a:rPr lang="en-US" dirty="0" err="1" smtClean="0"/>
+              <a:t>Apakah</a:t>
+            </a:r>
+            <a:r>
+              <a:rPr lang="en-US" dirty="0" smtClean="0"/>
+              <a:t> </a:t>
+            </a:r>
+            <a:r>
+              <a:rPr lang="en-US" dirty="0" err="1" smtClean="0"/>
+              <a:t>perusahaan</a:t>
+            </a:r>
+            <a:r>
+              <a:rPr lang="en-US" dirty="0" smtClean="0"/>
+              <a:t> 	</a:t>
+            </a:r>
+            <a:r>
+              <a:rPr lang="en-US" dirty="0" err="1" smtClean="0"/>
+              <a:t>apartemen</a:t>
+            </a:r>
+            <a:r>
+              <a:rPr lang="en-US" dirty="0" smtClean="0"/>
+              <a:t> </a:t>
+            </a:r>
+            <a:r>
+              <a:rPr lang="en-US" dirty="0" err="1" smtClean="0"/>
+              <a:t>bapak</a:t>
+            </a:r>
+            <a:r>
+              <a:rPr lang="en-US" dirty="0" smtClean="0"/>
+              <a:t> </a:t>
+            </a:r>
+            <a:r>
+              <a:rPr lang="en-US" dirty="0" err="1" smtClean="0"/>
+              <a:t>sudah</a:t>
+            </a:r>
+            <a:r>
+              <a:rPr lang="en-US" dirty="0" smtClean="0"/>
+              <a:t> </a:t>
+            </a:r>
+            <a:r>
+              <a:rPr lang="en-US" dirty="0" err="1" smtClean="0"/>
+              <a:t>memiliki</a:t>
+            </a:r>
+            <a:r>
+              <a:rPr lang="en-US" dirty="0" smtClean="0"/>
+              <a:t> website </a:t>
+            </a:r>
+            <a:r>
+              <a:rPr lang="en-US" dirty="0" err="1" smtClean="0"/>
+              <a:t>sebagai</a:t>
+            </a:r>
+            <a:r>
+              <a:rPr lang="en-US" dirty="0" smtClean="0"/>
+              <a:t> media 	</a:t>
+            </a:r>
+            <a:r>
+              <a:rPr lang="en-US" dirty="0" err="1" smtClean="0"/>
+              <a:t>promosi</a:t>
+            </a:r>
+            <a:r>
+              <a:rPr lang="en-US" dirty="0" smtClean="0"/>
+              <a:t> </a:t>
+            </a:r>
+            <a:r>
+              <a:rPr lang="en-US" dirty="0" err="1" smtClean="0"/>
+              <a:t>atau</a:t>
+            </a:r>
+            <a:r>
+              <a:rPr lang="en-US" dirty="0" smtClean="0"/>
+              <a:t> </a:t>
+            </a:r>
+            <a:r>
+              <a:rPr lang="en-US" dirty="0" err="1" smtClean="0"/>
+              <a:t>penjualan</a:t>
+            </a:r>
+            <a:r>
+              <a:rPr lang="en-US" dirty="0" smtClean="0"/>
+              <a:t>?</a:t>
+            </a:r>
+          </a:p>
+          <a:p>
+            <a:pPr marL="114300" indent="0">
+              <a:buNone/>
+            </a:pPr>
+            <a:r>
+              <a:rPr lang="en-US" dirty="0" smtClean="0"/>
+              <a:t>BOS_	: </a:t>
+            </a:r>
+            <a:r>
+              <a:rPr lang="en-US" dirty="0" err="1" smtClean="0"/>
+              <a:t>Untuk</a:t>
+            </a:r>
+            <a:r>
+              <a:rPr lang="en-US" dirty="0" smtClean="0"/>
+              <a:t> </a:t>
+            </a:r>
+            <a:r>
+              <a:rPr lang="en-US" dirty="0" err="1" smtClean="0"/>
+              <a:t>sementara</a:t>
+            </a:r>
+            <a:r>
+              <a:rPr lang="en-US" dirty="0" smtClean="0"/>
+              <a:t> </a:t>
+            </a:r>
+            <a:r>
+              <a:rPr lang="en-US" dirty="0" err="1" smtClean="0"/>
+              <a:t>belum</a:t>
+            </a:r>
+            <a:r>
+              <a:rPr lang="en-US" dirty="0" smtClean="0"/>
+              <a:t> </a:t>
+            </a:r>
+            <a:r>
+              <a:rPr lang="en-US" dirty="0" err="1" smtClean="0"/>
+              <a:t>ada</a:t>
+            </a:r>
+            <a:r>
+              <a:rPr lang="en-US" dirty="0" smtClean="0"/>
+              <a:t>.</a:t>
+            </a:r>
+          </a:p>
+          <a:p>
+            <a:pPr marL="114300" indent="0">
+              <a:buNone/>
+            </a:pPr>
+            <a:r>
+              <a:rPr lang="en-US" dirty="0" smtClean="0"/>
+              <a:t>US_	: Oh, </a:t>
+            </a:r>
+            <a:r>
+              <a:rPr lang="en-US" dirty="0" err="1" smtClean="0"/>
+              <a:t>bagaimana</a:t>
+            </a:r>
+            <a:r>
+              <a:rPr lang="en-US" dirty="0" smtClean="0"/>
+              <a:t> </a:t>
+            </a:r>
+            <a:r>
+              <a:rPr lang="en-US" dirty="0" err="1" smtClean="0"/>
+              <a:t>jika</a:t>
+            </a:r>
+            <a:r>
+              <a:rPr lang="en-US" dirty="0" smtClean="0"/>
+              <a:t> kami </a:t>
+            </a:r>
+            <a:r>
+              <a:rPr lang="en-US" dirty="0" err="1" smtClean="0"/>
+              <a:t>menawarkan</a:t>
+            </a:r>
+            <a:r>
+              <a:rPr lang="en-US" dirty="0" smtClean="0"/>
+              <a:t> </a:t>
+            </a:r>
+            <a:r>
+              <a:rPr lang="en-US" dirty="0" err="1" smtClean="0"/>
+              <a:t>untuk</a:t>
+            </a:r>
+            <a:r>
+              <a:rPr lang="en-US" dirty="0" smtClean="0"/>
+              <a:t> 	</a:t>
+            </a:r>
+            <a:r>
+              <a:rPr lang="en-US" dirty="0" err="1" smtClean="0"/>
+              <a:t>membangun</a:t>
+            </a:r>
+            <a:r>
+              <a:rPr lang="en-US" dirty="0" smtClean="0"/>
+              <a:t> website </a:t>
+            </a:r>
+            <a:r>
+              <a:rPr lang="en-US" dirty="0" err="1" smtClean="0"/>
+              <a:t>untuk</a:t>
+            </a:r>
+            <a:r>
+              <a:rPr lang="en-US" dirty="0" smtClean="0"/>
+              <a:t> </a:t>
+            </a:r>
+            <a:r>
+              <a:rPr lang="en-US" dirty="0" err="1" smtClean="0"/>
+              <a:t>membantu</a:t>
+            </a:r>
+            <a:r>
+              <a:rPr lang="en-US" dirty="0" smtClean="0"/>
+              <a:t> </a:t>
+            </a:r>
+            <a:r>
+              <a:rPr lang="en-US" dirty="0" err="1" smtClean="0"/>
+              <a:t>dalam</a:t>
+            </a:r>
+            <a:r>
+              <a:rPr lang="en-US" dirty="0" smtClean="0"/>
+              <a:t> </a:t>
+            </a:r>
+            <a:r>
+              <a:rPr lang="en-US" dirty="0" err="1" smtClean="0"/>
+              <a:t>promosi</a:t>
+            </a:r>
+            <a:r>
+              <a:rPr lang="en-US" dirty="0" smtClean="0"/>
+              <a:t> 	</a:t>
+            </a:r>
+            <a:r>
+              <a:rPr lang="en-US" dirty="0" err="1" smtClean="0"/>
+              <a:t>apartemen</a:t>
+            </a:r>
+            <a:r>
+              <a:rPr lang="en-US" dirty="0" smtClean="0"/>
+              <a:t> yang </a:t>
+            </a:r>
+            <a:r>
+              <a:rPr lang="en-US" dirty="0" err="1" smtClean="0"/>
+              <a:t>bapak</a:t>
+            </a:r>
+            <a:r>
+              <a:rPr lang="en-US" dirty="0" smtClean="0"/>
+              <a:t> </a:t>
+            </a:r>
+            <a:r>
+              <a:rPr lang="en-US" dirty="0" err="1" smtClean="0"/>
+              <a:t>miliki</a:t>
+            </a:r>
+            <a:r>
+              <a:rPr lang="en-US" dirty="0" smtClean="0"/>
+              <a:t>?</a:t>
+            </a:r>
+          </a:p>
+          <a:p>
+            <a:pPr marL="114300" indent="0">
+              <a:buNone/>
+            </a:pPr>
+            <a:r>
+              <a:rPr lang="en-US" dirty="0" smtClean="0"/>
+              <a:t>BOS_	: </a:t>
+            </a:r>
+            <a:r>
+              <a:rPr lang="en-US" dirty="0" err="1" smtClean="0"/>
+              <a:t>Boleh</a:t>
+            </a:r>
+            <a:r>
+              <a:rPr lang="en-US" dirty="0" smtClean="0"/>
+              <a:t> </a:t>
+            </a:r>
+            <a:r>
+              <a:rPr lang="en-US" dirty="0" err="1" smtClean="0"/>
+              <a:t>saja</a:t>
+            </a:r>
+            <a:r>
+              <a:rPr lang="en-US" dirty="0" smtClean="0"/>
+              <a:t>. </a:t>
+            </a:r>
+            <a:r>
+              <a:rPr lang="en-US" dirty="0" err="1" smtClean="0"/>
+              <a:t>Apa</a:t>
+            </a:r>
+            <a:r>
+              <a:rPr lang="en-US" dirty="0" smtClean="0"/>
+              <a:t> </a:t>
+            </a:r>
+            <a:r>
+              <a:rPr lang="en-US" dirty="0" err="1" smtClean="0"/>
+              <a:t>keuntungan</a:t>
+            </a:r>
+            <a:r>
+              <a:rPr lang="en-US" dirty="0" smtClean="0"/>
+              <a:t> </a:t>
+            </a:r>
+            <a:r>
+              <a:rPr lang="en-US" dirty="0" err="1" smtClean="0"/>
+              <a:t>bagi</a:t>
+            </a:r>
+            <a:r>
+              <a:rPr lang="en-US" dirty="0" smtClean="0"/>
+              <a:t> kami </a:t>
+            </a:r>
+            <a:r>
+              <a:rPr lang="en-US" dirty="0" err="1" smtClean="0"/>
+              <a:t>bila</a:t>
+            </a:r>
+            <a:r>
+              <a:rPr lang="en-US" dirty="0" smtClean="0"/>
+              <a:t> 	</a:t>
+            </a:r>
+            <a:r>
+              <a:rPr lang="en-US" dirty="0" err="1" smtClean="0"/>
+              <a:t>menggunakan</a:t>
+            </a:r>
+            <a:r>
+              <a:rPr lang="en-US" dirty="0" smtClean="0"/>
+              <a:t> website </a:t>
+            </a:r>
+            <a:r>
+              <a:rPr lang="en-US" dirty="0" err="1" smtClean="0"/>
+              <a:t>ini</a:t>
+            </a:r>
+            <a:r>
+              <a:rPr lang="en-US" dirty="0" smtClean="0"/>
+              <a:t>?</a:t>
+            </a:r>
+            <a:endParaRPr lang="en-US" dirty="0"/>
+          </a:p>
+        </p:txBody>
+      </p:sp>
+    </p:spTree>
+    <p:extLst>
+      <p:ext uri="{BB962C8B-B14F-4D97-AF65-F5344CB8AC3E}">
+        <p14:creationId xmlns:p14="http://schemas.microsoft.com/office/powerpoint/2010/main" val="3937251470"/>
+      </p:ext>
+    </p:extLst>
+  </p:cSld>
+  <p:clrMapOvr>
+    <a:masterClrMapping/>
+  </p:clrMapOvr>
+  <p:timing>
+    <p:tnLst>
+      <p:par>
+        <p:cTn id="1" dur="indefinite" restart="never" nodeType="tmRoot"/>
+      </p:par>
+    </p:tnLst>
+  </p:timing>
+</p:sld>
+</file>
+
+<file path=ppt/slides/slide8.xml><?xml version="1.0" encoding="utf-8"?>
+<p:sld xmlns:a="http://schemas.openxmlformats.org/drawingml/2006/main" xmlns:r="http://schemas.openxmlformats.org/officeDocument/2006/relationships" xmlns:p="http://schemas.openxmlformats.org/presentationml/2006/main">
+  <p:cSld>
+    <p:spTree>
+      <p:nvGrpSpPr>
+        <p:cNvPr id="1" name=""/>
+        <p:cNvGrpSpPr/>
+        <p:nvPr/>
+      </p:nvGrpSpPr>
+      <p:grpSpPr>
+        <a:xfrm>
+          <a:off x="0" y="0"/>
+          <a:ext cx="0" cy="0"/>
+          <a:chOff x="0" y="0"/>
+          <a:chExt cx="0" cy="0"/>
+        </a:xfrm>
+      </p:grpSpPr>
+      <p:sp>
+        <p:nvSpPr>
+          <p:cNvPr id="2" name="Title 1"/>
+          <p:cNvSpPr>
+            <a:spLocks noGrp="1"/>
+          </p:cNvSpPr>
+          <p:nvPr>
+            <p:ph type="title"/>
+          </p:nvPr>
+        </p:nvSpPr>
+        <p:spPr/>
+        <p:txBody>
+          <a:bodyPr/>
+          <a:lstStyle/>
+          <a:p>
+            <a:r>
+              <a:rPr lang="en-US" dirty="0" err="1"/>
+              <a:t>Wawancara</a:t>
+            </a:r>
+            <a:endParaRPr lang="en-US" dirty="0"/>
+          </a:p>
+        </p:txBody>
+      </p:sp>
+      <p:sp>
+        <p:nvSpPr>
+          <p:cNvPr id="3" name="Content Placeholder 2"/>
+          <p:cNvSpPr>
+            <a:spLocks noGrp="1"/>
+          </p:cNvSpPr>
+          <p:nvPr>
+            <p:ph idx="1"/>
+          </p:nvPr>
+        </p:nvSpPr>
+        <p:spPr/>
+        <p:txBody>
+          <a:bodyPr>
+            <a:normAutofit lnSpcReduction="10000"/>
+          </a:bodyPr>
+          <a:lstStyle/>
+          <a:p>
+            <a:pPr marL="114300" indent="0">
+              <a:buNone/>
+            </a:pPr>
+            <a:r>
+              <a:rPr lang="en-US" dirty="0" smtClean="0"/>
+              <a:t>US_	: </a:t>
+            </a:r>
+            <a:r>
+              <a:rPr lang="en-US" dirty="0" err="1" smtClean="0"/>
+              <a:t>Dengan</a:t>
+            </a:r>
+            <a:r>
+              <a:rPr lang="en-US" dirty="0" smtClean="0"/>
+              <a:t> website </a:t>
+            </a:r>
+            <a:r>
+              <a:rPr lang="en-US" dirty="0" err="1" smtClean="0"/>
+              <a:t>ini</a:t>
+            </a:r>
+            <a:r>
+              <a:rPr lang="en-US" dirty="0" smtClean="0"/>
+              <a:t>, </a:t>
+            </a:r>
+            <a:r>
+              <a:rPr lang="en-US" dirty="0" err="1" smtClean="0"/>
+              <a:t>bapak</a:t>
+            </a:r>
+            <a:r>
+              <a:rPr lang="en-US" dirty="0" smtClean="0"/>
+              <a:t> </a:t>
+            </a:r>
+            <a:r>
+              <a:rPr lang="en-US" dirty="0" err="1" smtClean="0"/>
+              <a:t>dapat</a:t>
+            </a:r>
+            <a:r>
+              <a:rPr lang="en-US" dirty="0" smtClean="0"/>
+              <a:t> </a:t>
+            </a:r>
+            <a:r>
+              <a:rPr lang="en-US" dirty="0" err="1" smtClean="0"/>
+              <a:t>mempermudah</a:t>
+            </a:r>
+            <a:r>
+              <a:rPr lang="en-US" dirty="0" smtClean="0"/>
+              <a:t> </a:t>
+            </a:r>
+            <a:r>
+              <a:rPr lang="en-US" dirty="0" err="1" smtClean="0"/>
+              <a:t>dalam</a:t>
+            </a:r>
+            <a:r>
+              <a:rPr lang="en-US" dirty="0" smtClean="0"/>
+              <a:t> 	</a:t>
+            </a:r>
+            <a:r>
+              <a:rPr lang="en-US" dirty="0" err="1" smtClean="0"/>
+              <a:t>promosi</a:t>
+            </a:r>
+            <a:r>
+              <a:rPr lang="en-US" dirty="0" smtClean="0"/>
+              <a:t> </a:t>
+            </a:r>
+            <a:r>
+              <a:rPr lang="en-US" dirty="0" err="1" smtClean="0"/>
+              <a:t>apartemen</a:t>
+            </a:r>
+            <a:r>
+              <a:rPr lang="en-US" dirty="0" smtClean="0"/>
+              <a:t>. Kami </a:t>
+            </a:r>
+            <a:r>
+              <a:rPr lang="en-US" dirty="0" err="1" smtClean="0"/>
+              <a:t>juga</a:t>
+            </a:r>
+            <a:r>
+              <a:rPr lang="en-US" dirty="0" smtClean="0"/>
+              <a:t> </a:t>
+            </a:r>
+            <a:r>
+              <a:rPr lang="en-US" dirty="0" err="1" smtClean="0"/>
+              <a:t>berpikir</a:t>
+            </a:r>
+            <a:r>
+              <a:rPr lang="en-US" dirty="0" smtClean="0"/>
+              <a:t> </a:t>
+            </a:r>
+            <a:r>
+              <a:rPr lang="en-US" dirty="0" err="1" smtClean="0"/>
+              <a:t>bahwa</a:t>
+            </a:r>
+            <a:r>
+              <a:rPr lang="en-US" dirty="0" smtClean="0"/>
+              <a:t> </a:t>
+            </a:r>
+            <a:r>
+              <a:rPr lang="en-US" dirty="0" err="1" smtClean="0"/>
+              <a:t>ada</a:t>
+            </a:r>
+            <a:r>
+              <a:rPr lang="en-US" dirty="0" smtClean="0"/>
+              <a:t> 	</a:t>
+            </a:r>
+            <a:r>
+              <a:rPr lang="en-US" dirty="0" err="1" smtClean="0"/>
+              <a:t>banyak</a:t>
+            </a:r>
+            <a:r>
+              <a:rPr lang="en-US" dirty="0" smtClean="0"/>
+              <a:t> orang yang </a:t>
+            </a:r>
+            <a:r>
+              <a:rPr lang="en-US" dirty="0" err="1" smtClean="0"/>
+              <a:t>kurang</a:t>
+            </a:r>
+            <a:r>
+              <a:rPr lang="en-US" dirty="0" smtClean="0"/>
+              <a:t> </a:t>
+            </a:r>
+            <a:r>
+              <a:rPr lang="en-US" dirty="0" err="1" smtClean="0"/>
+              <a:t>mempunyai</a:t>
+            </a:r>
+            <a:r>
+              <a:rPr lang="en-US" dirty="0" smtClean="0"/>
+              <a:t> </a:t>
+            </a:r>
+            <a:r>
+              <a:rPr lang="en-US" dirty="0" err="1" smtClean="0"/>
+              <a:t>waktu</a:t>
+            </a:r>
+            <a:r>
+              <a:rPr lang="en-US" dirty="0" smtClean="0"/>
+              <a:t> </a:t>
+            </a:r>
+            <a:r>
+              <a:rPr lang="en-US" dirty="0" err="1" smtClean="0"/>
+              <a:t>untuk</a:t>
+            </a:r>
+            <a:r>
+              <a:rPr lang="en-US" dirty="0" smtClean="0"/>
+              <a:t> 	</a:t>
+            </a:r>
+            <a:r>
+              <a:rPr lang="en-US" dirty="0" err="1" smtClean="0"/>
+              <a:t>melakukan</a:t>
+            </a:r>
+            <a:r>
+              <a:rPr lang="en-US" dirty="0" smtClean="0"/>
+              <a:t> </a:t>
+            </a:r>
+            <a:r>
+              <a:rPr lang="en-US" dirty="0" err="1" smtClean="0"/>
+              <a:t>survei</a:t>
+            </a:r>
+            <a:r>
+              <a:rPr lang="en-US" dirty="0" smtClean="0"/>
+              <a:t> </a:t>
+            </a:r>
+            <a:r>
+              <a:rPr lang="en-US" dirty="0" err="1" smtClean="0"/>
+              <a:t>apartemen</a:t>
+            </a:r>
+            <a:r>
+              <a:rPr lang="en-US" dirty="0"/>
+              <a:t> </a:t>
+            </a:r>
+            <a:r>
+              <a:rPr lang="en-US" dirty="0" err="1" smtClean="0"/>
+              <a:t>karena</a:t>
+            </a:r>
+            <a:r>
+              <a:rPr lang="en-US" dirty="0" smtClean="0"/>
+              <a:t> </a:t>
+            </a:r>
+            <a:r>
+              <a:rPr lang="en-US" dirty="0" err="1" smtClean="0"/>
+              <a:t>kesibukan</a:t>
+            </a:r>
+            <a:r>
+              <a:rPr lang="en-US" dirty="0" smtClean="0"/>
+              <a:t> </a:t>
+            </a:r>
+            <a:r>
+              <a:rPr lang="en-US" dirty="0" err="1" smtClean="0"/>
+              <a:t>mereka</a:t>
+            </a:r>
+            <a:r>
+              <a:rPr lang="en-US" dirty="0" smtClean="0"/>
+              <a:t>.</a:t>
+            </a:r>
+          </a:p>
+          <a:p>
+            <a:pPr marL="114300" indent="0">
+              <a:buNone/>
+            </a:pPr>
+            <a:r>
+              <a:rPr lang="en-US" dirty="0" smtClean="0"/>
+              <a:t>BOS_	: </a:t>
+            </a:r>
+            <a:r>
+              <a:rPr lang="en-US" dirty="0" err="1" smtClean="0"/>
+              <a:t>Benar</a:t>
+            </a:r>
+            <a:r>
+              <a:rPr lang="en-US" dirty="0" smtClean="0"/>
+              <a:t> </a:t>
+            </a:r>
+            <a:r>
+              <a:rPr lang="en-US" dirty="0" err="1" smtClean="0"/>
+              <a:t>juga</a:t>
+            </a:r>
+            <a:r>
+              <a:rPr lang="en-US" dirty="0" smtClean="0"/>
+              <a:t>. </a:t>
+            </a:r>
+            <a:r>
+              <a:rPr lang="en-US" dirty="0" err="1" smtClean="0"/>
+              <a:t>Saya</a:t>
+            </a:r>
+            <a:r>
+              <a:rPr lang="en-US" dirty="0" smtClean="0"/>
+              <a:t> </a:t>
+            </a:r>
+            <a:r>
+              <a:rPr lang="en-US" dirty="0" err="1" smtClean="0"/>
+              <a:t>juga</a:t>
+            </a:r>
+            <a:r>
+              <a:rPr lang="en-US" dirty="0" smtClean="0"/>
+              <a:t> </a:t>
+            </a:r>
+            <a:r>
+              <a:rPr lang="en-US" dirty="0" err="1" smtClean="0"/>
+              <a:t>merasa</a:t>
+            </a:r>
+            <a:r>
+              <a:rPr lang="en-US" dirty="0" smtClean="0"/>
+              <a:t> </a:t>
+            </a:r>
+            <a:r>
+              <a:rPr lang="en-US" dirty="0" err="1" smtClean="0"/>
+              <a:t>begitu</a:t>
+            </a:r>
+            <a:r>
+              <a:rPr lang="en-US" dirty="0" smtClean="0"/>
+              <a:t>. </a:t>
+            </a:r>
+            <a:r>
+              <a:rPr lang="en-US" dirty="0" err="1" smtClean="0"/>
+              <a:t>Lalu</a:t>
+            </a:r>
+            <a:r>
+              <a:rPr lang="en-US" dirty="0" smtClean="0"/>
+              <a:t>, </a:t>
+            </a:r>
+            <a:r>
+              <a:rPr lang="en-US" dirty="0" err="1" smtClean="0"/>
+              <a:t>bagaimana</a:t>
+            </a:r>
+            <a:r>
+              <a:rPr lang="en-US" dirty="0" smtClean="0"/>
+              <a:t> 	</a:t>
+            </a:r>
+            <a:r>
+              <a:rPr lang="en-US" dirty="0" err="1" smtClean="0"/>
+              <a:t>memulainya</a:t>
+            </a:r>
+            <a:r>
+              <a:rPr lang="en-US" dirty="0" smtClean="0"/>
+              <a:t>?</a:t>
+            </a:r>
+          </a:p>
+          <a:p>
+            <a:pPr marL="114300" indent="0">
+              <a:buNone/>
+            </a:pPr>
+            <a:r>
+              <a:rPr lang="en-US" dirty="0" smtClean="0"/>
+              <a:t>US_	: Kami </a:t>
+            </a:r>
+            <a:r>
+              <a:rPr lang="en-US" dirty="0" err="1" smtClean="0"/>
+              <a:t>akan</a:t>
+            </a:r>
+            <a:r>
+              <a:rPr lang="en-US" dirty="0" smtClean="0"/>
+              <a:t> </a:t>
+            </a:r>
+            <a:r>
+              <a:rPr lang="en-US" dirty="0" err="1" smtClean="0"/>
+              <a:t>merancang</a:t>
+            </a:r>
+            <a:r>
+              <a:rPr lang="en-US" dirty="0" smtClean="0"/>
+              <a:t> website </a:t>
+            </a:r>
+            <a:r>
+              <a:rPr lang="en-US" dirty="0" err="1" smtClean="0"/>
+              <a:t>sesuai</a:t>
+            </a:r>
+            <a:r>
+              <a:rPr lang="en-US" dirty="0" smtClean="0"/>
+              <a:t> </a:t>
+            </a:r>
+            <a:r>
+              <a:rPr lang="en-US" dirty="0" err="1" smtClean="0"/>
+              <a:t>kebutuhan</a:t>
+            </a:r>
+            <a:r>
+              <a:rPr lang="en-US" dirty="0" smtClean="0"/>
+              <a:t> </a:t>
+            </a:r>
+            <a:r>
+              <a:rPr lang="en-US" dirty="0" err="1" smtClean="0"/>
+              <a:t>bapak</a:t>
+            </a:r>
+            <a:r>
+              <a:rPr lang="en-US" dirty="0" smtClean="0"/>
+              <a:t>. 	</a:t>
+            </a:r>
+            <a:r>
+              <a:rPr lang="en-US" dirty="0" err="1" smtClean="0"/>
+              <a:t>Apa</a:t>
+            </a:r>
+            <a:r>
+              <a:rPr lang="en-US" dirty="0" smtClean="0"/>
+              <a:t> yang </a:t>
+            </a:r>
+            <a:r>
+              <a:rPr lang="en-US" dirty="0" err="1" smtClean="0"/>
+              <a:t>bapak</a:t>
+            </a:r>
+            <a:r>
+              <a:rPr lang="en-US" dirty="0" smtClean="0"/>
+              <a:t> </a:t>
+            </a:r>
+            <a:r>
+              <a:rPr lang="en-US" dirty="0" err="1" smtClean="0"/>
+              <a:t>perlukan</a:t>
+            </a:r>
+            <a:r>
+              <a:rPr lang="en-US" dirty="0" smtClean="0"/>
+              <a:t> </a:t>
+            </a:r>
+            <a:r>
+              <a:rPr lang="en-US" dirty="0" err="1" smtClean="0"/>
+              <a:t>dalam</a:t>
+            </a:r>
+            <a:r>
+              <a:rPr lang="en-US" dirty="0" smtClean="0"/>
+              <a:t> website yang </a:t>
+            </a:r>
+            <a:r>
+              <a:rPr lang="en-US" dirty="0" err="1" smtClean="0"/>
+              <a:t>akan</a:t>
+            </a:r>
+            <a:r>
+              <a:rPr lang="en-US" dirty="0" smtClean="0"/>
+              <a:t> kami 	</a:t>
+            </a:r>
+            <a:r>
+              <a:rPr lang="en-US" dirty="0" err="1" smtClean="0"/>
+              <a:t>kembangkan</a:t>
+            </a:r>
+            <a:r>
+              <a:rPr lang="en-US" dirty="0" smtClean="0"/>
+              <a:t>?</a:t>
+            </a:r>
+          </a:p>
+          <a:p>
+            <a:pPr marL="114300" indent="0">
+              <a:buNone/>
+            </a:pPr>
+            <a:r>
+              <a:rPr lang="en-US" dirty="0" smtClean="0"/>
+              <a:t>BOS_	: </a:t>
+            </a:r>
+            <a:r>
+              <a:rPr lang="en-US" dirty="0" err="1" smtClean="0"/>
+              <a:t>Pertama</a:t>
+            </a:r>
+            <a:r>
+              <a:rPr lang="en-US" dirty="0" smtClean="0"/>
+              <a:t>, </a:t>
+            </a:r>
+            <a:r>
+              <a:rPr lang="en-US" dirty="0" err="1" smtClean="0"/>
+              <a:t>saya</a:t>
+            </a:r>
+            <a:r>
+              <a:rPr lang="en-US" dirty="0" smtClean="0"/>
+              <a:t> </a:t>
+            </a:r>
+            <a:r>
+              <a:rPr lang="en-US" dirty="0" err="1" smtClean="0"/>
+              <a:t>ingin</a:t>
+            </a:r>
+            <a:r>
+              <a:rPr lang="en-US" dirty="0" smtClean="0"/>
+              <a:t> website </a:t>
+            </a:r>
+            <a:r>
+              <a:rPr lang="en-US" dirty="0" err="1" smtClean="0"/>
+              <a:t>nya</a:t>
+            </a:r>
+            <a:r>
+              <a:rPr lang="en-US" dirty="0" smtClean="0"/>
+              <a:t> </a:t>
+            </a:r>
+            <a:r>
+              <a:rPr lang="en-US" dirty="0" err="1" smtClean="0"/>
+              <a:t>dapat</a:t>
+            </a:r>
+            <a:r>
+              <a:rPr lang="en-US" dirty="0" smtClean="0"/>
+              <a:t> </a:t>
+            </a:r>
+            <a:r>
+              <a:rPr lang="en-US" dirty="0" err="1" smtClean="0"/>
+              <a:t>membantu</a:t>
+            </a:r>
+            <a:r>
+              <a:rPr lang="en-US" dirty="0" smtClean="0"/>
+              <a:t> 	</a:t>
+            </a:r>
+            <a:r>
+              <a:rPr lang="en-US" dirty="0" err="1" smtClean="0"/>
+              <a:t>dalam</a:t>
+            </a:r>
+            <a:r>
+              <a:rPr lang="en-US" dirty="0" smtClean="0"/>
+              <a:t> </a:t>
+            </a:r>
+            <a:r>
+              <a:rPr lang="en-US" dirty="0" err="1" smtClean="0"/>
+              <a:t>promosi</a:t>
+            </a:r>
+            <a:r>
+              <a:rPr lang="en-US" dirty="0" smtClean="0"/>
+              <a:t>. </a:t>
+            </a:r>
+            <a:r>
+              <a:rPr lang="en-US" dirty="0" err="1" smtClean="0"/>
+              <a:t>Bisa</a:t>
+            </a:r>
+            <a:r>
+              <a:rPr lang="en-US" dirty="0" smtClean="0"/>
+              <a:t> </a:t>
+            </a:r>
+            <a:r>
+              <a:rPr lang="en-US" dirty="0" err="1" smtClean="0"/>
+              <a:t>ditampilkan</a:t>
+            </a:r>
+            <a:r>
+              <a:rPr lang="en-US" dirty="0" smtClean="0"/>
+              <a:t> </a:t>
+            </a:r>
+            <a:r>
+              <a:rPr lang="en-US" dirty="0" err="1" smtClean="0"/>
+              <a:t>juga</a:t>
+            </a:r>
+            <a:r>
+              <a:rPr lang="en-US" dirty="0" smtClean="0"/>
+              <a:t> </a:t>
+            </a:r>
+            <a:r>
+              <a:rPr lang="en-US" dirty="0" err="1" smtClean="0"/>
+              <a:t>promosi-promsosi</a:t>
+            </a:r>
+            <a:r>
+              <a:rPr lang="en-US" dirty="0" smtClean="0"/>
+              <a:t> 	yang </a:t>
+            </a:r>
+            <a:r>
+              <a:rPr lang="en-US" dirty="0" err="1" smtClean="0"/>
+              <a:t>ada</a:t>
+            </a:r>
+            <a:r>
+              <a:rPr lang="en-US" dirty="0" smtClean="0"/>
+              <a:t>.</a:t>
+            </a:r>
+          </a:p>
+          <a:p>
+            <a:pPr marL="114300" indent="0">
+              <a:buNone/>
+            </a:pPr>
+            <a:r>
+              <a:rPr lang="en-US" dirty="0" smtClean="0"/>
+              <a:t>US_	: </a:t>
+            </a:r>
+            <a:r>
+              <a:rPr lang="en-US" dirty="0" err="1" smtClean="0"/>
+              <a:t>Tentu</a:t>
+            </a:r>
+            <a:r>
+              <a:rPr lang="en-US" dirty="0" smtClean="0"/>
+              <a:t> </a:t>
+            </a:r>
+            <a:r>
+              <a:rPr lang="en-US" dirty="0" err="1" smtClean="0"/>
+              <a:t>saja</a:t>
+            </a:r>
+            <a:r>
+              <a:rPr lang="en-US" dirty="0" smtClean="0"/>
+              <a:t>. </a:t>
+            </a:r>
+            <a:r>
+              <a:rPr lang="en-US" dirty="0" err="1" smtClean="0"/>
+              <a:t>Bagaimana</a:t>
+            </a:r>
+            <a:r>
+              <a:rPr lang="en-US" dirty="0" smtClean="0"/>
+              <a:t> </a:t>
+            </a:r>
+            <a:r>
+              <a:rPr lang="en-US" dirty="0" err="1" smtClean="0"/>
+              <a:t>manajemen</a:t>
+            </a:r>
+            <a:r>
+              <a:rPr lang="en-US" dirty="0" smtClean="0"/>
+              <a:t> </a:t>
+            </a:r>
+            <a:r>
+              <a:rPr lang="en-US" dirty="0" err="1" smtClean="0"/>
+              <a:t>apartemen</a:t>
+            </a:r>
+            <a:r>
+              <a:rPr lang="en-US" dirty="0" smtClean="0"/>
+              <a:t> yang 	</a:t>
+            </a:r>
+            <a:r>
+              <a:rPr lang="en-US" dirty="0" err="1" smtClean="0"/>
+              <a:t>diinginkan</a:t>
+            </a:r>
+            <a:r>
+              <a:rPr lang="en-US" dirty="0" smtClean="0"/>
+              <a:t>?</a:t>
+            </a:r>
+          </a:p>
+        </p:txBody>
+      </p:sp>
+    </p:spTree>
+    <p:extLst>
+      <p:ext uri="{BB962C8B-B14F-4D97-AF65-F5344CB8AC3E}">
+        <p14:creationId xmlns:p14="http://schemas.microsoft.com/office/powerpoint/2010/main" val="2417333920"/>
+      </p:ext>
+    </p:extLst>
+  </p:cSld>
+  <p:clrMapOvr>
+    <a:masterClrMapping/>
+  </p:clrMapOvr>
+</p:sld>
+</file>
+
+<file path=ppt/slides/slide9.xml><?xml version="1.0" encoding="utf-8"?>
+<p:sld xmlns:a="http://schemas.openxmlformats.org/drawingml/2006/main" xmlns:r="http://schemas.openxmlformats.org/officeDocument/2006/relationships" xmlns:p="http://schemas.openxmlformats.org/presentationml/2006/main">
+  <p:cSld>
+    <p:spTree>
+      <p:nvGrpSpPr>
+        <p:cNvPr id="1" name=""/>
+        <p:cNvGrpSpPr/>
+        <p:nvPr/>
+      </p:nvGrpSpPr>
+      <p:grpSpPr>
+        <a:xfrm>
+          <a:off x="0" y="0"/>
+          <a:ext cx="0" cy="0"/>
+          <a:chOff x="0" y="0"/>
+          <a:chExt cx="0" cy="0"/>
+        </a:xfrm>
+      </p:grpSpPr>
+      <p:sp>
+        <p:nvSpPr>
+          <p:cNvPr id="2" name="Title 1"/>
+          <p:cNvSpPr>
+            <a:spLocks noGrp="1"/>
+          </p:cNvSpPr>
+          <p:nvPr>
+            <p:ph type="title"/>
+          </p:nvPr>
+        </p:nvSpPr>
+        <p:spPr/>
+        <p:txBody>
+          <a:bodyPr/>
+          <a:lstStyle/>
+          <a:p>
+            <a:r>
+              <a:rPr lang="en-US" dirty="0" err="1"/>
+              <a:t>Wawancara</a:t>
+            </a:r>
+            <a:endParaRPr lang="en-US" dirty="0"/>
+          </a:p>
+        </p:txBody>
+      </p:sp>
+      <p:sp>
+        <p:nvSpPr>
+          <p:cNvPr id="3" name="Content Placeholder 2"/>
+          <p:cNvSpPr>
+            <a:spLocks noGrp="1"/>
+          </p:cNvSpPr>
+          <p:nvPr>
+            <p:ph idx="1"/>
+          </p:nvPr>
+        </p:nvSpPr>
+        <p:spPr/>
+        <p:txBody>
+          <a:bodyPr>
+            <a:normAutofit fontScale="92500" lnSpcReduction="10000"/>
+          </a:bodyPr>
+          <a:lstStyle/>
+          <a:p>
+            <a:pPr marL="114300" indent="0">
+              <a:buNone/>
+            </a:pPr>
+            <a:r>
+              <a:rPr lang="en-US" dirty="0" smtClean="0"/>
+              <a:t>BOS_	: Kami </a:t>
+            </a:r>
+            <a:r>
+              <a:rPr lang="en-US" dirty="0" err="1" smtClean="0"/>
+              <a:t>bisa</a:t>
+            </a:r>
+            <a:r>
+              <a:rPr lang="en-US" dirty="0" smtClean="0"/>
+              <a:t> </a:t>
+            </a:r>
+            <a:r>
+              <a:rPr lang="en-US" dirty="0" err="1" smtClean="0"/>
+              <a:t>menambah</a:t>
+            </a:r>
+            <a:r>
+              <a:rPr lang="en-US" dirty="0" smtClean="0"/>
+              <a:t> </a:t>
+            </a:r>
+            <a:r>
+              <a:rPr lang="en-US" dirty="0" err="1" smtClean="0"/>
+              <a:t>dan</a:t>
+            </a:r>
+            <a:r>
+              <a:rPr lang="en-US" dirty="0" smtClean="0"/>
+              <a:t> </a:t>
+            </a:r>
+            <a:r>
+              <a:rPr lang="en-US" dirty="0" err="1" smtClean="0"/>
+              <a:t>mengedit</a:t>
+            </a:r>
+            <a:r>
+              <a:rPr lang="en-US" dirty="0" smtClean="0"/>
+              <a:t> data </a:t>
+            </a:r>
+            <a:r>
+              <a:rPr lang="en-US" dirty="0" err="1" smtClean="0"/>
+              <a:t>apartemen</a:t>
+            </a:r>
+            <a:r>
+              <a:rPr lang="en-US" dirty="0" smtClean="0"/>
+              <a:t>. 	Kami </a:t>
+            </a:r>
+            <a:r>
+              <a:rPr lang="en-US" dirty="0" err="1" smtClean="0"/>
+              <a:t>juga</a:t>
+            </a:r>
+            <a:r>
+              <a:rPr lang="en-US" dirty="0" smtClean="0"/>
+              <a:t> </a:t>
+            </a:r>
+            <a:r>
+              <a:rPr lang="en-US" dirty="0" err="1" smtClean="0"/>
+              <a:t>bisa</a:t>
+            </a:r>
+            <a:r>
+              <a:rPr lang="en-US" dirty="0" smtClean="0"/>
+              <a:t> </a:t>
+            </a:r>
+            <a:r>
+              <a:rPr lang="en-US" dirty="0" err="1" smtClean="0"/>
+              <a:t>melihat</a:t>
+            </a:r>
+            <a:r>
+              <a:rPr lang="en-US" dirty="0" smtClean="0"/>
+              <a:t> status booking, </a:t>
+            </a:r>
+            <a:r>
+              <a:rPr lang="en-US" dirty="0" err="1" smtClean="0"/>
+              <a:t>karena</a:t>
+            </a:r>
+            <a:r>
+              <a:rPr lang="en-US" dirty="0" smtClean="0"/>
+              <a:t> </a:t>
+            </a:r>
+            <a:r>
+              <a:rPr lang="en-US" dirty="0" err="1" smtClean="0"/>
+              <a:t>penjualan</a:t>
+            </a:r>
+            <a:r>
+              <a:rPr lang="en-US" dirty="0" smtClean="0"/>
+              <a:t> 	</a:t>
+            </a:r>
+            <a:r>
+              <a:rPr lang="en-US" dirty="0" err="1" smtClean="0"/>
+              <a:t>harus</a:t>
+            </a:r>
+            <a:r>
+              <a:rPr lang="en-US" dirty="0" smtClean="0"/>
+              <a:t> </a:t>
+            </a:r>
+            <a:r>
+              <a:rPr lang="en-US" dirty="0" err="1" smtClean="0"/>
+              <a:t>langsung</a:t>
+            </a:r>
+            <a:r>
+              <a:rPr lang="en-US" dirty="0" smtClean="0"/>
+              <a:t> </a:t>
+            </a:r>
+            <a:r>
+              <a:rPr lang="en-US" dirty="0" err="1" smtClean="0"/>
+              <a:t>ke</a:t>
+            </a:r>
+            <a:r>
+              <a:rPr lang="en-US" dirty="0" smtClean="0"/>
+              <a:t> customer. </a:t>
+            </a:r>
+            <a:r>
+              <a:rPr lang="en-US" dirty="0" err="1" smtClean="0"/>
+              <a:t>Tentu</a:t>
+            </a:r>
+            <a:r>
+              <a:rPr lang="en-US" dirty="0" smtClean="0"/>
+              <a:t> </a:t>
+            </a:r>
+            <a:r>
+              <a:rPr lang="en-US" dirty="0" err="1" smtClean="0"/>
+              <a:t>saja</a:t>
+            </a:r>
+            <a:r>
+              <a:rPr lang="en-US" dirty="0" smtClean="0"/>
+              <a:t> customer </a:t>
+            </a:r>
+            <a:r>
+              <a:rPr lang="en-US" dirty="0" err="1" smtClean="0"/>
+              <a:t>bisa</a:t>
+            </a:r>
+            <a:r>
+              <a:rPr lang="en-US" dirty="0" smtClean="0"/>
+              <a:t> 	</a:t>
+            </a:r>
+            <a:r>
+              <a:rPr lang="en-US" dirty="0" err="1" smtClean="0"/>
+              <a:t>melakukan</a:t>
+            </a:r>
+            <a:r>
+              <a:rPr lang="en-US" dirty="0" smtClean="0"/>
+              <a:t> booking </a:t>
+            </a:r>
+            <a:r>
+              <a:rPr lang="en-US" dirty="0" err="1" smtClean="0"/>
+              <a:t>terlebih</a:t>
+            </a:r>
+            <a:r>
+              <a:rPr lang="en-US" dirty="0" smtClean="0"/>
+              <a:t> </a:t>
+            </a:r>
+            <a:r>
+              <a:rPr lang="en-US" dirty="0" err="1" smtClean="0"/>
+              <a:t>dahulu</a:t>
+            </a:r>
+            <a:r>
+              <a:rPr lang="en-US" dirty="0" smtClean="0"/>
+              <a:t>.</a:t>
+            </a:r>
+          </a:p>
+          <a:p>
+            <a:pPr marL="114300" indent="0">
+              <a:buNone/>
+            </a:pPr>
+            <a:r>
+              <a:rPr lang="en-US" dirty="0" smtClean="0"/>
+              <a:t>US_	: </a:t>
+            </a:r>
+            <a:r>
+              <a:rPr lang="en-US" dirty="0" err="1" smtClean="0"/>
+              <a:t>Baiklah</a:t>
+            </a:r>
+            <a:r>
+              <a:rPr lang="en-US" dirty="0" smtClean="0"/>
+              <a:t>. </a:t>
+            </a:r>
+            <a:r>
+              <a:rPr lang="en-US" dirty="0" err="1" smtClean="0"/>
+              <a:t>Adalagi</a:t>
+            </a:r>
+            <a:r>
+              <a:rPr lang="en-US" dirty="0" smtClean="0"/>
+              <a:t> </a:t>
+            </a:r>
+            <a:r>
+              <a:rPr lang="en-US" dirty="0" err="1" smtClean="0"/>
+              <a:t>tambahan</a:t>
+            </a:r>
+            <a:r>
+              <a:rPr lang="en-US" dirty="0" smtClean="0"/>
+              <a:t> </a:t>
+            </a:r>
+            <a:r>
+              <a:rPr lang="en-US" dirty="0" err="1" smtClean="0"/>
+              <a:t>untuk</a:t>
+            </a:r>
+            <a:r>
+              <a:rPr lang="en-US" dirty="0" smtClean="0"/>
+              <a:t> customer, </a:t>
+            </a:r>
+            <a:r>
+              <a:rPr lang="en-US" dirty="0" err="1" smtClean="0"/>
+              <a:t>pak</a:t>
+            </a:r>
+            <a:r>
+              <a:rPr lang="en-US" dirty="0" smtClean="0"/>
+              <a:t>?</a:t>
+            </a:r>
+          </a:p>
+          <a:p>
+            <a:pPr marL="114300" indent="0">
+              <a:buNone/>
+            </a:pPr>
+            <a:r>
+              <a:rPr lang="en-US" dirty="0" smtClean="0"/>
+              <a:t>BOS_	: Customer </a:t>
+            </a:r>
+            <a:r>
+              <a:rPr lang="en-US" dirty="0" err="1" smtClean="0"/>
+              <a:t>bisa</a:t>
+            </a:r>
+            <a:r>
+              <a:rPr lang="en-US" dirty="0" smtClean="0"/>
+              <a:t> </a:t>
+            </a:r>
+            <a:r>
+              <a:rPr lang="en-US" dirty="0" err="1" smtClean="0"/>
+              <a:t>melihar</a:t>
+            </a:r>
+            <a:r>
+              <a:rPr lang="en-US" dirty="0" smtClean="0"/>
+              <a:t> </a:t>
+            </a:r>
+            <a:r>
+              <a:rPr lang="en-US" dirty="0" err="1" smtClean="0"/>
+              <a:t>informasi</a:t>
+            </a:r>
+            <a:r>
+              <a:rPr lang="en-US" dirty="0" smtClean="0"/>
+              <a:t> </a:t>
+            </a:r>
+            <a:r>
+              <a:rPr lang="en-US" dirty="0" err="1" smtClean="0"/>
+              <a:t>dari</a:t>
+            </a:r>
+            <a:r>
+              <a:rPr lang="en-US" dirty="0" smtClean="0"/>
+              <a:t> </a:t>
+            </a:r>
+            <a:r>
+              <a:rPr lang="en-US" dirty="0" err="1" smtClean="0"/>
+              <a:t>apartemen</a:t>
+            </a:r>
+            <a:r>
+              <a:rPr lang="en-US" dirty="0" smtClean="0"/>
+              <a:t>. 	</a:t>
+            </a:r>
+            <a:r>
+              <a:rPr lang="en-US" dirty="0" err="1" smtClean="0"/>
+              <a:t>Mereka</a:t>
+            </a:r>
+            <a:r>
+              <a:rPr lang="en-US" dirty="0" smtClean="0"/>
+              <a:t> </a:t>
+            </a:r>
+            <a:r>
+              <a:rPr lang="en-US" dirty="0" err="1" smtClean="0"/>
+              <a:t>juga</a:t>
+            </a:r>
+            <a:r>
+              <a:rPr lang="en-US" dirty="0" smtClean="0"/>
+              <a:t> </a:t>
+            </a:r>
+            <a:r>
+              <a:rPr lang="en-US" dirty="0" err="1" smtClean="0"/>
+              <a:t>melihat</a:t>
+            </a:r>
+            <a:r>
+              <a:rPr lang="en-US" dirty="0" smtClean="0"/>
+              <a:t> </a:t>
+            </a:r>
+            <a:r>
+              <a:rPr lang="en-US" dirty="0" err="1" smtClean="0"/>
+              <a:t>promosi</a:t>
+            </a:r>
+            <a:r>
+              <a:rPr lang="en-US" dirty="0" smtClean="0"/>
+              <a:t> yang </a:t>
+            </a:r>
+            <a:r>
+              <a:rPr lang="en-US" dirty="0" err="1" smtClean="0"/>
+              <a:t>ada</a:t>
+            </a:r>
+            <a:r>
+              <a:rPr lang="en-US" dirty="0" smtClean="0"/>
+              <a:t>. </a:t>
+            </a:r>
+            <a:r>
+              <a:rPr lang="en-US" dirty="0" err="1" smtClean="0"/>
+              <a:t>Mereka</a:t>
+            </a:r>
+            <a:r>
+              <a:rPr lang="en-US" dirty="0" smtClean="0"/>
+              <a:t> </a:t>
+            </a:r>
+            <a:r>
+              <a:rPr lang="en-US" dirty="0" err="1" smtClean="0"/>
+              <a:t>juga</a:t>
+            </a:r>
+            <a:r>
+              <a:rPr lang="en-US" dirty="0" smtClean="0"/>
+              <a:t> </a:t>
+            </a:r>
+            <a:r>
+              <a:rPr lang="en-US" dirty="0" err="1" smtClean="0"/>
+              <a:t>bisa</a:t>
+            </a:r>
+            <a:r>
+              <a:rPr lang="en-US" dirty="0" smtClean="0"/>
+              <a:t> 	</a:t>
+            </a:r>
+            <a:r>
+              <a:rPr lang="en-US" dirty="0" err="1" smtClean="0"/>
+              <a:t>melihat</a:t>
+            </a:r>
+            <a:r>
+              <a:rPr lang="en-US" dirty="0" smtClean="0"/>
+              <a:t> status booking </a:t>
+            </a:r>
+            <a:r>
+              <a:rPr lang="en-US" dirty="0" err="1" smtClean="0"/>
+              <a:t>apartemen</a:t>
+            </a:r>
+            <a:r>
+              <a:rPr lang="en-US" dirty="0" smtClean="0"/>
+              <a:t>. </a:t>
+            </a:r>
+            <a:r>
+              <a:rPr lang="en-US" dirty="0" err="1" smtClean="0"/>
+              <a:t>Jadi</a:t>
+            </a:r>
+            <a:r>
+              <a:rPr lang="en-US" dirty="0" smtClean="0"/>
+              <a:t>, </a:t>
+            </a:r>
+            <a:r>
+              <a:rPr lang="en-US" dirty="0" err="1" smtClean="0"/>
+              <a:t>mereka</a:t>
+            </a:r>
+            <a:r>
+              <a:rPr lang="en-US" dirty="0" smtClean="0"/>
+              <a:t> </a:t>
+            </a:r>
+            <a:r>
+              <a:rPr lang="en-US" dirty="0" err="1" smtClean="0"/>
+              <a:t>bisa</a:t>
+            </a:r>
+            <a:r>
+              <a:rPr lang="en-US" dirty="0" smtClean="0"/>
+              <a:t> 	</a:t>
+            </a:r>
+            <a:r>
+              <a:rPr lang="en-US" dirty="0" err="1" smtClean="0"/>
+              <a:t>memilih</a:t>
+            </a:r>
+            <a:r>
+              <a:rPr lang="en-US" dirty="0" smtClean="0"/>
+              <a:t> </a:t>
+            </a:r>
+            <a:r>
+              <a:rPr lang="en-US" dirty="0" err="1" smtClean="0"/>
+              <a:t>apartemen</a:t>
+            </a:r>
+            <a:r>
+              <a:rPr lang="en-US" dirty="0" smtClean="0"/>
+              <a:t> yang </a:t>
+            </a:r>
+            <a:r>
+              <a:rPr lang="en-US" dirty="0" err="1" smtClean="0"/>
+              <a:t>bisa</a:t>
+            </a:r>
+            <a:r>
+              <a:rPr lang="en-US" dirty="0" smtClean="0"/>
+              <a:t> </a:t>
+            </a:r>
+            <a:r>
+              <a:rPr lang="en-US" dirty="0" err="1" smtClean="0"/>
+              <a:t>mereka</a:t>
+            </a:r>
+            <a:r>
+              <a:rPr lang="en-US" dirty="0" smtClean="0"/>
+              <a:t> booking.</a:t>
+            </a:r>
+          </a:p>
+          <a:p>
+            <a:pPr marL="114300" indent="0">
+              <a:buNone/>
+            </a:pPr>
+            <a:r>
+              <a:rPr lang="en-US" dirty="0" smtClean="0"/>
+              <a:t>US_	: </a:t>
+            </a:r>
+            <a:r>
+              <a:rPr lang="en-US" dirty="0" err="1" smtClean="0"/>
+              <a:t>Baik</a:t>
+            </a:r>
+            <a:r>
+              <a:rPr lang="en-US" dirty="0" smtClean="0"/>
+              <a:t>, </a:t>
+            </a:r>
+            <a:r>
+              <a:rPr lang="en-US" dirty="0" err="1" smtClean="0"/>
+              <a:t>pak.</a:t>
+            </a:r>
+            <a:r>
+              <a:rPr lang="en-US" dirty="0" smtClean="0"/>
+              <a:t> </a:t>
+            </a:r>
+            <a:r>
+              <a:rPr lang="en-US" dirty="0" err="1" smtClean="0"/>
+              <a:t>Apakah</a:t>
+            </a:r>
+            <a:r>
+              <a:rPr lang="en-US" dirty="0" smtClean="0"/>
+              <a:t> kami </a:t>
+            </a:r>
+            <a:r>
+              <a:rPr lang="en-US" dirty="0" err="1" smtClean="0"/>
+              <a:t>boleh</a:t>
+            </a:r>
+            <a:r>
+              <a:rPr lang="en-US" dirty="0" smtClean="0"/>
+              <a:t> </a:t>
+            </a:r>
+            <a:r>
+              <a:rPr lang="en-US" dirty="0" err="1" smtClean="0"/>
+              <a:t>memulai</a:t>
+            </a:r>
+            <a:r>
+              <a:rPr lang="en-US" dirty="0" smtClean="0"/>
+              <a:t> </a:t>
+            </a:r>
+            <a:r>
+              <a:rPr lang="en-US" dirty="0" err="1" smtClean="0"/>
+              <a:t>untuk</a:t>
+            </a:r>
+            <a:r>
+              <a:rPr lang="en-US" dirty="0" smtClean="0"/>
+              <a:t> 	</a:t>
+            </a:r>
+            <a:r>
+              <a:rPr lang="en-US" dirty="0" err="1" smtClean="0"/>
+              <a:t>membuatkan</a:t>
+            </a:r>
+            <a:r>
+              <a:rPr lang="en-US" dirty="0" smtClean="0"/>
+              <a:t> website </a:t>
+            </a:r>
+            <a:r>
+              <a:rPr lang="en-US" dirty="0" err="1" smtClean="0"/>
+              <a:t>ini</a:t>
+            </a:r>
+            <a:r>
+              <a:rPr lang="en-US" dirty="0" smtClean="0"/>
+              <a:t>?</a:t>
+            </a:r>
+          </a:p>
+          <a:p>
+            <a:pPr marL="114300" indent="0">
+              <a:buNone/>
+            </a:pPr>
+            <a:r>
+              <a:rPr lang="en-US" dirty="0" smtClean="0"/>
+              <a:t>BOS_	: </a:t>
+            </a:r>
+            <a:r>
+              <a:rPr lang="en-US" dirty="0" err="1" smtClean="0"/>
+              <a:t>Ya</a:t>
+            </a:r>
+            <a:r>
+              <a:rPr lang="en-US" dirty="0" smtClean="0"/>
+              <a:t>, </a:t>
+            </a:r>
+            <a:r>
+              <a:rPr lang="en-US" dirty="0" err="1" smtClean="0"/>
+              <a:t>tentu</a:t>
+            </a:r>
+            <a:r>
+              <a:rPr lang="en-US" dirty="0" smtClean="0"/>
+              <a:t> </a:t>
+            </a:r>
+            <a:r>
+              <a:rPr lang="en-US" dirty="0" err="1" smtClean="0"/>
+              <a:t>saja</a:t>
+            </a:r>
+            <a:r>
+              <a:rPr lang="en-US" dirty="0" smtClean="0"/>
+              <a:t>.</a:t>
+            </a:r>
+          </a:p>
+          <a:p>
+            <a:pPr marL="114300" indent="0">
+              <a:buNone/>
+            </a:pPr>
+            <a:r>
+              <a:rPr lang="en-US" dirty="0" smtClean="0"/>
+              <a:t>US_	: Kami </a:t>
+            </a:r>
+            <a:r>
+              <a:rPr lang="en-US" dirty="0" err="1" smtClean="0"/>
+              <a:t>akan</a:t>
+            </a:r>
+            <a:r>
+              <a:rPr lang="en-US" dirty="0" smtClean="0"/>
+              <a:t> </a:t>
+            </a:r>
+            <a:r>
+              <a:rPr lang="en-US" dirty="0" err="1" smtClean="0"/>
+              <a:t>membuat</a:t>
+            </a:r>
+            <a:r>
+              <a:rPr lang="en-US" dirty="0" smtClean="0"/>
+              <a:t> </a:t>
+            </a:r>
+            <a:r>
+              <a:rPr lang="en-US" dirty="0" err="1" smtClean="0"/>
+              <a:t>sesuai</a:t>
+            </a:r>
+            <a:r>
+              <a:rPr lang="en-US" dirty="0" smtClean="0"/>
+              <a:t> </a:t>
+            </a:r>
+            <a:r>
+              <a:rPr lang="en-US" dirty="0" err="1" smtClean="0"/>
+              <a:t>dengan</a:t>
+            </a:r>
+            <a:r>
+              <a:rPr lang="en-US" dirty="0" smtClean="0"/>
+              <a:t> </a:t>
+            </a:r>
+            <a:r>
+              <a:rPr lang="en-US" dirty="0" err="1" smtClean="0"/>
+              <a:t>informasi</a:t>
+            </a:r>
+            <a:r>
+              <a:rPr lang="en-US" dirty="0" smtClean="0"/>
+              <a:t> yang kami </a:t>
+            </a:r>
+            <a:r>
+              <a:rPr lang="en-US" dirty="0" err="1" smtClean="0"/>
+              <a:t>terima</a:t>
+            </a:r>
+            <a:r>
+              <a:rPr lang="en-US" dirty="0" smtClean="0"/>
+              <a:t>. </a:t>
+            </a:r>
+            <a:r>
+              <a:rPr lang="en-US" dirty="0" err="1" smtClean="0"/>
+              <a:t>Terima</a:t>
+            </a:r>
+            <a:r>
+              <a:rPr lang="en-US" dirty="0" smtClean="0"/>
+              <a:t> </a:t>
+            </a:r>
+            <a:r>
+              <a:rPr lang="en-US" dirty="0" err="1" smtClean="0"/>
+              <a:t>kasih</a:t>
+            </a:r>
+            <a:r>
+              <a:rPr lang="en-US" dirty="0" smtClean="0"/>
+              <a:t> </a:t>
+            </a:r>
+            <a:r>
+              <a:rPr lang="en-US" dirty="0" err="1" smtClean="0"/>
+              <a:t>atas</a:t>
+            </a:r>
+            <a:r>
+              <a:rPr lang="en-US" dirty="0" smtClean="0"/>
+              <a:t> </a:t>
+            </a:r>
+            <a:r>
+              <a:rPr lang="en-US" dirty="0" err="1" smtClean="0"/>
+              <a:t>waktunya</a:t>
+            </a:r>
+            <a:r>
+              <a:rPr lang="en-US" dirty="0" smtClean="0"/>
+              <a:t>, </a:t>
+            </a:r>
+            <a:r>
+              <a:rPr lang="en-US" dirty="0" err="1" smtClean="0"/>
+              <a:t>pak.</a:t>
+            </a:r>
+            <a:endParaRPr lang="en-US" dirty="0" smtClean="0"/>
+          </a:p>
+          <a:p>
+            <a:pPr marL="114300" indent="0">
+              <a:buNone/>
+            </a:pPr>
+            <a:r>
+              <a:rPr lang="en-US" dirty="0" smtClean="0"/>
+              <a:t>BOS_	: </a:t>
+            </a:r>
+            <a:r>
+              <a:rPr lang="en-US" dirty="0" err="1" smtClean="0"/>
+              <a:t>Sama-sama</a:t>
+            </a:r>
+            <a:r>
+              <a:rPr lang="en-US" dirty="0" smtClean="0"/>
+              <a:t>.</a:t>
+            </a:r>
+            <a:endParaRPr lang="en-US" dirty="0"/>
+          </a:p>
+        </p:txBody>
+      </p:sp>
+    </p:spTree>
+    <p:extLst>
+      <p:ext uri="{BB962C8B-B14F-4D97-AF65-F5344CB8AC3E}">
+        <p14:creationId xmlns:p14="http://schemas.microsoft.com/office/powerpoint/2010/main" val="2657668765"/>
+      </p:ext>
+    </p:extLst>
+  </p:cSld>
+  <p:clrMapOvr>
+    <a:masterClrMapping/>
+  </p:clrMapOvr>
+</p:sld>
+</file>
+
 <file path=ppt/theme/theme1.xml><?xml version="1.0" encoding="utf-8"?>
-<a:theme xmlns:a="http://schemas.openxmlformats.org/drawingml/2006/main" name="Flow">
+<a:theme xmlns:a="http://schemas.openxmlformats.org/drawingml/2006/main" name="Adjacency">
   <a:themeElements>
-    <a:clrScheme name="Flow">
+    <a:clrScheme name="Adjacency">
       <a:dk1>
-        <a:sysClr val="windowText" lastClr="000000"/>
+        <a:srgbClr val="2F2B20"/>
       </a:dk1>
       <a:lt1>
-        <a:sysClr val="window" lastClr="FFFFFF"/>
+        <a:srgbClr val="FFFFFF"/>
       </a:lt1>
       <a:dk2>
-        <a:srgbClr val="04617B"/>
+        <a:srgbClr val="675E47"/>
       </a:dk2>
       <a:lt2>
-        <a:srgbClr val="DBF5F9"/>
+        <a:srgbClr val="DFDCB7"/>
       </a:lt2>
       <a:accent1>
-        <a:srgbClr val="0F6FC6"/>
+        <a:srgbClr val="A9A57C"/>
       </a:accent1>
       <a:accent2>
-        <a:srgbClr val="009DD9"/>
+        <a:srgbClr val="9CBEBD"/>
       </a:accent2>
       <a:accent3>
-        <a:srgbClr val="0BD0D9"/>
+        <a:srgbClr val="D2CB6C"/>
       </a:accent3>
       <a:accent4>
-        <a:srgbClr val="10CF9B"/>
+        <a:srgbClr val="95A39D"/>
       </a:accent4>
       <a:accent5>
-        <a:srgbClr val="7CCA62"/>
+        <a:srgbClr val="C89F5D"/>
       </a:accent5>
       <a:accent6>
-        <a:srgbClr val="A5C249"/>
+        <a:srgbClr val="B1A089"/>
       </a:accent6>
       <a:hlink>
-        <a:srgbClr val="F49100"/>
+        <a:srgbClr val="D25814"/>
       </a:hlink>
       <a:folHlink>
-        <a:srgbClr val="85DFD0"/>
+        <a:srgbClr val="849A0A"/>
       </a:folHlink>
     </a:clrScheme>
-    <a:fontScheme name="Flow">
+    <a:fontScheme name="Office">
       <a:majorFont>
+        <a:latin typeface="Cambria"/>
+        <a:ea typeface=""/>
+        <a:cs typeface=""/>
+        <a:font script="Jpan" typeface="ＭＳ ゴシック"/>
+        <a:font script="Hang" typeface="맑은 고딕"/>
+        <a:font script="Hans" typeface="宋体"/>
+        <a:font script="Hant" typeface="新細明體"/>
+        <a:font script="Arab" typeface="Times New Roman"/>
+        <a:font script="Hebr" typeface="Times New Roman"/>
+        <a:font script="Thai" typeface="Angsana New"/>
+        <a:font script="Ethi" typeface="Nyala"/>
+        <a:font script="Beng" typeface="Vrinda"/>
+        <a:font script="Gujr" typeface="Shruti"/>
+        <a:font script="Khmr" typeface="MoolBoran"/>
+        <a:font script="Knda" typeface="Tunga"/>
+        <a:font script="Guru" typeface="Raavi"/>
+        <a:font script="Cans" typeface="Euphemia"/>
+        <a:font script="Cher" typeface="Plantagenet Cherokee"/>
+        <a:font script="Yiii" typeface="Microsoft Yi Baiti"/>
+        <a:font script="Tibt" typeface="Microsoft Himalaya"/>
+        <a:font script="Thaa" typeface="MV Boli"/>
+        <a:font script="Deva" typeface="Mangal"/>
+        <a:font script="Telu" typeface="Gautami"/>
+        <a:font script="Taml" typeface="Latha"/>
+        <a:font script="Syrc" typeface="Estrangelo Edessa"/>
+        <a:font script="Orya" typeface="Kalinga"/>
+        <a:font script="Mlym" typeface="Kartika"/>
+        <a:font script="Laoo" typeface="DokChampa"/>
+        <a:font script="Sinh" typeface="Iskoola Pota"/>
+        <a:font script="Mong" typeface="Mongolian Baiti"/>
+        <a:font script="Viet" typeface="Times New Roman"/>
+        <a:font script="Uigh" typeface="Microsoft Uighur"/>
+        <a:font script="Geor" typeface="Sylfaen"/>
+      </a:majorFont>
+      <a:minorFont>
         <a:latin typeface="Calibri"/>
         <a:ea typeface=""/>
         <a:cs typeface=""/>
-        <a:font script="Jpan" typeface="ＭＳ Ｐゴシック"/>
-        <a:font script="Hang" typeface="HY중고딕"/>
-        <a:font script="Hans" typeface="隶书"/>
-        <a:font script="Hant" typeface="微軟正黑體"/>
-        <a:font script="Arab" typeface="Traditional Arabic"/>
+        <a:font script="Jpan" typeface="ＭＳ 明朝"/>
+        <a:font script="Hang" typeface="맑은 고딕"/>
+        <a:font script="Hans" typeface="宋体"/>
+        <a:font script="Hant" typeface="新細明體"/>
+        <a:font script="Arab" typeface="Arial"/>
         <a:font script="Hebr" typeface="Arial"/>
         <a:font script="Thai" typeface="Cordia New"/>
         <a:font script="Ethi" typeface="Nyala"/>
@@ -5076,111 +6356,29 @@
         <a:font script="Mong" typeface="Mongolian Baiti"/>
         <a:font script="Viet" typeface="Arial"/>
         <a:font script="Uigh" typeface="Microsoft Uighur"/>
-      </a:majorFont>
-      <a:minorFont>
-        <a:latin typeface="Constantia"/>
-        <a:ea typeface=""/>
-        <a:cs typeface=""/>
-        <a:font script="Jpan" typeface="HGP明朝E"/>
-        <a:font script="Hang" typeface="HY신명조"/>
-        <a:font script="Hans" typeface="宋体"/>
-        <a:font script="Hant" typeface="新細明體"/>
-        <a:font script="Arab" typeface="Majalla UI"/>
-        <a:font script="Hebr" typeface="David"/>
-        <a:font script="Thai" typeface="Browallia New"/>
-        <a:font script="Ethi" typeface="Nyala"/>
-        <a:font script="Beng" typeface="Vrinda"/>
-        <a:font script="Gujr" typeface="Shruti"/>
-        <a:font script="Khmr" typeface="MoolBoran"/>
-        <a:font script="Knda" typeface="Tunga"/>
-        <a:font script="Guru" typeface="Raavi"/>
-        <a:font script="Cans" typeface="Euphemia"/>
-        <a:font script="Cher" typeface="Plantagenet Cherokee"/>
-        <a:font script="Yiii" typeface="Microsoft Yi Baiti"/>
-        <a:font script="Tibt" typeface="Microsoft Himalaya"/>
-        <a:font script="Thaa" typeface="MV Boli"/>
-        <a:font script="Deva" typeface="Mangal"/>
-        <a:font script="Telu" typeface="Gautami"/>
-        <a:font script="Taml" typeface="Latha"/>
-        <a:font script="Syrc" typeface="Estrangelo Edessa"/>
-        <a:font script="Orya" typeface="Kalinga"/>
-        <a:font script="Mlym" typeface="Kartika"/>
-        <a:font script="Laoo" typeface="DokChampa"/>
-        <a:font script="Sinh" typeface="Iskoola Pota"/>
-        <a:font script="Mong" typeface="Mongolian Baiti"/>
-        <a:font script="Viet" typeface="Times New Roman"/>
-        <a:font script="Uigh" typeface="Microsoft Uighur"/>
+        <a:font script="Geor" typeface="Sylfaen"/>
       </a:minorFont>
     </a:fontScheme>
-    <a:fmtScheme name="Flow">
+    <a:fmtScheme name="Adjacency">
       <a:fillStyleLst>
         <a:solidFill>
           <a:schemeClr val="phClr"/>
         </a:solidFill>
-        <a:gradFill rotWithShape="1">
-          <a:gsLst>
-            <a:gs pos="0">
-              <a:schemeClr val="phClr">
-                <a:tint val="70000"/>
-                <a:satMod val="130000"/>
-              </a:schemeClr>
-            </a:gs>
-            <a:gs pos="43000">
-              <a:schemeClr val="phClr">
-                <a:tint val="44000"/>
-                <a:satMod val="165000"/>
-              </a:schemeClr>
-            </a:gs>
-            <a:gs pos="93000">
-              <a:schemeClr val="phClr">
-                <a:tint val="15000"/>
-                <a:satMod val="165000"/>
-              </a:schemeClr>
-            </a:gs>
-            <a:gs pos="100000">
-              <a:schemeClr val="phClr">
-                <a:tint val="5000"/>
-                <a:satMod val="250000"/>
-              </a:schemeClr>
-            </a:gs>
-          </a:gsLst>
-          <a:path path="circle">
-            <a:fillToRect l="50000" t="130000" r="50000" b="-30000"/>
-          </a:path>
-        </a:gradFill>
-        <a:gradFill rotWithShape="1">
-          <a:gsLst>
-            <a:gs pos="0">
-              <a:schemeClr val="phClr">
-                <a:tint val="98000"/>
-                <a:shade val="25000"/>
-                <a:satMod val="250000"/>
-              </a:schemeClr>
-            </a:gs>
-            <a:gs pos="68000">
-              <a:schemeClr val="phClr">
-                <a:tint val="86000"/>
-                <a:satMod val="115000"/>
-              </a:schemeClr>
-            </a:gs>
-            <a:gs pos="100000">
-              <a:schemeClr val="phClr">
-                <a:tint val="50000"/>
-                <a:satMod val="150000"/>
-              </a:schemeClr>
-            </a:gs>
-          </a:gsLst>
-          <a:path path="circle">
-            <a:fillToRect l="50000" t="130000" r="50000" b="-30000"/>
-          </a:path>
-        </a:gradFill>
+        <a:solidFill>
+          <a:schemeClr val="phClr">
+            <a:tint val="55000"/>
+          </a:schemeClr>
+        </a:solidFill>
+        <a:solidFill>
+          <a:schemeClr val="phClr"/>
+        </a:solidFill>
       </a:fillStyleLst>
       <a:lnStyleLst>
-        <a:ln w="9525" cap="flat" cmpd="sng" algn="ctr">
+        <a:ln w="12700" cap="flat" cmpd="sng" algn="ctr">
           <a:solidFill>
             <a:schemeClr val="phClr">
-              <a:shade val="50000"/>
-              <a:satMod val="103000"/>
+              <a:shade val="95000"/>
+              <a:satMod val="105000"/>
             </a:schemeClr>
           </a:solidFill>
           <a:prstDash val="solid"/>
@@ -5200,47 +6398,35 @@
       </a:lnStyleLst>
       <a:effectStyleLst>
         <a:effectStyle>
+          <a:effectLst/>
+        </a:effectStyle>
+        <a:effectStyle>
           <a:effectLst>
-            <a:outerShdw blurRad="57150" dist="38100" dir="5400000" algn="ctr" rotWithShape="0">
-              <a:schemeClr val="phClr">
-                <a:shade val="9000"/>
-                <a:alpha val="48000"/>
-                <a:satMod val="105000"/>
-              </a:schemeClr>
+            <a:outerShdw blurRad="50800" dist="25400" algn="bl" rotWithShape="0">
+              <a:srgbClr val="000000">
+                <a:alpha val="60000"/>
+              </a:srgbClr>
             </a:outerShdw>
           </a:effectLst>
         </a:effectStyle>
         <a:effectStyle>
-          <a:effectLst>
-            <a:outerShdw blurRad="57150" dist="38100" dir="5400000" algn="ctr" rotWithShape="0">
-              <a:schemeClr val="phClr">
-                <a:shade val="9000"/>
-                <a:alpha val="48000"/>
-                <a:satMod val="105000"/>
-              </a:schemeClr>
-            </a:outerShdw>
-          </a:effectLst>
-        </a:effectStyle>
-        <a:effectStyle>
-          <a:effectLst>
-            <a:outerShdw blurRad="57150" dist="38100" dir="5400000" algn="ctr" rotWithShape="0">
-              <a:schemeClr val="phClr">
-                <a:shade val="9000"/>
-                <a:alpha val="48000"/>
-                <a:satMod val="105000"/>
-              </a:schemeClr>
-            </a:outerShdw>
-          </a:effectLst>
+          <a:effectLst/>
           <a:scene3d>
             <a:camera prst="orthographicFront">
               <a:rot lat="0" lon="0" rev="0"/>
             </a:camera>
-            <a:lightRig rig="glow" dir="tl">
-              <a:rot lat="0" lon="0" rev="900000"/>
+            <a:lightRig rig="brightRoom" dir="tl">
+              <a:rot lat="0" lon="0" rev="1800000"/>
             </a:lightRig>
           </a:scene3d>
-          <a:sp3d prstMaterial="powder">
-            <a:bevelT w="25400" h="38100"/>
+          <a:sp3d contourW="10160" prstMaterial="dkEdge">
+            <a:bevelT w="38100" h="50800" prst="angle"/>
+            <a:contourClr>
+              <a:schemeClr val="phClr">
+                <a:shade val="40000"/>
+                <a:satMod val="150000"/>
+              </a:schemeClr>
+            </a:contourClr>
           </a:sp3d>
         </a:effectStyle>
       </a:effectStyleLst>
@@ -5252,41 +6438,38 @@
           <a:gsLst>
             <a:gs pos="0">
               <a:schemeClr val="phClr">
-                <a:tint val="80000"/>
-                <a:satMod val="400000"/>
+                <a:tint val="90000"/>
               </a:schemeClr>
             </a:gs>
-            <a:gs pos="25000">
+            <a:gs pos="75000">
               <a:schemeClr val="phClr">
-                <a:tint val="83000"/>
-                <a:satMod val="320000"/>
+                <a:shade val="100000"/>
+                <a:satMod val="115000"/>
               </a:schemeClr>
             </a:gs>
             <a:gs pos="100000">
               <a:schemeClr val="phClr">
-                <a:shade val="15000"/>
-                <a:satMod val="320000"/>
+                <a:shade val="70000"/>
+                <a:satMod val="130000"/>
               </a:schemeClr>
             </a:gs>
           </a:gsLst>
           <a:path path="circle">
-            <a:fillToRect l="10000" t="110000" r="10000" b="100000"/>
+            <a:fillToRect l="20000" t="50000" r="100000" b="50000"/>
           </a:path>
         </a:gradFill>
-        <a:blipFill>
+        <a:blipFill rotWithShape="1">
           <a:blip xmlns:r="http://schemas.openxmlformats.org/officeDocument/2006/relationships" r:embed="rId1">
             <a:duotone>
               <a:schemeClr val="phClr">
-                <a:shade val="90000"/>
-                <a:satMod val="150000"/>
+                <a:tint val="97000"/>
               </a:schemeClr>
               <a:schemeClr val="phClr">
-                <a:tint val="88000"/>
-                <a:satMod val="150000"/>
+                <a:shade val="96000"/>
               </a:schemeClr>
             </a:duotone>
           </a:blip>
-          <a:tile tx="0" ty="0" sx="65000" sy="65000" flip="none" algn="tl"/>
+          <a:tile tx="0" ty="0" sx="32000" sy="32000" flip="none" algn="tl"/>
         </a:blipFill>
       </a:bgFillStyleLst>
     </a:fmtScheme>
